--- a/ChildAlertSystem/ProjectDocuments/ECE574_final_project.pptx
+++ b/ChildAlertSystem/ProjectDocuments/ECE574_final_project.pptx
@@ -15,11 +15,13 @@
     <p:sldId id="272" r:id="rId9"/>
     <p:sldId id="274" r:id="rId10"/>
     <p:sldId id="269" r:id="rId11"/>
-    <p:sldId id="273" r:id="rId12"/>
-    <p:sldId id="276" r:id="rId13"/>
-    <p:sldId id="278" r:id="rId14"/>
-    <p:sldId id="270" r:id="rId15"/>
-    <p:sldId id="271" r:id="rId16"/>
+    <p:sldId id="281" r:id="rId12"/>
+    <p:sldId id="282" r:id="rId13"/>
+    <p:sldId id="273" r:id="rId14"/>
+    <p:sldId id="276" r:id="rId15"/>
+    <p:sldId id="278" r:id="rId16"/>
+    <p:sldId id="270" r:id="rId17"/>
+    <p:sldId id="271" r:id="rId18"/>
   </p:sldIdLst>
   <p:sldSz cx="9144000" cy="6858000" type="screen4x3"/>
   <p:notesSz cx="6858000" cy="9144000"/>
@@ -118,7 +120,72 @@
       </a:defRPr>
     </a:lvl9pPr>
   </p:defaultTextStyle>
+  <p:extLst>
+    <p:ext uri="{EFAFB233-063F-42B5-8137-9DF3F51BA10A}">
+      <p15:sldGuideLst xmlns:p15="http://schemas.microsoft.com/office/powerpoint/2012/main">
+        <p15:guide id="1" orient="horz" pos="2160">
+          <p15:clr>
+            <a:srgbClr val="A4A3A4"/>
+          </p15:clr>
+        </p15:guide>
+        <p15:guide id="2" pos="2880">
+          <p15:clr>
+            <a:srgbClr val="A4A3A4"/>
+          </p15:clr>
+        </p15:guide>
+      </p15:sldGuideLst>
+    </p:ext>
+  </p:extLst>
 </p:presentation>
+</file>
+
+<file path=ppt/commentAuthors.xml><?xml version="1.0" encoding="utf-8"?>
+<p:cmAuthorLst xmlns:a="http://schemas.openxmlformats.org/drawingml/2006/main" xmlns:r="http://schemas.openxmlformats.org/officeDocument/2006/relationships" xmlns:p="http://schemas.openxmlformats.org/presentationml/2006/main">
+  <p:cmAuthor id="1" name="Trishok K." initials="TK" lastIdx="3" clrIdx="0">
+    <p:extLst>
+      <p:ext uri="{19B8F6BF-5375-455C-9EA6-DF929625EA0E}">
+        <p15:presenceInfo xmlns:p15="http://schemas.microsoft.com/office/powerpoint/2012/main" userId="Trishok K." providerId="None"/>
+      </p:ext>
+    </p:extLst>
+  </p:cmAuthor>
+</p:cmAuthorLst>
+</file>
+
+<file path=ppt/comments/comment1.xml><?xml version="1.0" encoding="utf-8"?>
+<p:cmLst xmlns:a="http://schemas.openxmlformats.org/drawingml/2006/main" xmlns:r="http://schemas.openxmlformats.org/officeDocument/2006/relationships" xmlns:p="http://schemas.openxmlformats.org/presentationml/2006/main">
+  <p:cm authorId="1" dt="2019-12-05T19:43:07.573" idx="1">
+    <p:pos x="10" y="10"/>
+    <p:text>Add future Scope</p:text>
+    <p:extLst>
+      <p:ext uri="{C676402C-5697-4E1C-873F-D02D1690AC5C}">
+        <p15:threadingInfo xmlns:p15="http://schemas.microsoft.com/office/powerpoint/2012/main" timeZoneBias="300"/>
+      </p:ext>
+    </p:extLst>
+  </p:cm>
+  <p:cm authorId="1" dt="2019-12-05T19:43:20.520" idx="2">
+    <p:pos x="106" y="106"/>
+    <p:text/>
+    <p:extLst>
+      <p:ext uri="{C676402C-5697-4E1C-873F-D02D1690AC5C}">
+        <p15:threadingInfo xmlns:p15="http://schemas.microsoft.com/office/powerpoint/2012/main" timeZoneBias="300"/>
+      </p:ext>
+    </p:extLst>
+  </p:cm>
+</p:cmLst>
+</file>
+
+<file path=ppt/comments/comment2.xml><?xml version="1.0" encoding="utf-8"?>
+<p:cmLst xmlns:a="http://schemas.openxmlformats.org/drawingml/2006/main" xmlns:r="http://schemas.openxmlformats.org/officeDocument/2006/relationships" xmlns:p="http://schemas.openxmlformats.org/presentationml/2006/main">
+  <p:cm authorId="1" dt="2019-12-05T20:07:32.535" idx="3">
+    <p:pos x="1663" y="1093"/>
+    <p:text>Add the points why agile that were added in report</p:text>
+    <p:extLst>
+      <p:ext uri="{C676402C-5697-4E1C-873F-D02D1690AC5C}">
+        <p15:threadingInfo xmlns:p15="http://schemas.microsoft.com/office/powerpoint/2012/main" timeZoneBias="300"/>
+      </p:ext>
+    </p:extLst>
+  </p:cm>
+</p:cmLst>
 </file>
 
 <file path=ppt/slideLayouts/slideLayout1.xml><?xml version="1.0" encoding="utf-8"?>
@@ -167,10 +234,9 @@
           </a:lstStyle>
           <a:p>
             <a:r>
-              <a:rPr kumimoji="0" lang="en-US" smtClean="0"/>
+              <a:rPr kumimoji="0" lang="en-US"/>
               <a:t>Click to edit Master title style</a:t>
             </a:r>
-            <a:endParaRPr kumimoji="0" lang="en-US"/>
           </a:p>
         </p:txBody>
       </p:sp>
@@ -231,10 +297,9 @@
           </a:lstStyle>
           <a:p>
             <a:r>
-              <a:rPr kumimoji="0" lang="en-US" smtClean="0"/>
+              <a:rPr kumimoji="0" lang="en-US"/>
               <a:t>Click to edit Master subtitle style</a:t>
             </a:r>
-            <a:endParaRPr kumimoji="0" lang="en-US"/>
           </a:p>
         </p:txBody>
       </p:sp>
@@ -264,7 +329,7 @@
           <a:p>
             <a:fld id="{41F8D19A-CDA4-40C2-B5D8-B7BBF35B7617}" type="datetimeFigureOut">
               <a:rPr lang="en-US" smtClean="0"/>
-              <a:t>11/30/2019</a:t>
+              <a:t>12/5/2019</a:t>
             </a:fld>
             <a:endParaRPr lang="en-US"/>
           </a:p>
@@ -547,10 +612,9 @@
           <a:lstStyle/>
           <a:p>
             <a:r>
-              <a:rPr kumimoji="0" lang="en-US" smtClean="0"/>
+              <a:rPr kumimoji="0" lang="en-US"/>
               <a:t>Click to edit Master title style</a:t>
             </a:r>
-            <a:endParaRPr kumimoji="0" lang="en-US"/>
           </a:p>
         </p:txBody>
       </p:sp>
@@ -571,35 +635,35 @@
           <a:p>
             <a:pPr lvl="0" eaLnBrk="1" latinLnBrk="0" hangingPunct="1"/>
             <a:r>
-              <a:rPr lang="en-US" smtClean="0"/>
+              <a:rPr lang="en-US"/>
               <a:t>Click to edit Master text styles</a:t>
             </a:r>
           </a:p>
           <a:p>
             <a:pPr lvl="1" eaLnBrk="1" latinLnBrk="0" hangingPunct="1"/>
             <a:r>
-              <a:rPr lang="en-US" smtClean="0"/>
+              <a:rPr lang="en-US"/>
               <a:t>Second level</a:t>
             </a:r>
           </a:p>
           <a:p>
             <a:pPr lvl="2" eaLnBrk="1" latinLnBrk="0" hangingPunct="1"/>
             <a:r>
-              <a:rPr lang="en-US" smtClean="0"/>
+              <a:rPr lang="en-US"/>
               <a:t>Third level</a:t>
             </a:r>
           </a:p>
           <a:p>
             <a:pPr lvl="3" eaLnBrk="1" latinLnBrk="0" hangingPunct="1"/>
             <a:r>
-              <a:rPr lang="en-US" smtClean="0"/>
+              <a:rPr lang="en-US"/>
               <a:t>Fourth level</a:t>
             </a:r>
           </a:p>
           <a:p>
             <a:pPr lvl="4" eaLnBrk="1" latinLnBrk="0" hangingPunct="1"/>
             <a:r>
-              <a:rPr lang="en-US" smtClean="0"/>
+              <a:rPr lang="en-US"/>
               <a:t>Fifth level</a:t>
             </a:r>
             <a:endParaRPr kumimoji="0" lang="en-US"/>
@@ -623,7 +687,7 @@
           <a:p>
             <a:fld id="{41F8D19A-CDA4-40C2-B5D8-B7BBF35B7617}" type="datetimeFigureOut">
               <a:rPr lang="en-US" smtClean="0"/>
-              <a:t>11/30/2019</a:t>
+              <a:t>12/5/2019</a:t>
             </a:fld>
             <a:endParaRPr lang="en-US"/>
           </a:p>
@@ -717,10 +781,9 @@
           <a:lstStyle/>
           <a:p>
             <a:r>
-              <a:rPr kumimoji="0" lang="en-US" smtClean="0"/>
+              <a:rPr kumimoji="0" lang="en-US"/>
               <a:t>Click to edit Master title style</a:t>
             </a:r>
-            <a:endParaRPr kumimoji="0" lang="en-US"/>
           </a:p>
         </p:txBody>
       </p:sp>
@@ -746,35 +809,35 @@
           <a:p>
             <a:pPr lvl="0" eaLnBrk="1" latinLnBrk="0" hangingPunct="1"/>
             <a:r>
-              <a:rPr lang="en-US" smtClean="0"/>
+              <a:rPr lang="en-US"/>
               <a:t>Click to edit Master text styles</a:t>
             </a:r>
           </a:p>
           <a:p>
             <a:pPr lvl="1" eaLnBrk="1" latinLnBrk="0" hangingPunct="1"/>
             <a:r>
-              <a:rPr lang="en-US" smtClean="0"/>
+              <a:rPr lang="en-US"/>
               <a:t>Second level</a:t>
             </a:r>
           </a:p>
           <a:p>
             <a:pPr lvl="2" eaLnBrk="1" latinLnBrk="0" hangingPunct="1"/>
             <a:r>
-              <a:rPr lang="en-US" smtClean="0"/>
+              <a:rPr lang="en-US"/>
               <a:t>Third level</a:t>
             </a:r>
           </a:p>
           <a:p>
             <a:pPr lvl="3" eaLnBrk="1" latinLnBrk="0" hangingPunct="1"/>
             <a:r>
-              <a:rPr lang="en-US" smtClean="0"/>
+              <a:rPr lang="en-US"/>
               <a:t>Fourth level</a:t>
             </a:r>
           </a:p>
           <a:p>
             <a:pPr lvl="4" eaLnBrk="1" latinLnBrk="0" hangingPunct="1"/>
             <a:r>
-              <a:rPr lang="en-US" smtClean="0"/>
+              <a:rPr lang="en-US"/>
               <a:t>Fifth level</a:t>
             </a:r>
             <a:endParaRPr kumimoji="0" lang="en-US"/>
@@ -798,7 +861,7 @@
           <a:p>
             <a:fld id="{41F8D19A-CDA4-40C2-B5D8-B7BBF35B7617}" type="datetimeFigureOut">
               <a:rPr lang="en-US" smtClean="0"/>
-              <a:t>11/30/2019</a:t>
+              <a:t>12/5/2019</a:t>
             </a:fld>
             <a:endParaRPr lang="en-US"/>
           </a:p>
@@ -1009,10 +1072,9 @@
           <a:lstStyle/>
           <a:p>
             <a:r>
-              <a:rPr kumimoji="0" lang="en-US" smtClean="0"/>
+              <a:rPr kumimoji="0" lang="en-US"/>
               <a:t>Click to edit Master title style</a:t>
             </a:r>
-            <a:endParaRPr kumimoji="0" lang="en-US"/>
           </a:p>
         </p:txBody>
       </p:sp>
@@ -1033,7 +1095,7 @@
           <a:p>
             <a:fld id="{41F8D19A-CDA4-40C2-B5D8-B7BBF35B7617}" type="datetimeFigureOut">
               <a:rPr lang="en-US" smtClean="0"/>
-              <a:t>11/30/2019</a:t>
+              <a:t>12/5/2019</a:t>
             </a:fld>
             <a:endParaRPr lang="en-US"/>
           </a:p>
@@ -1103,35 +1165,35 @@
           <a:p>
             <a:pPr lvl="0" eaLnBrk="1" latinLnBrk="0" hangingPunct="1"/>
             <a:r>
-              <a:rPr lang="en-US" smtClean="0"/>
+              <a:rPr lang="en-US"/>
               <a:t>Click to edit Master text styles</a:t>
             </a:r>
           </a:p>
           <a:p>
             <a:pPr lvl="1" eaLnBrk="1" latinLnBrk="0" hangingPunct="1"/>
             <a:r>
-              <a:rPr lang="en-US" smtClean="0"/>
+              <a:rPr lang="en-US"/>
               <a:t>Second level</a:t>
             </a:r>
           </a:p>
           <a:p>
             <a:pPr lvl="2" eaLnBrk="1" latinLnBrk="0" hangingPunct="1"/>
             <a:r>
-              <a:rPr lang="en-US" smtClean="0"/>
+              <a:rPr lang="en-US"/>
               <a:t>Third level</a:t>
             </a:r>
           </a:p>
           <a:p>
             <a:pPr lvl="3" eaLnBrk="1" latinLnBrk="0" hangingPunct="1"/>
             <a:r>
-              <a:rPr lang="en-US" smtClean="0"/>
+              <a:rPr lang="en-US"/>
               <a:t>Fourth level</a:t>
             </a:r>
           </a:p>
           <a:p>
             <a:pPr lvl="4" eaLnBrk="1" latinLnBrk="0" hangingPunct="1"/>
             <a:r>
-              <a:rPr lang="en-US" smtClean="0"/>
+              <a:rPr lang="en-US"/>
               <a:t>Fifth level</a:t>
             </a:r>
             <a:endParaRPr kumimoji="0" lang="en-US"/>
@@ -1194,10 +1256,9 @@
           </a:lstStyle>
           <a:p>
             <a:r>
-              <a:rPr kumimoji="0" lang="en-US" smtClean="0"/>
+              <a:rPr kumimoji="0" lang="en-US"/>
               <a:t>Click to edit Master title style</a:t>
             </a:r>
-            <a:endParaRPr kumimoji="0" lang="en-US"/>
           </a:p>
         </p:txBody>
       </p:sp>
@@ -1274,7 +1335,7 @@
           <a:p>
             <a:pPr lvl="0" eaLnBrk="1" latinLnBrk="0" hangingPunct="1"/>
             <a:r>
-              <a:rPr kumimoji="0" lang="en-US" smtClean="0"/>
+              <a:rPr kumimoji="0" lang="en-US"/>
               <a:t>Click to edit Master text styles</a:t>
             </a:r>
           </a:p>
@@ -1302,7 +1363,7 @@
           <a:p>
             <a:fld id="{41F8D19A-CDA4-40C2-B5D8-B7BBF35B7617}" type="datetimeFigureOut">
               <a:rPr lang="en-US" smtClean="0"/>
-              <a:t>11/30/2019</a:t>
+              <a:t>12/5/2019</a:t>
             </a:fld>
             <a:endParaRPr lang="en-US"/>
           </a:p>
@@ -1498,10 +1559,9 @@
           <a:lstStyle/>
           <a:p>
             <a:r>
-              <a:rPr kumimoji="0" lang="en-US" smtClean="0"/>
+              <a:rPr kumimoji="0" lang="en-US"/>
               <a:t>Click to edit Master title style</a:t>
             </a:r>
-            <a:endParaRPr kumimoji="0" lang="en-US"/>
           </a:p>
         </p:txBody>
       </p:sp>
@@ -1522,7 +1582,7 @@
           <a:p>
             <a:fld id="{41F8D19A-CDA4-40C2-B5D8-B7BBF35B7617}" type="datetimeFigureOut">
               <a:rPr lang="en-US" smtClean="0"/>
-              <a:t>11/30/2019</a:t>
+              <a:t>12/5/2019</a:t>
             </a:fld>
             <a:endParaRPr lang="en-US"/>
           </a:p>
@@ -1592,35 +1652,35 @@
           <a:p>
             <a:pPr lvl="0" eaLnBrk="1" latinLnBrk="0" hangingPunct="1"/>
             <a:r>
-              <a:rPr lang="en-US" smtClean="0"/>
+              <a:rPr lang="en-US"/>
               <a:t>Click to edit Master text styles</a:t>
             </a:r>
           </a:p>
           <a:p>
             <a:pPr lvl="1" eaLnBrk="1" latinLnBrk="0" hangingPunct="1"/>
             <a:r>
-              <a:rPr lang="en-US" smtClean="0"/>
+              <a:rPr lang="en-US"/>
               <a:t>Second level</a:t>
             </a:r>
           </a:p>
           <a:p>
             <a:pPr lvl="2" eaLnBrk="1" latinLnBrk="0" hangingPunct="1"/>
             <a:r>
-              <a:rPr lang="en-US" smtClean="0"/>
+              <a:rPr lang="en-US"/>
               <a:t>Third level</a:t>
             </a:r>
           </a:p>
           <a:p>
             <a:pPr lvl="3" eaLnBrk="1" latinLnBrk="0" hangingPunct="1"/>
             <a:r>
-              <a:rPr lang="en-US" smtClean="0"/>
+              <a:rPr lang="en-US"/>
               <a:t>Fourth level</a:t>
             </a:r>
           </a:p>
           <a:p>
             <a:pPr lvl="4" eaLnBrk="1" latinLnBrk="0" hangingPunct="1"/>
             <a:r>
-              <a:rPr lang="en-US" smtClean="0"/>
+              <a:rPr lang="en-US"/>
               <a:t>Fifth level</a:t>
             </a:r>
             <a:endParaRPr kumimoji="0" lang="en-US"/>
@@ -1649,35 +1709,35 @@
           <a:p>
             <a:pPr lvl="0" eaLnBrk="1" latinLnBrk="0" hangingPunct="1"/>
             <a:r>
-              <a:rPr lang="en-US" smtClean="0"/>
+              <a:rPr lang="en-US"/>
               <a:t>Click to edit Master text styles</a:t>
             </a:r>
           </a:p>
           <a:p>
             <a:pPr lvl="1" eaLnBrk="1" latinLnBrk="0" hangingPunct="1"/>
             <a:r>
-              <a:rPr lang="en-US" smtClean="0"/>
+              <a:rPr lang="en-US"/>
               <a:t>Second level</a:t>
             </a:r>
           </a:p>
           <a:p>
             <a:pPr lvl="2" eaLnBrk="1" latinLnBrk="0" hangingPunct="1"/>
             <a:r>
-              <a:rPr lang="en-US" smtClean="0"/>
+              <a:rPr lang="en-US"/>
               <a:t>Third level</a:t>
             </a:r>
           </a:p>
           <a:p>
             <a:pPr lvl="3" eaLnBrk="1" latinLnBrk="0" hangingPunct="1"/>
             <a:r>
-              <a:rPr lang="en-US" smtClean="0"/>
+              <a:rPr lang="en-US"/>
               <a:t>Fourth level</a:t>
             </a:r>
           </a:p>
           <a:p>
             <a:pPr lvl="4" eaLnBrk="1" latinLnBrk="0" hangingPunct="1"/>
             <a:r>
-              <a:rPr lang="en-US" smtClean="0"/>
+              <a:rPr lang="en-US"/>
               <a:t>Fifth level</a:t>
             </a:r>
             <a:endParaRPr kumimoji="0" lang="en-US"/>
@@ -1734,10 +1794,9 @@
           </a:lstStyle>
           <a:p>
             <a:r>
-              <a:rPr kumimoji="0" lang="en-US" smtClean="0"/>
+              <a:rPr kumimoji="0" lang="en-US"/>
               <a:t>Click to edit Master title style</a:t>
             </a:r>
-            <a:endParaRPr kumimoji="0" lang="en-US"/>
           </a:p>
         </p:txBody>
       </p:sp>
@@ -1794,7 +1853,7 @@
           <a:p>
             <a:pPr lvl="0" eaLnBrk="1" latinLnBrk="0" hangingPunct="1"/>
             <a:r>
-              <a:rPr kumimoji="0" lang="en-US" smtClean="0"/>
+              <a:rPr kumimoji="0" lang="en-US"/>
               <a:t>Click to edit Master text styles</a:t>
             </a:r>
           </a:p>
@@ -1851,7 +1910,7 @@
           <a:p>
             <a:pPr lvl="0" eaLnBrk="1" latinLnBrk="0" hangingPunct="1"/>
             <a:r>
-              <a:rPr kumimoji="0" lang="en-US" smtClean="0"/>
+              <a:rPr kumimoji="0" lang="en-US"/>
               <a:t>Click to edit Master text styles</a:t>
             </a:r>
           </a:p>
@@ -1874,7 +1933,7 @@
           <a:p>
             <a:fld id="{41F8D19A-CDA4-40C2-B5D8-B7BBF35B7617}" type="datetimeFigureOut">
               <a:rPr lang="en-US" smtClean="0"/>
-              <a:t>11/30/2019</a:t>
+              <a:t>12/5/2019</a:t>
             </a:fld>
             <a:endParaRPr lang="en-US"/>
           </a:p>
@@ -1944,35 +2003,35 @@
           <a:p>
             <a:pPr lvl="0" eaLnBrk="1" latinLnBrk="0" hangingPunct="1"/>
             <a:r>
-              <a:rPr lang="en-US" smtClean="0"/>
+              <a:rPr lang="en-US"/>
               <a:t>Click to edit Master text styles</a:t>
             </a:r>
           </a:p>
           <a:p>
             <a:pPr lvl="1" eaLnBrk="1" latinLnBrk="0" hangingPunct="1"/>
             <a:r>
-              <a:rPr lang="en-US" smtClean="0"/>
+              <a:rPr lang="en-US"/>
               <a:t>Second level</a:t>
             </a:r>
           </a:p>
           <a:p>
             <a:pPr lvl="2" eaLnBrk="1" latinLnBrk="0" hangingPunct="1"/>
             <a:r>
-              <a:rPr lang="en-US" smtClean="0"/>
+              <a:rPr lang="en-US"/>
               <a:t>Third level</a:t>
             </a:r>
           </a:p>
           <a:p>
             <a:pPr lvl="3" eaLnBrk="1" latinLnBrk="0" hangingPunct="1"/>
             <a:r>
-              <a:rPr lang="en-US" smtClean="0"/>
+              <a:rPr lang="en-US"/>
               <a:t>Fourth level</a:t>
             </a:r>
           </a:p>
           <a:p>
             <a:pPr lvl="4" eaLnBrk="1" latinLnBrk="0" hangingPunct="1"/>
             <a:r>
-              <a:rPr lang="en-US" smtClean="0"/>
+              <a:rPr lang="en-US"/>
               <a:t>Fifth level</a:t>
             </a:r>
             <a:endParaRPr kumimoji="0" lang="en-US"/>
@@ -2001,35 +2060,35 @@
           <a:p>
             <a:pPr lvl="0" eaLnBrk="1" latinLnBrk="0" hangingPunct="1"/>
             <a:r>
-              <a:rPr lang="en-US" smtClean="0"/>
+              <a:rPr lang="en-US"/>
               <a:t>Click to edit Master text styles</a:t>
             </a:r>
           </a:p>
           <a:p>
             <a:pPr lvl="1" eaLnBrk="1" latinLnBrk="0" hangingPunct="1"/>
             <a:r>
-              <a:rPr lang="en-US" smtClean="0"/>
+              <a:rPr lang="en-US"/>
               <a:t>Second level</a:t>
             </a:r>
           </a:p>
           <a:p>
             <a:pPr lvl="2" eaLnBrk="1" latinLnBrk="0" hangingPunct="1"/>
             <a:r>
-              <a:rPr lang="en-US" smtClean="0"/>
+              <a:rPr lang="en-US"/>
               <a:t>Third level</a:t>
             </a:r>
           </a:p>
           <a:p>
             <a:pPr lvl="3" eaLnBrk="1" latinLnBrk="0" hangingPunct="1"/>
             <a:r>
-              <a:rPr lang="en-US" smtClean="0"/>
+              <a:rPr lang="en-US"/>
               <a:t>Fourth level</a:t>
             </a:r>
           </a:p>
           <a:p>
             <a:pPr lvl="4" eaLnBrk="1" latinLnBrk="0" hangingPunct="1"/>
             <a:r>
-              <a:rPr lang="en-US" smtClean="0"/>
+              <a:rPr lang="en-US"/>
               <a:t>Fifth level</a:t>
             </a:r>
             <a:endParaRPr kumimoji="0" lang="en-US"/>
@@ -2082,10 +2141,9 @@
           <a:lstStyle/>
           <a:p>
             <a:r>
-              <a:rPr kumimoji="0" lang="en-US" smtClean="0"/>
+              <a:rPr kumimoji="0" lang="en-US"/>
               <a:t>Click to edit Master title style</a:t>
             </a:r>
-            <a:endParaRPr kumimoji="0" lang="en-US"/>
           </a:p>
         </p:txBody>
       </p:sp>
@@ -2106,7 +2164,7 @@
           <a:p>
             <a:fld id="{41F8D19A-CDA4-40C2-B5D8-B7BBF35B7617}" type="datetimeFigureOut">
               <a:rPr lang="en-US" smtClean="0"/>
-              <a:t>11/30/2019</a:t>
+              <a:t>12/5/2019</a:t>
             </a:fld>
             <a:endParaRPr lang="en-US"/>
           </a:p>
@@ -2246,7 +2304,7 @@
           <a:p>
             <a:fld id="{41F8D19A-CDA4-40C2-B5D8-B7BBF35B7617}" type="datetimeFigureOut">
               <a:rPr lang="en-US" smtClean="0"/>
-              <a:t>11/30/2019</a:t>
+              <a:t>12/5/2019</a:t>
             </a:fld>
             <a:endParaRPr lang="en-US"/>
           </a:p>
@@ -2440,10 +2498,9 @@
           </a:lstStyle>
           <a:p>
             <a:r>
-              <a:rPr kumimoji="0" lang="en-US" smtClean="0"/>
+              <a:rPr kumimoji="0" lang="en-US"/>
               <a:t>Click to edit Master title style</a:t>
             </a:r>
-            <a:endParaRPr kumimoji="0" lang="en-US"/>
           </a:p>
         </p:txBody>
       </p:sp>
@@ -2500,7 +2557,7 @@
           <a:p>
             <a:pPr lvl="0" eaLnBrk="1" latinLnBrk="0" hangingPunct="1"/>
             <a:r>
-              <a:rPr kumimoji="0" lang="en-US" smtClean="0"/>
+              <a:rPr kumimoji="0" lang="en-US"/>
               <a:t>Click to edit Master text styles</a:t>
             </a:r>
           </a:p>
@@ -2523,7 +2580,7 @@
           <a:p>
             <a:fld id="{41F8D19A-CDA4-40C2-B5D8-B7BBF35B7617}" type="datetimeFigureOut">
               <a:rPr lang="en-US" smtClean="0"/>
-              <a:t>11/30/2019</a:t>
+              <a:t>12/5/2019</a:t>
             </a:fld>
             <a:endParaRPr lang="en-US"/>
           </a:p>
@@ -2715,35 +2772,35 @@
           <a:p>
             <a:pPr lvl="0" eaLnBrk="1" latinLnBrk="0" hangingPunct="1"/>
             <a:r>
-              <a:rPr lang="en-US" smtClean="0"/>
+              <a:rPr lang="en-US"/>
               <a:t>Click to edit Master text styles</a:t>
             </a:r>
           </a:p>
           <a:p>
             <a:pPr lvl="1" eaLnBrk="1" latinLnBrk="0" hangingPunct="1"/>
             <a:r>
-              <a:rPr lang="en-US" smtClean="0"/>
+              <a:rPr lang="en-US"/>
               <a:t>Second level</a:t>
             </a:r>
           </a:p>
           <a:p>
             <a:pPr lvl="2" eaLnBrk="1" latinLnBrk="0" hangingPunct="1"/>
             <a:r>
-              <a:rPr lang="en-US" smtClean="0"/>
+              <a:rPr lang="en-US"/>
               <a:t>Third level</a:t>
             </a:r>
           </a:p>
           <a:p>
             <a:pPr lvl="3" eaLnBrk="1" latinLnBrk="0" hangingPunct="1"/>
             <a:r>
-              <a:rPr lang="en-US" smtClean="0"/>
+              <a:rPr lang="en-US"/>
               <a:t>Fourth level</a:t>
             </a:r>
           </a:p>
           <a:p>
             <a:pPr lvl="4" eaLnBrk="1" latinLnBrk="0" hangingPunct="1"/>
             <a:r>
-              <a:rPr lang="en-US" smtClean="0"/>
+              <a:rPr lang="en-US"/>
               <a:t>Fifth level</a:t>
             </a:r>
             <a:endParaRPr kumimoji="0" lang="en-US"/>
@@ -2815,10 +2872,9 @@
           </a:lstStyle>
           <a:p>
             <a:r>
-              <a:rPr kumimoji="0" lang="en-US" smtClean="0"/>
+              <a:rPr kumimoji="0" lang="en-US"/>
               <a:t>Click to edit Master title style</a:t>
             </a:r>
-            <a:endParaRPr kumimoji="0" lang="en-US"/>
           </a:p>
         </p:txBody>
       </p:sp>
@@ -2860,7 +2916,7 @@
           </a:lstStyle>
           <a:p>
             <a:r>
-              <a:rPr kumimoji="0" lang="en-US" smtClean="0"/>
+              <a:rPr kumimoji="0" lang="en-US"/>
               <a:t>Click icon to add picture</a:t>
             </a:r>
             <a:endParaRPr kumimoji="0" lang="en-US" dirty="0"/>
@@ -2907,7 +2963,7 @@
           <a:p>
             <a:pPr lvl="0" eaLnBrk="1" latinLnBrk="0" hangingPunct="1"/>
             <a:r>
-              <a:rPr kumimoji="0" lang="en-US" smtClean="0"/>
+              <a:rPr kumimoji="0" lang="en-US"/>
               <a:t>Click to edit Master text styles</a:t>
             </a:r>
           </a:p>
@@ -2930,7 +2986,7 @@
           <a:p>
             <a:fld id="{41F8D19A-CDA4-40C2-B5D8-B7BBF35B7617}" type="datetimeFigureOut">
               <a:rPr lang="en-US" smtClean="0"/>
-              <a:t>11/30/2019</a:t>
+              <a:t>12/5/2019</a:t>
             </a:fld>
             <a:endParaRPr lang="en-US"/>
           </a:p>
@@ -3166,10 +3222,9 @@
           <a:lstStyle/>
           <a:p>
             <a:r>
-              <a:rPr kumimoji="0" lang="en-US" smtClean="0"/>
+              <a:rPr kumimoji="0" lang="en-US"/>
               <a:t>Click to edit Master title style</a:t>
             </a:r>
-            <a:endParaRPr kumimoji="0" lang="en-US"/>
           </a:p>
         </p:txBody>
       </p:sp>
@@ -3200,38 +3255,37 @@
           <a:p>
             <a:pPr lvl="0" eaLnBrk="1" latinLnBrk="0" hangingPunct="1"/>
             <a:r>
-              <a:rPr kumimoji="0" lang="en-US" smtClean="0"/>
+              <a:rPr kumimoji="0" lang="en-US"/>
               <a:t>Click to edit Master text styles</a:t>
             </a:r>
           </a:p>
           <a:p>
             <a:pPr lvl="1" eaLnBrk="1" latinLnBrk="0" hangingPunct="1"/>
             <a:r>
-              <a:rPr kumimoji="0" lang="en-US" smtClean="0"/>
+              <a:rPr kumimoji="0" lang="en-US"/>
               <a:t>Second level</a:t>
             </a:r>
           </a:p>
           <a:p>
             <a:pPr lvl="2" eaLnBrk="1" latinLnBrk="0" hangingPunct="1"/>
             <a:r>
-              <a:rPr kumimoji="0" lang="en-US" smtClean="0"/>
+              <a:rPr kumimoji="0" lang="en-US"/>
               <a:t>Third level</a:t>
             </a:r>
           </a:p>
           <a:p>
             <a:pPr lvl="3" eaLnBrk="1" latinLnBrk="0" hangingPunct="1"/>
             <a:r>
-              <a:rPr kumimoji="0" lang="en-US" smtClean="0"/>
+              <a:rPr kumimoji="0" lang="en-US"/>
               <a:t>Fourth level</a:t>
             </a:r>
           </a:p>
           <a:p>
             <a:pPr lvl="4" eaLnBrk="1" latinLnBrk="0" hangingPunct="1"/>
             <a:r>
-              <a:rPr kumimoji="0" lang="en-US" smtClean="0"/>
+              <a:rPr kumimoji="0" lang="en-US"/>
               <a:t>Fifth level</a:t>
             </a:r>
-            <a:endParaRPr kumimoji="0" lang="en-US"/>
           </a:p>
         </p:txBody>
       </p:sp>
@@ -3268,7 +3322,7 @@
           <a:p>
             <a:fld id="{41F8D19A-CDA4-40C2-B5D8-B7BBF35B7617}" type="datetimeFigureOut">
               <a:rPr lang="en-US" smtClean="0"/>
-              <a:t>11/30/2019</a:t>
+              <a:t>12/5/2019</a:t>
             </a:fld>
             <a:endParaRPr lang="en-US"/>
           </a:p>
@@ -3817,10 +3871,9 @@
           <a:lstStyle/>
           <a:p>
             <a:r>
-              <a:rPr lang="en-US" sz="2900" dirty="0" smtClean="0"/>
+              <a:rPr lang="en-US" sz="2900" dirty="0"/>
               <a:t>Car Child Seat Alert System</a:t>
             </a:r>
-            <a:endParaRPr lang="en-US" sz="2900" dirty="0"/>
           </a:p>
         </p:txBody>
       </p:sp>
@@ -3842,32 +3895,15 @@
           <a:lstStyle/>
           <a:p>
             <a:r>
-              <a:rPr lang="en-US" dirty="0" smtClean="0"/>
+              <a:rPr lang="en-US" dirty="0"/>
               <a:t>Presenters: Christopher Atkinson</a:t>
             </a:r>
           </a:p>
           <a:p>
             <a:r>
-              <a:rPr lang="en-US" dirty="0" err="1" smtClean="0"/>
-              <a:t>Prithvi</a:t>
-            </a:r>
-            <a:r>
-              <a:rPr lang="en-US" dirty="0" smtClean="0"/>
-              <a:t> </a:t>
-            </a:r>
-            <a:r>
-              <a:rPr lang="en-US" dirty="0" err="1"/>
-              <a:t>Thimmanayakanahalli</a:t>
-            </a:r>
-            <a:r>
               <a:rPr lang="en-US" dirty="0"/>
-              <a:t> </a:t>
-            </a:r>
-            <a:r>
-              <a:rPr lang="en-US" dirty="0" err="1"/>
-              <a:t>Bachireddy</a:t>
-            </a:r>
-            <a:endParaRPr lang="en-US" dirty="0"/>
+              <a:t>Prithvi Thimmanayakanahalli Bachireddy</a:t>
+            </a:r>
           </a:p>
         </p:txBody>
       </p:sp>
@@ -3917,10 +3953,9 @@
           <a:lstStyle/>
           <a:p>
             <a:r>
-              <a:rPr lang="en-US" dirty="0" smtClean="0"/>
+              <a:rPr lang="en-US" dirty="0"/>
               <a:t>Requirements</a:t>
             </a:r>
-            <a:endParaRPr lang="en-US" dirty="0"/>
           </a:p>
         </p:txBody>
       </p:sp>
@@ -3942,7 +3977,7 @@
         </p:spPr>
         <p:txBody>
           <a:bodyPr>
-            <a:normAutofit fontScale="62500" lnSpcReduction="20000"/>
+            <a:normAutofit/>
           </a:bodyPr>
           <a:lstStyle/>
           <a:p>
@@ -3950,7 +3985,9 @@
               <a:rPr lang="uk-UA" sz="2700" dirty="0"/>
               <a:t>System Requirements</a:t>
             </a:r>
-            <a:endParaRPr lang="en-US" dirty="0"/>
+            <a:endParaRPr lang="en-US" dirty="0">
+              <a:latin typeface="Gill Sans MT" panose="020B0502020104020203" pitchFamily="34" charset="0"/>
+            </a:endParaRPr>
           </a:p>
           <a:p>
             <a:pPr lvl="1"/>
@@ -3958,7 +3995,9 @@
               <a:rPr lang="uk-UA" dirty="0"/>
               <a:t>[SYSFUNCT001]  The system shall consist of hardware and software components that have the capability of monitoring a vehicle for the presence of a driver and child as well as the capability of alerting a user via text or email.</a:t>
             </a:r>
-            <a:endParaRPr lang="en-US" sz="2100" dirty="0"/>
+            <a:endParaRPr lang="en-US" sz="2100" dirty="0">
+              <a:latin typeface="Gill Sans MT" panose="020B0502020104020203" pitchFamily="34" charset="0"/>
+            </a:endParaRPr>
           </a:p>
           <a:p>
             <a:pPr lvl="1"/>
@@ -3966,7 +4005,9 @@
               <a:rPr lang="uk-UA" dirty="0"/>
               <a:t>[SYSFUNCT002]  The system shall have a user-configurable delay for signaling an emergency event.</a:t>
             </a:r>
-            <a:endParaRPr lang="en-US" sz="2100" dirty="0"/>
+            <a:endParaRPr lang="en-US" sz="2100" dirty="0">
+              <a:latin typeface="Gill Sans MT" panose="020B0502020104020203" pitchFamily="34" charset="0"/>
+            </a:endParaRPr>
           </a:p>
           <a:p>
             <a:pPr lvl="1"/>
@@ -3974,78 +4015,31 @@
               <a:rPr lang="uk-UA" dirty="0"/>
               <a:t>[SYSPERF001]  The system shall alert a user within 30 seconds (1-sigma) of an emergency event.</a:t>
             </a:r>
-            <a:endParaRPr lang="en-US" sz="2100" dirty="0"/>
-          </a:p>
-          <a:p>
-            <a:r>
-              <a:rPr lang="uk-UA" sz="2700" dirty="0"/>
-              <a:t>Embedded System Requirements</a:t>
-            </a:r>
             <a:endParaRPr lang="en-US" dirty="0"/>
           </a:p>
           <a:p>
             <a:pPr lvl="1"/>
             <a:r>
-              <a:rPr lang="uk-UA" dirty="0"/>
-              <a:t>[ESFUNCT001]  The hardware shall consist of an embedded system with one or more microprocessors, one or more sensors, and the hardware to support a wireless communication method (WI-FI or Bluetooth preferred).</a:t>
-            </a:r>
-            <a:endParaRPr lang="en-US" sz="2100" dirty="0"/>
-          </a:p>
-          <a:p>
-            <a:pPr lvl="1"/>
-            <a:r>
-              <a:rPr lang="uk-UA" dirty="0"/>
-              <a:t>[ESPERF001]  The hardware shall transmit an alert to the backend system within 15 seconds (1-sigma) of an emergency event</a:t>
-            </a:r>
-            <a:r>
-              <a:rPr lang="uk-UA" dirty="0" smtClean="0"/>
-              <a:t>.</a:t>
-            </a:r>
-            <a:r>
-              <a:rPr lang="en-US" sz="3100" dirty="0"/>
-              <a:t> </a:t>
-            </a:r>
-            <a:endParaRPr lang="en-US" sz="2700" dirty="0"/>
-          </a:p>
-          <a:p>
-            <a:r>
-              <a:rPr lang="uk-UA" sz="2700" dirty="0"/>
-              <a:t>Backend Requirements</a:t>
-            </a:r>
-            <a:endParaRPr lang="en-US" dirty="0"/>
-          </a:p>
-          <a:p>
-            <a:pPr lvl="1"/>
-            <a:r>
-              <a:rPr lang="uk-UA" dirty="0"/>
-              <a:t>[BEFUNCT001]  The software shall receive notifications wirelessly (using WI-FI or Bluetooth) from the hardware and transmit a notification to the user via text message or email.</a:t>
-            </a:r>
-            <a:endParaRPr lang="en-US" sz="2100" dirty="0"/>
-          </a:p>
-          <a:p>
-            <a:pPr lvl="1"/>
-            <a:r>
-              <a:rPr lang="uk-UA" dirty="0"/>
-              <a:t>[BEFUNCT002]  The software shall be written in a high-level programming language such as C++, Java, or a similar language.</a:t>
-            </a:r>
-            <a:endParaRPr lang="en-US" sz="2100" dirty="0"/>
-          </a:p>
-          <a:p>
-            <a:pPr lvl="1"/>
-            <a:r>
-              <a:rPr lang="uk-UA" dirty="0"/>
-              <a:t>[BEPERF001]  The software shall transmit an alert to the user within 15 seconds (1-sigma) of an alert received from the hardware.</a:t>
-            </a:r>
-            <a:endParaRPr lang="en-US" sz="2100" dirty="0"/>
-          </a:p>
-          <a:p>
-            <a:endParaRPr lang="en-US" dirty="0" smtClean="0"/>
-          </a:p>
-          <a:p>
-            <a:endParaRPr lang="en-US" dirty="0" smtClean="0"/>
-          </a:p>
-          <a:p>
-            <a:endParaRPr lang="en-US" dirty="0"/>
+              <a:rPr lang="en-US" sz="2100" dirty="0">
+                <a:latin typeface="Gill Sans MT" panose="020B0502020104020203" pitchFamily="34" charset="0"/>
+              </a:rPr>
+              <a:t>[SYSPERF002] The system shall alert a user for the second time with 3 minutes delay if no action is taken for the first alert. </a:t>
+            </a:r>
+          </a:p>
+          <a:p>
+            <a:endParaRPr lang="en-US" dirty="0">
+              <a:latin typeface="Gill Sans MT" panose="020B0502020104020203" pitchFamily="34" charset="0"/>
+            </a:endParaRPr>
+          </a:p>
+          <a:p>
+            <a:endParaRPr lang="en-US" dirty="0">
+              <a:latin typeface="Gill Sans MT" panose="020B0502020104020203" pitchFamily="34" charset="0"/>
+            </a:endParaRPr>
+          </a:p>
+          <a:p>
+            <a:endParaRPr lang="en-US" dirty="0">
+              <a:latin typeface="Gill Sans MT" panose="020B0502020104020203" pitchFamily="34" charset="0"/>
+            </a:endParaRPr>
           </a:p>
         </p:txBody>
       </p:sp>
@@ -4095,10 +4089,9 @@
           <a:lstStyle/>
           <a:p>
             <a:r>
-              <a:rPr lang="en-US" dirty="0" smtClean="0"/>
-              <a:t>Testing Plan</a:t>
-            </a:r>
-            <a:endParaRPr lang="en-US" dirty="0"/>
+              <a:rPr lang="en-US" dirty="0"/>
+              <a:t>Requirements</a:t>
+            </a:r>
           </a:p>
         </p:txBody>
       </p:sp>
@@ -4125,28 +4118,63 @@
           <a:lstStyle/>
           <a:p>
             <a:r>
-              <a:rPr lang="en-US" dirty="0" smtClean="0"/>
-              <a:t>Testing plan designed for system and subsystem designs</a:t>
-            </a:r>
-          </a:p>
-          <a:p>
-            <a:r>
-              <a:rPr lang="en-US" dirty="0" smtClean="0"/>
-              <a:t>Subsystem modules tested individually before integration to verify requirements compliance and functionality</a:t>
-            </a:r>
-          </a:p>
-          <a:p>
-            <a:r>
-              <a:rPr lang="en-US" dirty="0" smtClean="0"/>
-              <a:t>System then integrated and tested</a:t>
-            </a:r>
+              <a:rPr lang="uk-UA" sz="2700" dirty="0"/>
+              <a:t>Embedded System Requirements</a:t>
+            </a:r>
+            <a:endParaRPr lang="en-US" dirty="0">
+              <a:latin typeface="Gill Sans MT" panose="020B0502020104020203" pitchFamily="34" charset="0"/>
+            </a:endParaRPr>
+          </a:p>
+          <a:p>
+            <a:pPr lvl="1"/>
+            <a:r>
+              <a:rPr lang="uk-UA" dirty="0"/>
+              <a:t>[ESFUNCT001]  The hardware shall consist of an embedded system with one or more microprocessors, one or more sensors, and the hardware to support a wireless communication method (WI-FI or Bluetooth preferred).</a:t>
+            </a:r>
+            <a:endParaRPr lang="en-US" sz="2100" dirty="0">
+              <a:latin typeface="Gill Sans MT" panose="020B0502020104020203" pitchFamily="34" charset="0"/>
+            </a:endParaRPr>
+          </a:p>
+          <a:p>
+            <a:pPr lvl="1"/>
+            <a:r>
+              <a:rPr lang="uk-UA" dirty="0"/>
+              <a:t>[ESPERF001]  The hardware shall transmit an alert to the backend system within 15 seconds (1-sigma) of an emergency event.</a:t>
+            </a:r>
+            <a:r>
+              <a:rPr lang="en-US" sz="3100" dirty="0">
+                <a:latin typeface="Gill Sans MT" panose="020B0502020104020203" pitchFamily="34" charset="0"/>
+              </a:rPr>
+              <a:t> </a:t>
+            </a:r>
+            <a:endParaRPr lang="en-US" sz="2700" dirty="0">
+              <a:latin typeface="Gill Sans MT" panose="020B0502020104020203" pitchFamily="34" charset="0"/>
+            </a:endParaRPr>
+          </a:p>
+          <a:p>
+            <a:pPr marL="0" indent="0">
+              <a:buNone/>
+            </a:pPr>
+            <a:endParaRPr lang="en-US" dirty="0">
+              <a:latin typeface="Gill Sans MT" panose="020B0502020104020203" pitchFamily="34" charset="0"/>
+            </a:endParaRPr>
+          </a:p>
+          <a:p>
+            <a:endParaRPr lang="en-US" dirty="0">
+              <a:latin typeface="Gill Sans MT" panose="020B0502020104020203" pitchFamily="34" charset="0"/>
+            </a:endParaRPr>
+          </a:p>
+          <a:p>
+            <a:endParaRPr lang="en-US" dirty="0">
+              <a:latin typeface="Gill Sans MT" panose="020B0502020104020203" pitchFamily="34" charset="0"/>
+            </a:endParaRPr>
           </a:p>
         </p:txBody>
       </p:sp>
     </p:spTree>
     <p:extLst>
       <p:ext uri="{BB962C8B-B14F-4D97-AF65-F5344CB8AC3E}">
-        <p14:creationId xmlns:p14="http://schemas.microsoft.com/office/powerpoint/2010/main" val="1928672737"/>
+        <p14:creationId xmlns:p14="http://schemas.microsoft.com/office/powerpoint/2010/main" val="2075899584"/>
       </p:ext>
     </p:extLst>
   </p:cSld>
@@ -4189,1315 +4217,93 @@
           <a:lstStyle/>
           <a:p>
             <a:r>
-              <a:rPr lang="en-US" dirty="0" smtClean="0"/>
-              <a:t>Embedded System Testing</a:t>
-            </a:r>
-            <a:endParaRPr lang="en-US" dirty="0"/>
+              <a:rPr lang="en-US" dirty="0"/>
+              <a:t>Requirements</a:t>
+            </a:r>
           </a:p>
         </p:txBody>
       </p:sp>
-      <p:graphicFrame>
-        <p:nvGraphicFramePr>
-          <p:cNvPr id="2" name="Table 1"/>
-          <p:cNvGraphicFramePr>
-            <a:graphicFrameLocks noGrp="1"/>
-          </p:cNvGraphicFramePr>
+      <p:sp>
+        <p:nvSpPr>
+          <p:cNvPr id="6" name="Content Placeholder 5"/>
+          <p:cNvSpPr>
+            <a:spLocks noGrp="1"/>
+          </p:cNvSpPr>
           <p:nvPr>
-            <p:extLst>
-              <p:ext uri="{D42A27DB-BD31-4B8C-83A1-F6EECF244321}">
-                <p14:modId xmlns:p14="http://schemas.microsoft.com/office/powerpoint/2010/main" val="2765473216"/>
-              </p:ext>
-            </p:extLst>
+            <p:ph sz="quarter" idx="2"/>
           </p:nvPr>
-        </p:nvGraphicFramePr>
-        <p:xfrm>
-          <a:off x="152401" y="1447800"/>
-          <a:ext cx="8763000" cy="4683587"/>
-        </p:xfrm>
-        <a:graphic>
-          <a:graphicData uri="http://schemas.openxmlformats.org/drawingml/2006/table">
-            <a:tbl>
-              <a:tblPr>
-                <a:tableStyleId>{5C22544A-7EE6-4342-B048-85BDC9FD1C3A}</a:tableStyleId>
-              </a:tblPr>
-              <a:tblGrid>
-                <a:gridCol w="655915"/>
-                <a:gridCol w="2294332"/>
-                <a:gridCol w="1571918"/>
-                <a:gridCol w="1919747"/>
-                <a:gridCol w="1598674"/>
-                <a:gridCol w="722414"/>
-              </a:tblGrid>
-              <a:tr h="173043">
-                <a:tc>
-                  <a:txBody>
-                    <a:bodyPr/>
-                    <a:lstStyle/>
-                    <a:p>
-                      <a:pPr marL="0" algn="ctr" rtl="0" eaLnBrk="1" fontAlgn="b" latinLnBrk="0" hangingPunct="1"/>
-                      <a:r>
-                        <a:rPr kumimoji="0" lang="en-US" sz="800" b="0" i="0" u="none" strike="noStrike" kern="1200" dirty="0">
-                          <a:solidFill>
-                            <a:srgbClr val="000000"/>
-                          </a:solidFill>
-                          <a:effectLst/>
-                          <a:latin typeface="Arial"/>
-                          <a:ea typeface="+mn-ea"/>
-                          <a:cs typeface="+mn-cs"/>
-                        </a:rPr>
-                        <a:t>Test Case No</a:t>
-                      </a:r>
-                    </a:p>
-                  </a:txBody>
-                  <a:tcPr marL="6343" marR="6343" marT="6343" marB="0" anchor="b"/>
-                </a:tc>
-                <a:tc>
-                  <a:txBody>
-                    <a:bodyPr/>
-                    <a:lstStyle/>
-                    <a:p>
-                      <a:pPr marL="0" algn="ctr" rtl="0" eaLnBrk="1" fontAlgn="b" latinLnBrk="0" hangingPunct="1"/>
-                      <a:r>
-                        <a:rPr kumimoji="0" lang="en-US" sz="800" b="0" i="0" u="none" strike="noStrike" kern="1200">
-                          <a:solidFill>
-                            <a:srgbClr val="000000"/>
-                          </a:solidFill>
-                          <a:effectLst/>
-                          <a:latin typeface="Arial"/>
-                          <a:ea typeface="+mn-ea"/>
-                          <a:cs typeface="+mn-cs"/>
-                        </a:rPr>
-                        <a:t>Test Objective</a:t>
-                      </a:r>
-                    </a:p>
-                  </a:txBody>
-                  <a:tcPr marL="6343" marR="6343" marT="6343" marB="0" anchor="b"/>
-                </a:tc>
-                <a:tc>
-                  <a:txBody>
-                    <a:bodyPr/>
-                    <a:lstStyle/>
-                    <a:p>
-                      <a:pPr marL="0" algn="ctr" rtl="0" eaLnBrk="1" fontAlgn="b" latinLnBrk="0" hangingPunct="1"/>
-                      <a:r>
-                        <a:rPr kumimoji="0" lang="en-US" sz="800" b="0" i="0" u="none" strike="noStrike" kern="1200">
-                          <a:solidFill>
-                            <a:srgbClr val="000000"/>
-                          </a:solidFill>
-                          <a:effectLst/>
-                          <a:latin typeface="Arial"/>
-                          <a:ea typeface="+mn-ea"/>
-                          <a:cs typeface="+mn-cs"/>
-                        </a:rPr>
-                        <a:t>Test  Procedure</a:t>
-                      </a:r>
-                    </a:p>
-                  </a:txBody>
-                  <a:tcPr marL="6343" marR="6343" marT="6343" marB="0" anchor="b"/>
-                </a:tc>
-                <a:tc>
-                  <a:txBody>
-                    <a:bodyPr/>
-                    <a:lstStyle/>
-                    <a:p>
-                      <a:pPr marL="0" algn="ctr" rtl="0" eaLnBrk="1" fontAlgn="b" latinLnBrk="0" hangingPunct="1"/>
-                      <a:r>
-                        <a:rPr kumimoji="0" lang="en-US" sz="800" b="0" i="0" u="none" strike="noStrike" kern="1200">
-                          <a:solidFill>
-                            <a:srgbClr val="000000"/>
-                          </a:solidFill>
-                          <a:effectLst/>
-                          <a:latin typeface="Arial"/>
-                          <a:ea typeface="+mn-ea"/>
-                          <a:cs typeface="+mn-cs"/>
-                        </a:rPr>
-                        <a:t>Expected Result</a:t>
-                      </a:r>
-                    </a:p>
-                  </a:txBody>
-                  <a:tcPr marL="6343" marR="6343" marT="6343" marB="0" anchor="b"/>
-                </a:tc>
-                <a:tc>
-                  <a:txBody>
-                    <a:bodyPr/>
-                    <a:lstStyle/>
-                    <a:p>
-                      <a:pPr marL="0" algn="ctr" rtl="0" eaLnBrk="1" fontAlgn="b" latinLnBrk="0" hangingPunct="1"/>
-                      <a:r>
-                        <a:rPr kumimoji="0" lang="en-US" sz="800" b="0" i="0" u="none" strike="noStrike" kern="1200">
-                          <a:solidFill>
-                            <a:srgbClr val="000000"/>
-                          </a:solidFill>
-                          <a:effectLst/>
-                          <a:latin typeface="Arial"/>
-                          <a:ea typeface="+mn-ea"/>
-                          <a:cs typeface="+mn-cs"/>
-                        </a:rPr>
-                        <a:t>Actual Result</a:t>
-                      </a:r>
-                    </a:p>
-                  </a:txBody>
-                  <a:tcPr marL="6343" marR="6343" marT="6343" marB="0" anchor="b"/>
-                </a:tc>
-                <a:tc>
-                  <a:txBody>
-                    <a:bodyPr/>
-                    <a:lstStyle/>
-                    <a:p>
-                      <a:pPr marL="0" algn="ctr" rtl="0" eaLnBrk="1" fontAlgn="b" latinLnBrk="0" hangingPunct="1"/>
-                      <a:r>
-                        <a:rPr kumimoji="0" lang="en-US" sz="800" b="0" i="0" u="none" strike="noStrike" kern="1200">
-                          <a:solidFill>
-                            <a:srgbClr val="000000"/>
-                          </a:solidFill>
-                          <a:effectLst/>
-                          <a:latin typeface="Arial"/>
-                          <a:ea typeface="+mn-ea"/>
-                          <a:cs typeface="+mn-cs"/>
-                        </a:rPr>
-                        <a:t>Test Case Result</a:t>
-                      </a:r>
-                    </a:p>
-                  </a:txBody>
-                  <a:tcPr marL="6343" marR="6343" marT="6343" marB="0" anchor="b"/>
-                </a:tc>
-              </a:tr>
-              <a:tr h="744089">
-                <a:tc>
-                  <a:txBody>
-                    <a:bodyPr/>
-                    <a:lstStyle/>
-                    <a:p>
-                      <a:pPr marL="0" algn="ctr" rtl="0" eaLnBrk="1" fontAlgn="b" latinLnBrk="0" hangingPunct="1"/>
-                      <a:r>
-                        <a:rPr kumimoji="0" lang="en-US" sz="800" b="0" i="0" u="none" strike="noStrike" kern="1200" dirty="0">
-                          <a:solidFill>
-                            <a:srgbClr val="000000"/>
-                          </a:solidFill>
-                          <a:effectLst/>
-                          <a:latin typeface="Arial"/>
-                          <a:ea typeface="+mn-ea"/>
-                          <a:cs typeface="+mn-cs"/>
-                        </a:rPr>
-                        <a:t>1</a:t>
-                      </a:r>
-                    </a:p>
-                  </a:txBody>
-                  <a:tcPr marL="6343" marR="6343" marT="6343" marB="0" anchor="b"/>
-                </a:tc>
-                <a:tc>
-                  <a:txBody>
-                    <a:bodyPr/>
-                    <a:lstStyle/>
-                    <a:p>
-                      <a:pPr marL="0" algn="ctr" rtl="0" eaLnBrk="1" fontAlgn="b" latinLnBrk="0" hangingPunct="1"/>
-                      <a:r>
-                        <a:rPr kumimoji="0" lang="en-US" sz="800" b="0" i="0" u="none" strike="noStrike" kern="1200" dirty="0">
-                          <a:solidFill>
-                            <a:srgbClr val="000000"/>
-                          </a:solidFill>
-                          <a:effectLst/>
-                          <a:latin typeface="Arial"/>
-                          <a:ea typeface="+mn-ea"/>
-                          <a:cs typeface="+mn-cs"/>
-                        </a:rPr>
-                        <a:t>Test Arduino </a:t>
-                      </a:r>
-                      <a:r>
-                        <a:rPr kumimoji="0" lang="en-US" sz="800" b="0" i="0" u="none" strike="noStrike" kern="1200" dirty="0" err="1">
-                          <a:solidFill>
-                            <a:srgbClr val="000000"/>
-                          </a:solidFill>
-                          <a:effectLst/>
-                          <a:latin typeface="Arial"/>
-                          <a:ea typeface="+mn-ea"/>
-                          <a:cs typeface="+mn-cs"/>
-                        </a:rPr>
-                        <a:t>WiFi</a:t>
-                      </a:r>
-                      <a:r>
-                        <a:rPr kumimoji="0" lang="en-US" sz="800" b="0" i="0" u="none" strike="noStrike" kern="1200" dirty="0">
-                          <a:solidFill>
-                            <a:srgbClr val="000000"/>
-                          </a:solidFill>
-                          <a:effectLst/>
-                          <a:latin typeface="Arial"/>
-                          <a:ea typeface="+mn-ea"/>
-                          <a:cs typeface="+mn-cs"/>
-                        </a:rPr>
-                        <a:t> connection</a:t>
-                      </a:r>
-                    </a:p>
-                  </a:txBody>
-                  <a:tcPr marL="6343" marR="6343" marT="6343" marB="0" anchor="b"/>
-                </a:tc>
-                <a:tc>
-                  <a:txBody>
-                    <a:bodyPr/>
-                    <a:lstStyle/>
-                    <a:p>
-                      <a:pPr marL="0" algn="ctr" rtl="0" eaLnBrk="1" fontAlgn="b" latinLnBrk="0" hangingPunct="1"/>
-                      <a:r>
-                        <a:rPr kumimoji="0" lang="en-US" sz="800" b="0" i="0" u="none" strike="noStrike" kern="1200" dirty="0">
-                          <a:solidFill>
-                            <a:srgbClr val="000000"/>
-                          </a:solidFill>
-                          <a:effectLst/>
-                          <a:latin typeface="Arial"/>
-                          <a:ea typeface="+mn-ea"/>
-                          <a:cs typeface="+mn-cs"/>
-                        </a:rPr>
-                        <a:t>1.  Program Arduino with code that connects to a </a:t>
-                      </a:r>
-                      <a:r>
-                        <a:rPr kumimoji="0" lang="en-US" sz="800" b="0" i="0" u="none" strike="noStrike" kern="1200" dirty="0" err="1">
-                          <a:solidFill>
-                            <a:srgbClr val="000000"/>
-                          </a:solidFill>
-                          <a:effectLst/>
-                          <a:latin typeface="Arial"/>
-                          <a:ea typeface="+mn-ea"/>
-                          <a:cs typeface="+mn-cs"/>
-                        </a:rPr>
-                        <a:t>WiFi</a:t>
-                      </a:r>
-                      <a:r>
-                        <a:rPr kumimoji="0" lang="en-US" sz="800" b="0" i="0" u="none" strike="noStrike" kern="1200" dirty="0">
-                          <a:solidFill>
-                            <a:srgbClr val="000000"/>
-                          </a:solidFill>
-                          <a:effectLst/>
-                          <a:latin typeface="Arial"/>
-                          <a:ea typeface="+mn-ea"/>
-                          <a:cs typeface="+mn-cs"/>
-                        </a:rPr>
-                        <a:t> connection</a:t>
-                      </a:r>
-                      <a:br>
-                        <a:rPr kumimoji="0" lang="en-US" sz="800" b="0" i="0" u="none" strike="noStrike" kern="1200" dirty="0">
-                          <a:solidFill>
-                            <a:srgbClr val="000000"/>
-                          </a:solidFill>
-                          <a:effectLst/>
-                          <a:latin typeface="Arial"/>
-                          <a:ea typeface="+mn-ea"/>
-                          <a:cs typeface="+mn-cs"/>
-                        </a:rPr>
-                      </a:br>
-                      <a:r>
-                        <a:rPr kumimoji="0" lang="en-US" sz="800" b="0" i="0" u="none" strike="noStrike" kern="1200" dirty="0">
-                          <a:solidFill>
-                            <a:srgbClr val="000000"/>
-                          </a:solidFill>
-                          <a:effectLst/>
-                          <a:latin typeface="Arial"/>
-                          <a:ea typeface="+mn-ea"/>
-                          <a:cs typeface="+mn-cs"/>
-                        </a:rPr>
-                        <a:t>2.  Print a SSID of the network and the IP address of the Arduino to a serial output</a:t>
-                      </a:r>
-                    </a:p>
-                  </a:txBody>
-                  <a:tcPr marL="6343" marR="6343" marT="6343" marB="0" anchor="b"/>
-                </a:tc>
-                <a:tc>
-                  <a:txBody>
-                    <a:bodyPr/>
-                    <a:lstStyle/>
-                    <a:p>
-                      <a:pPr marL="0" algn="ctr" rtl="0" eaLnBrk="1" fontAlgn="b" latinLnBrk="0" hangingPunct="1"/>
-                      <a:r>
-                        <a:rPr kumimoji="0" lang="en-US" sz="800" b="0" i="0" u="none" strike="noStrike" kern="1200">
-                          <a:solidFill>
-                            <a:srgbClr val="000000"/>
-                          </a:solidFill>
-                          <a:effectLst/>
-                          <a:latin typeface="Arial"/>
-                          <a:ea typeface="+mn-ea"/>
-                          <a:cs typeface="+mn-cs"/>
-                        </a:rPr>
-                        <a:t>Printed lines to serial monitor that display the SSID of the network and the IP address assigned</a:t>
-                      </a:r>
-                    </a:p>
-                  </a:txBody>
-                  <a:tcPr marL="6343" marR="6343" marT="6343" marB="0" anchor="b"/>
-                </a:tc>
-                <a:tc>
-                  <a:txBody>
-                    <a:bodyPr/>
-                    <a:lstStyle/>
-                    <a:p>
-                      <a:pPr marL="0" algn="ctr" rtl="0" eaLnBrk="1" fontAlgn="b" latinLnBrk="0" hangingPunct="1"/>
-                      <a:r>
-                        <a:rPr kumimoji="0" lang="en-US" sz="800" b="0" i="0" u="none" strike="noStrike" kern="1200">
-                          <a:solidFill>
-                            <a:srgbClr val="000000"/>
-                          </a:solidFill>
-                          <a:effectLst/>
-                          <a:latin typeface="Arial"/>
-                          <a:ea typeface="+mn-ea"/>
-                          <a:cs typeface="+mn-cs"/>
-                        </a:rPr>
-                        <a:t>Arduino successfully connects and transmits the SSID and ssigned IP address</a:t>
-                      </a:r>
-                    </a:p>
-                  </a:txBody>
-                  <a:tcPr marL="6343" marR="6343" marT="6343" marB="0" anchor="b"/>
-                </a:tc>
-                <a:tc>
-                  <a:txBody>
-                    <a:bodyPr/>
-                    <a:lstStyle/>
-                    <a:p>
-                      <a:pPr marL="0" algn="ctr" rtl="0" eaLnBrk="1" fontAlgn="b" latinLnBrk="0" hangingPunct="1"/>
-                      <a:r>
-                        <a:rPr kumimoji="0" lang="en-US" sz="800" b="0" i="0" u="none" strike="noStrike" kern="1200">
-                          <a:solidFill>
-                            <a:srgbClr val="000000"/>
-                          </a:solidFill>
-                          <a:effectLst/>
-                          <a:latin typeface="Arial"/>
-                          <a:ea typeface="+mn-ea"/>
-                          <a:cs typeface="+mn-cs"/>
-                        </a:rPr>
-                        <a:t>Pass</a:t>
-                      </a:r>
-                    </a:p>
-                  </a:txBody>
-                  <a:tcPr marL="6343" marR="6343" marT="6343" marB="0" anchor="b"/>
-                </a:tc>
-              </a:tr>
-              <a:tr h="891176">
-                <a:tc>
-                  <a:txBody>
-                    <a:bodyPr/>
-                    <a:lstStyle/>
-                    <a:p>
-                      <a:pPr marL="0" algn="ctr" rtl="0" eaLnBrk="1" fontAlgn="b" latinLnBrk="0" hangingPunct="1"/>
-                      <a:r>
-                        <a:rPr kumimoji="0" lang="en-US" sz="800" b="0" i="0" u="none" strike="noStrike" kern="1200">
-                          <a:solidFill>
-                            <a:srgbClr val="000000"/>
-                          </a:solidFill>
-                          <a:effectLst/>
-                          <a:latin typeface="Arial"/>
-                          <a:ea typeface="+mn-ea"/>
-                          <a:cs typeface="+mn-cs"/>
-                        </a:rPr>
-                        <a:t>2</a:t>
-                      </a:r>
-                    </a:p>
-                  </a:txBody>
-                  <a:tcPr marL="6343" marR="6343" marT="6343" marB="0" anchor="b"/>
-                </a:tc>
-                <a:tc>
-                  <a:txBody>
-                    <a:bodyPr/>
-                    <a:lstStyle/>
-                    <a:p>
-                      <a:pPr marL="0" algn="ctr" rtl="0" eaLnBrk="1" fontAlgn="b" latinLnBrk="0" hangingPunct="1"/>
-                      <a:r>
-                        <a:rPr kumimoji="0" lang="en-US" sz="800" b="0" i="0" u="none" strike="noStrike" kern="1200" dirty="0">
-                          <a:solidFill>
-                            <a:srgbClr val="000000"/>
-                          </a:solidFill>
-                          <a:effectLst/>
-                          <a:latin typeface="Arial"/>
-                          <a:ea typeface="+mn-ea"/>
-                          <a:cs typeface="+mn-cs"/>
-                        </a:rPr>
-                        <a:t>Test Driver strain gauge configuration</a:t>
-                      </a:r>
-                    </a:p>
-                  </a:txBody>
-                  <a:tcPr marL="6343" marR="6343" marT="6343" marB="0" anchor="b"/>
-                </a:tc>
-                <a:tc>
-                  <a:txBody>
-                    <a:bodyPr/>
-                    <a:lstStyle/>
-                    <a:p>
-                      <a:pPr marL="0" algn="ctr" rtl="0" eaLnBrk="1" fontAlgn="b" latinLnBrk="0" hangingPunct="1"/>
-                      <a:r>
-                        <a:rPr kumimoji="0" lang="en-US" sz="800" b="0" i="0" u="none" strike="noStrike" kern="1200" dirty="0">
-                          <a:solidFill>
-                            <a:srgbClr val="000000"/>
-                          </a:solidFill>
-                          <a:effectLst/>
-                          <a:latin typeface="Arial"/>
-                          <a:ea typeface="+mn-ea"/>
-                          <a:cs typeface="+mn-cs"/>
-                        </a:rPr>
-                        <a:t>1.  Wire strain gauges together</a:t>
-                      </a:r>
-                      <a:br>
-                        <a:rPr kumimoji="0" lang="en-US" sz="800" b="0" i="0" u="none" strike="noStrike" kern="1200" dirty="0">
-                          <a:solidFill>
-                            <a:srgbClr val="000000"/>
-                          </a:solidFill>
-                          <a:effectLst/>
-                          <a:latin typeface="Arial"/>
-                          <a:ea typeface="+mn-ea"/>
-                          <a:cs typeface="+mn-cs"/>
-                        </a:rPr>
-                      </a:br>
-                      <a:r>
-                        <a:rPr kumimoji="0" lang="en-US" sz="800" b="0" i="0" u="none" strike="noStrike" kern="1200" dirty="0">
-                          <a:solidFill>
-                            <a:srgbClr val="000000"/>
-                          </a:solidFill>
-                          <a:effectLst/>
-                          <a:latin typeface="Arial"/>
-                          <a:ea typeface="+mn-ea"/>
-                          <a:cs typeface="+mn-cs"/>
-                        </a:rPr>
-                        <a:t>2.  Connect strain gauges to HX711</a:t>
-                      </a:r>
-                      <a:br>
-                        <a:rPr kumimoji="0" lang="en-US" sz="800" b="0" i="0" u="none" strike="noStrike" kern="1200" dirty="0">
-                          <a:solidFill>
-                            <a:srgbClr val="000000"/>
-                          </a:solidFill>
-                          <a:effectLst/>
-                          <a:latin typeface="Arial"/>
-                          <a:ea typeface="+mn-ea"/>
-                          <a:cs typeface="+mn-cs"/>
-                        </a:rPr>
-                      </a:br>
-                      <a:r>
-                        <a:rPr kumimoji="0" lang="en-US" sz="800" b="0" i="0" u="none" strike="noStrike" kern="1200" dirty="0">
-                          <a:solidFill>
-                            <a:srgbClr val="000000"/>
-                          </a:solidFill>
-                          <a:effectLst/>
-                          <a:latin typeface="Arial"/>
-                          <a:ea typeface="+mn-ea"/>
-                          <a:cs typeface="+mn-cs"/>
-                        </a:rPr>
-                        <a:t>3.  Connect HX711 to power</a:t>
-                      </a:r>
-                      <a:br>
-                        <a:rPr kumimoji="0" lang="en-US" sz="800" b="0" i="0" u="none" strike="noStrike" kern="1200" dirty="0">
-                          <a:solidFill>
-                            <a:srgbClr val="000000"/>
-                          </a:solidFill>
-                          <a:effectLst/>
-                          <a:latin typeface="Arial"/>
-                          <a:ea typeface="+mn-ea"/>
-                          <a:cs typeface="+mn-cs"/>
-                        </a:rPr>
-                      </a:br>
-                      <a:r>
-                        <a:rPr kumimoji="0" lang="en-US" sz="800" b="0" i="0" u="none" strike="noStrike" kern="1200" dirty="0">
-                          <a:solidFill>
-                            <a:srgbClr val="000000"/>
-                          </a:solidFill>
-                          <a:effectLst/>
-                          <a:latin typeface="Arial"/>
-                          <a:ea typeface="+mn-ea"/>
-                          <a:cs typeface="+mn-cs"/>
-                        </a:rPr>
-                        <a:t>4.  Apply pressure to strain gauges and monitor the A+ and A- pins for voltage differences with a voltmeter</a:t>
-                      </a:r>
-                    </a:p>
-                  </a:txBody>
-                  <a:tcPr marL="6343" marR="6343" marT="6343" marB="0" anchor="b"/>
-                </a:tc>
-                <a:tc>
-                  <a:txBody>
-                    <a:bodyPr/>
-                    <a:lstStyle/>
-                    <a:p>
-                      <a:pPr marL="0" algn="ctr" rtl="0" eaLnBrk="1" fontAlgn="b" latinLnBrk="0" hangingPunct="1"/>
-                      <a:r>
-                        <a:rPr kumimoji="0" lang="en-US" sz="800" b="0" i="0" u="none" strike="noStrike" kern="1200">
-                          <a:solidFill>
-                            <a:srgbClr val="000000"/>
-                          </a:solidFill>
-                          <a:effectLst/>
-                          <a:latin typeface="Arial"/>
-                          <a:ea typeface="+mn-ea"/>
-                          <a:cs typeface="+mn-cs"/>
-                        </a:rPr>
-                        <a:t>Extremely small voltage differential will be visible on a voltmeter</a:t>
-                      </a:r>
-                    </a:p>
-                  </a:txBody>
-                  <a:tcPr marL="6343" marR="6343" marT="6343" marB="0" anchor="b"/>
-                </a:tc>
-                <a:tc>
-                  <a:txBody>
-                    <a:bodyPr/>
-                    <a:lstStyle/>
-                    <a:p>
-                      <a:pPr marL="0" algn="ctr" rtl="0" eaLnBrk="1" fontAlgn="b" latinLnBrk="0" hangingPunct="1"/>
-                      <a:r>
-                        <a:rPr kumimoji="0" lang="en-US" sz="800" b="0" i="0" u="none" strike="noStrike" kern="1200">
-                          <a:solidFill>
-                            <a:srgbClr val="000000"/>
-                          </a:solidFill>
-                          <a:effectLst/>
-                          <a:latin typeface="Arial"/>
-                          <a:ea typeface="+mn-ea"/>
-                          <a:cs typeface="+mn-cs"/>
-                        </a:rPr>
-                        <a:t>Voltage differential of 3-8 mv</a:t>
-                      </a:r>
-                    </a:p>
-                  </a:txBody>
-                  <a:tcPr marL="6343" marR="6343" marT="6343" marB="0" anchor="b"/>
-                </a:tc>
-                <a:tc>
-                  <a:txBody>
-                    <a:bodyPr/>
-                    <a:lstStyle/>
-                    <a:p>
-                      <a:pPr marL="0" algn="ctr" rtl="0" eaLnBrk="1" fontAlgn="b" latinLnBrk="0" hangingPunct="1"/>
-                      <a:r>
-                        <a:rPr kumimoji="0" lang="en-US" sz="800" b="0" i="0" u="none" strike="noStrike" kern="1200">
-                          <a:solidFill>
-                            <a:srgbClr val="000000"/>
-                          </a:solidFill>
-                          <a:effectLst/>
-                          <a:latin typeface="Arial"/>
-                          <a:ea typeface="+mn-ea"/>
-                          <a:cs typeface="+mn-cs"/>
-                        </a:rPr>
-                        <a:t>Pass</a:t>
-                      </a:r>
-                    </a:p>
-                  </a:txBody>
-                  <a:tcPr marL="6343" marR="6343" marT="6343" marB="0" anchor="b"/>
-                </a:tc>
-              </a:tr>
-              <a:tr h="891176">
-                <a:tc>
-                  <a:txBody>
-                    <a:bodyPr/>
-                    <a:lstStyle/>
-                    <a:p>
-                      <a:pPr marL="0" algn="ctr" rtl="0" eaLnBrk="1" fontAlgn="b" latinLnBrk="0" hangingPunct="1"/>
-                      <a:r>
-                        <a:rPr kumimoji="0" lang="en-US" sz="800" b="0" i="0" u="none" strike="noStrike" kern="1200">
-                          <a:solidFill>
-                            <a:srgbClr val="000000"/>
-                          </a:solidFill>
-                          <a:effectLst/>
-                          <a:latin typeface="Arial"/>
-                          <a:ea typeface="+mn-ea"/>
-                          <a:cs typeface="+mn-cs"/>
-                        </a:rPr>
-                        <a:t>3</a:t>
-                      </a:r>
-                    </a:p>
-                  </a:txBody>
-                  <a:tcPr marL="6343" marR="6343" marT="6343" marB="0" anchor="b"/>
-                </a:tc>
-                <a:tc>
-                  <a:txBody>
-                    <a:bodyPr/>
-                    <a:lstStyle/>
-                    <a:p>
-                      <a:pPr marL="0" algn="ctr" rtl="0" eaLnBrk="1" fontAlgn="b" latinLnBrk="0" hangingPunct="1"/>
-                      <a:r>
-                        <a:rPr kumimoji="0" lang="en-US" sz="800" b="0" i="0" u="none" strike="noStrike" kern="1200">
-                          <a:solidFill>
-                            <a:srgbClr val="000000"/>
-                          </a:solidFill>
-                          <a:effectLst/>
-                          <a:latin typeface="Arial"/>
-                          <a:ea typeface="+mn-ea"/>
-                          <a:cs typeface="+mn-cs"/>
-                        </a:rPr>
-                        <a:t>Test Child strain gauge configuration</a:t>
-                      </a:r>
-                    </a:p>
-                  </a:txBody>
-                  <a:tcPr marL="6343" marR="6343" marT="6343" marB="0" anchor="b"/>
-                </a:tc>
-                <a:tc>
-                  <a:txBody>
-                    <a:bodyPr/>
-                    <a:lstStyle/>
-                    <a:p>
-                      <a:pPr marL="0" algn="ctr" rtl="0" eaLnBrk="1" fontAlgn="b" latinLnBrk="0" hangingPunct="1"/>
-                      <a:r>
-                        <a:rPr kumimoji="0" lang="en-US" sz="800" b="0" i="0" u="none" strike="noStrike" kern="1200" dirty="0">
-                          <a:solidFill>
-                            <a:srgbClr val="000000"/>
-                          </a:solidFill>
-                          <a:effectLst/>
-                          <a:latin typeface="Arial"/>
-                          <a:ea typeface="+mn-ea"/>
-                          <a:cs typeface="+mn-cs"/>
-                        </a:rPr>
-                        <a:t>1.  Wire strain gauges together</a:t>
-                      </a:r>
-                      <a:br>
-                        <a:rPr kumimoji="0" lang="en-US" sz="800" b="0" i="0" u="none" strike="noStrike" kern="1200" dirty="0">
-                          <a:solidFill>
-                            <a:srgbClr val="000000"/>
-                          </a:solidFill>
-                          <a:effectLst/>
-                          <a:latin typeface="Arial"/>
-                          <a:ea typeface="+mn-ea"/>
-                          <a:cs typeface="+mn-cs"/>
-                        </a:rPr>
-                      </a:br>
-                      <a:r>
-                        <a:rPr kumimoji="0" lang="en-US" sz="800" b="0" i="0" u="none" strike="noStrike" kern="1200" dirty="0">
-                          <a:solidFill>
-                            <a:srgbClr val="000000"/>
-                          </a:solidFill>
-                          <a:effectLst/>
-                          <a:latin typeface="Arial"/>
-                          <a:ea typeface="+mn-ea"/>
-                          <a:cs typeface="+mn-cs"/>
-                        </a:rPr>
-                        <a:t>2.  Connect strain gauges to HX711</a:t>
-                      </a:r>
-                      <a:br>
-                        <a:rPr kumimoji="0" lang="en-US" sz="800" b="0" i="0" u="none" strike="noStrike" kern="1200" dirty="0">
-                          <a:solidFill>
-                            <a:srgbClr val="000000"/>
-                          </a:solidFill>
-                          <a:effectLst/>
-                          <a:latin typeface="Arial"/>
-                          <a:ea typeface="+mn-ea"/>
-                          <a:cs typeface="+mn-cs"/>
-                        </a:rPr>
-                      </a:br>
-                      <a:r>
-                        <a:rPr kumimoji="0" lang="en-US" sz="800" b="0" i="0" u="none" strike="noStrike" kern="1200" dirty="0">
-                          <a:solidFill>
-                            <a:srgbClr val="000000"/>
-                          </a:solidFill>
-                          <a:effectLst/>
-                          <a:latin typeface="Arial"/>
-                          <a:ea typeface="+mn-ea"/>
-                          <a:cs typeface="+mn-cs"/>
-                        </a:rPr>
-                        <a:t>3.  Connect HX711 to power</a:t>
-                      </a:r>
-                      <a:br>
-                        <a:rPr kumimoji="0" lang="en-US" sz="800" b="0" i="0" u="none" strike="noStrike" kern="1200" dirty="0">
-                          <a:solidFill>
-                            <a:srgbClr val="000000"/>
-                          </a:solidFill>
-                          <a:effectLst/>
-                          <a:latin typeface="Arial"/>
-                          <a:ea typeface="+mn-ea"/>
-                          <a:cs typeface="+mn-cs"/>
-                        </a:rPr>
-                      </a:br>
-                      <a:r>
-                        <a:rPr kumimoji="0" lang="en-US" sz="800" b="0" i="0" u="none" strike="noStrike" kern="1200" dirty="0">
-                          <a:solidFill>
-                            <a:srgbClr val="000000"/>
-                          </a:solidFill>
-                          <a:effectLst/>
-                          <a:latin typeface="Arial"/>
-                          <a:ea typeface="+mn-ea"/>
-                          <a:cs typeface="+mn-cs"/>
-                        </a:rPr>
-                        <a:t>4.  Apply pressure to strain gauges and monitor the A+ and A- pins for voltage differences with a voltmeter</a:t>
-                      </a:r>
-                    </a:p>
-                  </a:txBody>
-                  <a:tcPr marL="6343" marR="6343" marT="6343" marB="0" anchor="b"/>
-                </a:tc>
-                <a:tc>
-                  <a:txBody>
-                    <a:bodyPr/>
-                    <a:lstStyle/>
-                    <a:p>
-                      <a:pPr marL="0" algn="ctr" rtl="0" eaLnBrk="1" fontAlgn="b" latinLnBrk="0" hangingPunct="1"/>
-                      <a:r>
-                        <a:rPr kumimoji="0" lang="en-US" sz="800" b="0" i="0" u="none" strike="noStrike" kern="1200">
-                          <a:solidFill>
-                            <a:srgbClr val="000000"/>
-                          </a:solidFill>
-                          <a:effectLst/>
-                          <a:latin typeface="Arial"/>
-                          <a:ea typeface="+mn-ea"/>
-                          <a:cs typeface="+mn-cs"/>
-                        </a:rPr>
-                        <a:t>Extremely small voltage differential will be visible on a voltmeter</a:t>
-                      </a:r>
-                    </a:p>
-                  </a:txBody>
-                  <a:tcPr marL="6343" marR="6343" marT="6343" marB="0" anchor="b"/>
-                </a:tc>
-                <a:tc>
-                  <a:txBody>
-                    <a:bodyPr/>
-                    <a:lstStyle/>
-                    <a:p>
-                      <a:pPr marL="0" algn="ctr" rtl="0" eaLnBrk="1" fontAlgn="b" latinLnBrk="0" hangingPunct="1"/>
-                      <a:r>
-                        <a:rPr kumimoji="0" lang="en-US" sz="800" b="0" i="0" u="none" strike="noStrike" kern="1200">
-                          <a:solidFill>
-                            <a:srgbClr val="000000"/>
-                          </a:solidFill>
-                          <a:effectLst/>
-                          <a:latin typeface="Arial"/>
-                          <a:ea typeface="+mn-ea"/>
-                          <a:cs typeface="+mn-cs"/>
-                        </a:rPr>
-                        <a:t>Voltage differential of 3-8 mv</a:t>
-                      </a:r>
-                    </a:p>
-                  </a:txBody>
-                  <a:tcPr marL="6343" marR="6343" marT="6343" marB="0" anchor="b"/>
-                </a:tc>
-                <a:tc>
-                  <a:txBody>
-                    <a:bodyPr/>
-                    <a:lstStyle/>
-                    <a:p>
-                      <a:pPr marL="0" algn="ctr" rtl="0" eaLnBrk="1" fontAlgn="b" latinLnBrk="0" hangingPunct="1"/>
-                      <a:r>
-                        <a:rPr kumimoji="0" lang="en-US" sz="800" b="0" i="0" u="none" strike="noStrike" kern="1200">
-                          <a:solidFill>
-                            <a:srgbClr val="000000"/>
-                          </a:solidFill>
-                          <a:effectLst/>
-                          <a:latin typeface="Arial"/>
-                          <a:ea typeface="+mn-ea"/>
-                          <a:cs typeface="+mn-cs"/>
-                        </a:rPr>
-                        <a:t>Pass</a:t>
-                      </a:r>
-                    </a:p>
-                  </a:txBody>
-                  <a:tcPr marL="6343" marR="6343" marT="6343" marB="0" anchor="b"/>
-                </a:tc>
-              </a:tr>
-              <a:tr h="597002">
-                <a:tc>
-                  <a:txBody>
-                    <a:bodyPr/>
-                    <a:lstStyle/>
-                    <a:p>
-                      <a:pPr marL="0" algn="ctr" rtl="0" eaLnBrk="1" fontAlgn="b" latinLnBrk="0" hangingPunct="1"/>
-                      <a:r>
-                        <a:rPr kumimoji="0" lang="en-US" sz="800" b="0" i="0" u="none" strike="noStrike" kern="1200">
-                          <a:solidFill>
-                            <a:srgbClr val="000000"/>
-                          </a:solidFill>
-                          <a:effectLst/>
-                          <a:latin typeface="Arial"/>
-                          <a:ea typeface="+mn-ea"/>
-                          <a:cs typeface="+mn-cs"/>
-                        </a:rPr>
-                        <a:t>4</a:t>
-                      </a:r>
-                    </a:p>
-                  </a:txBody>
-                  <a:tcPr marL="6343" marR="6343" marT="6343" marB="0" anchor="b"/>
-                </a:tc>
-                <a:tc>
-                  <a:txBody>
-                    <a:bodyPr/>
-                    <a:lstStyle/>
-                    <a:p>
-                      <a:pPr marL="0" algn="ctr" rtl="0" eaLnBrk="1" fontAlgn="b" latinLnBrk="0" hangingPunct="1"/>
-                      <a:r>
-                        <a:rPr kumimoji="0" lang="en-US" sz="800" b="0" i="0" u="none" strike="noStrike" kern="1200">
-                          <a:solidFill>
-                            <a:srgbClr val="000000"/>
-                          </a:solidFill>
-                          <a:effectLst/>
-                          <a:latin typeface="Arial"/>
-                          <a:ea typeface="+mn-ea"/>
-                          <a:cs typeface="+mn-cs"/>
-                        </a:rPr>
-                        <a:t>Test Driver HX711 configuration</a:t>
-                      </a:r>
-                    </a:p>
-                  </a:txBody>
-                  <a:tcPr marL="6343" marR="6343" marT="6343" marB="0" anchor="b"/>
-                </a:tc>
-                <a:tc>
-                  <a:txBody>
-                    <a:bodyPr/>
-                    <a:lstStyle/>
-                    <a:p>
-                      <a:pPr marL="0" algn="ctr" rtl="0" eaLnBrk="1" fontAlgn="b" latinLnBrk="0" hangingPunct="1"/>
-                      <a:r>
-                        <a:rPr kumimoji="0" lang="en-US" sz="800" b="0" i="0" u="none" strike="noStrike" kern="1200" dirty="0">
-                          <a:solidFill>
-                            <a:srgbClr val="000000"/>
-                          </a:solidFill>
-                          <a:effectLst/>
-                          <a:latin typeface="Arial"/>
-                          <a:ea typeface="+mn-ea"/>
-                          <a:cs typeface="+mn-cs"/>
-                        </a:rPr>
-                        <a:t>1.  Connect strain gauges to HX711</a:t>
-                      </a:r>
-                      <a:br>
-                        <a:rPr kumimoji="0" lang="en-US" sz="800" b="0" i="0" u="none" strike="noStrike" kern="1200" dirty="0">
-                          <a:solidFill>
-                            <a:srgbClr val="000000"/>
-                          </a:solidFill>
-                          <a:effectLst/>
-                          <a:latin typeface="Arial"/>
-                          <a:ea typeface="+mn-ea"/>
-                          <a:cs typeface="+mn-cs"/>
-                        </a:rPr>
-                      </a:br>
-                      <a:r>
-                        <a:rPr kumimoji="0" lang="en-US" sz="800" b="0" i="0" u="none" strike="noStrike" kern="1200" dirty="0">
-                          <a:solidFill>
-                            <a:srgbClr val="000000"/>
-                          </a:solidFill>
-                          <a:effectLst/>
-                          <a:latin typeface="Arial"/>
-                          <a:ea typeface="+mn-ea"/>
-                          <a:cs typeface="+mn-cs"/>
-                        </a:rPr>
-                        <a:t>2.  Connect HX711 to Arduino</a:t>
-                      </a:r>
-                      <a:br>
-                        <a:rPr kumimoji="0" lang="en-US" sz="800" b="0" i="0" u="none" strike="noStrike" kern="1200" dirty="0">
-                          <a:solidFill>
-                            <a:srgbClr val="000000"/>
-                          </a:solidFill>
-                          <a:effectLst/>
-                          <a:latin typeface="Arial"/>
-                          <a:ea typeface="+mn-ea"/>
-                          <a:cs typeface="+mn-cs"/>
-                        </a:rPr>
-                      </a:br>
-                      <a:r>
-                        <a:rPr kumimoji="0" lang="en-US" sz="800" b="0" i="0" u="none" strike="noStrike" kern="1200" dirty="0">
-                          <a:solidFill>
-                            <a:srgbClr val="000000"/>
-                          </a:solidFill>
-                          <a:effectLst/>
-                          <a:latin typeface="Arial"/>
-                          <a:ea typeface="+mn-ea"/>
-                          <a:cs typeface="+mn-cs"/>
-                        </a:rPr>
-                        <a:t>3.  Program Arduino with a program to read the HX711</a:t>
-                      </a:r>
-                    </a:p>
-                  </a:txBody>
-                  <a:tcPr marL="6343" marR="6343" marT="6343" marB="0" anchor="b"/>
-                </a:tc>
-                <a:tc>
-                  <a:txBody>
-                    <a:bodyPr/>
-                    <a:lstStyle/>
-                    <a:p>
-                      <a:pPr marL="0" algn="ctr" rtl="0" eaLnBrk="1" fontAlgn="b" latinLnBrk="0" hangingPunct="1"/>
-                      <a:r>
-                        <a:rPr kumimoji="0" lang="en-US" sz="800" b="0" i="0" u="none" strike="noStrike" kern="1200" dirty="0">
-                          <a:solidFill>
-                            <a:srgbClr val="000000"/>
-                          </a:solidFill>
-                          <a:effectLst/>
-                          <a:latin typeface="Arial"/>
-                          <a:ea typeface="+mn-ea"/>
-                          <a:cs typeface="+mn-cs"/>
-                        </a:rPr>
-                        <a:t>Serial readout of strain gauge force.  Result will initially be uncalibrated so may be unusual</a:t>
-                      </a:r>
-                    </a:p>
-                  </a:txBody>
-                  <a:tcPr marL="6343" marR="6343" marT="6343" marB="0" anchor="b"/>
-                </a:tc>
-                <a:tc>
-                  <a:txBody>
-                    <a:bodyPr/>
-                    <a:lstStyle/>
-                    <a:p>
-                      <a:pPr marL="0" algn="ctr" rtl="0" eaLnBrk="1" fontAlgn="b" latinLnBrk="0" hangingPunct="1"/>
-                      <a:r>
-                        <a:rPr kumimoji="0" lang="en-US" sz="800" b="0" i="0" u="none" strike="noStrike" kern="1200">
-                          <a:solidFill>
-                            <a:srgbClr val="000000"/>
-                          </a:solidFill>
-                          <a:effectLst/>
-                          <a:latin typeface="Arial"/>
-                          <a:ea typeface="+mn-ea"/>
-                          <a:cs typeface="+mn-cs"/>
-                        </a:rPr>
-                        <a:t>Displayed rresulting force in KG. Calibration factor of  7050 chosen to zero scale</a:t>
-                      </a:r>
-                    </a:p>
-                  </a:txBody>
-                  <a:tcPr marL="6343" marR="6343" marT="6343" marB="0" anchor="b"/>
-                </a:tc>
-                <a:tc>
-                  <a:txBody>
-                    <a:bodyPr/>
-                    <a:lstStyle/>
-                    <a:p>
-                      <a:pPr marL="0" algn="ctr" rtl="0" eaLnBrk="1" fontAlgn="b" latinLnBrk="0" hangingPunct="1"/>
-                      <a:r>
-                        <a:rPr kumimoji="0" lang="en-US" sz="800" b="0" i="0" u="none" strike="noStrike" kern="1200">
-                          <a:solidFill>
-                            <a:srgbClr val="000000"/>
-                          </a:solidFill>
-                          <a:effectLst/>
-                          <a:latin typeface="Arial"/>
-                          <a:ea typeface="+mn-ea"/>
-                          <a:cs typeface="+mn-cs"/>
-                        </a:rPr>
-                        <a:t>Pass</a:t>
-                      </a:r>
-                    </a:p>
-                  </a:txBody>
-                  <a:tcPr marL="6343" marR="6343" marT="6343" marB="0" anchor="b"/>
-                </a:tc>
-              </a:tr>
-              <a:tr h="597002">
-                <a:tc>
-                  <a:txBody>
-                    <a:bodyPr/>
-                    <a:lstStyle/>
-                    <a:p>
-                      <a:pPr marL="0" algn="ctr" rtl="0" eaLnBrk="1" fontAlgn="b" latinLnBrk="0" hangingPunct="1"/>
-                      <a:r>
-                        <a:rPr kumimoji="0" lang="en-US" sz="800" b="0" i="0" u="none" strike="noStrike" kern="1200">
-                          <a:solidFill>
-                            <a:srgbClr val="000000"/>
-                          </a:solidFill>
-                          <a:effectLst/>
-                          <a:latin typeface="Arial"/>
-                          <a:ea typeface="+mn-ea"/>
-                          <a:cs typeface="+mn-cs"/>
-                        </a:rPr>
-                        <a:t>5</a:t>
-                      </a:r>
-                    </a:p>
-                  </a:txBody>
-                  <a:tcPr marL="6343" marR="6343" marT="6343" marB="0" anchor="b"/>
-                </a:tc>
-                <a:tc>
-                  <a:txBody>
-                    <a:bodyPr/>
-                    <a:lstStyle/>
-                    <a:p>
-                      <a:pPr marL="0" algn="ctr" rtl="0" eaLnBrk="1" fontAlgn="b" latinLnBrk="0" hangingPunct="1"/>
-                      <a:r>
-                        <a:rPr kumimoji="0" lang="en-US" sz="800" b="0" i="0" u="none" strike="noStrike" kern="1200">
-                          <a:solidFill>
-                            <a:srgbClr val="000000"/>
-                          </a:solidFill>
-                          <a:effectLst/>
-                          <a:latin typeface="Arial"/>
-                          <a:ea typeface="+mn-ea"/>
-                          <a:cs typeface="+mn-cs"/>
-                        </a:rPr>
-                        <a:t>Test Child HX711 configuration</a:t>
-                      </a:r>
-                    </a:p>
-                  </a:txBody>
-                  <a:tcPr marL="6343" marR="6343" marT="6343" marB="0" anchor="b"/>
-                </a:tc>
-                <a:tc>
-                  <a:txBody>
-                    <a:bodyPr/>
-                    <a:lstStyle/>
-                    <a:p>
-                      <a:pPr marL="0" algn="ctr" rtl="0" eaLnBrk="1" fontAlgn="b" latinLnBrk="0" hangingPunct="1"/>
-                      <a:r>
-                        <a:rPr kumimoji="0" lang="en-US" sz="800" b="0" i="0" u="none" strike="noStrike" kern="1200">
-                          <a:solidFill>
-                            <a:srgbClr val="000000"/>
-                          </a:solidFill>
-                          <a:effectLst/>
-                          <a:latin typeface="Arial"/>
-                          <a:ea typeface="+mn-ea"/>
-                          <a:cs typeface="+mn-cs"/>
-                        </a:rPr>
-                        <a:t>1.  Connect strain gauges to HX711</a:t>
-                      </a:r>
-                      <a:br>
-                        <a:rPr kumimoji="0" lang="en-US" sz="800" b="0" i="0" u="none" strike="noStrike" kern="1200">
-                          <a:solidFill>
-                            <a:srgbClr val="000000"/>
-                          </a:solidFill>
-                          <a:effectLst/>
-                          <a:latin typeface="Arial"/>
-                          <a:ea typeface="+mn-ea"/>
-                          <a:cs typeface="+mn-cs"/>
-                        </a:rPr>
-                      </a:br>
-                      <a:r>
-                        <a:rPr kumimoji="0" lang="en-US" sz="800" b="0" i="0" u="none" strike="noStrike" kern="1200">
-                          <a:solidFill>
-                            <a:srgbClr val="000000"/>
-                          </a:solidFill>
-                          <a:effectLst/>
-                          <a:latin typeface="Arial"/>
-                          <a:ea typeface="+mn-ea"/>
-                          <a:cs typeface="+mn-cs"/>
-                        </a:rPr>
-                        <a:t>2.  Connect HX711 to Arduino</a:t>
-                      </a:r>
-                      <a:br>
-                        <a:rPr kumimoji="0" lang="en-US" sz="800" b="0" i="0" u="none" strike="noStrike" kern="1200">
-                          <a:solidFill>
-                            <a:srgbClr val="000000"/>
-                          </a:solidFill>
-                          <a:effectLst/>
-                          <a:latin typeface="Arial"/>
-                          <a:ea typeface="+mn-ea"/>
-                          <a:cs typeface="+mn-cs"/>
-                        </a:rPr>
-                      </a:br>
-                      <a:r>
-                        <a:rPr kumimoji="0" lang="en-US" sz="800" b="0" i="0" u="none" strike="noStrike" kern="1200">
-                          <a:solidFill>
-                            <a:srgbClr val="000000"/>
-                          </a:solidFill>
-                          <a:effectLst/>
-                          <a:latin typeface="Arial"/>
-                          <a:ea typeface="+mn-ea"/>
-                          <a:cs typeface="+mn-cs"/>
-                        </a:rPr>
-                        <a:t>3.  Program Arduino with a program to read the HX711</a:t>
-                      </a:r>
-                    </a:p>
-                  </a:txBody>
-                  <a:tcPr marL="6343" marR="6343" marT="6343" marB="0" anchor="b"/>
-                </a:tc>
-                <a:tc>
-                  <a:txBody>
-                    <a:bodyPr/>
-                    <a:lstStyle/>
-                    <a:p>
-                      <a:pPr marL="0" algn="ctr" rtl="0" eaLnBrk="1" fontAlgn="b" latinLnBrk="0" hangingPunct="1"/>
-                      <a:r>
-                        <a:rPr kumimoji="0" lang="en-US" sz="800" b="0" i="0" u="none" strike="noStrike" kern="1200">
-                          <a:solidFill>
-                            <a:srgbClr val="000000"/>
-                          </a:solidFill>
-                          <a:effectLst/>
-                          <a:latin typeface="Arial"/>
-                          <a:ea typeface="+mn-ea"/>
-                          <a:cs typeface="+mn-cs"/>
-                        </a:rPr>
-                        <a:t>Serial readout of strain gauge force.  Result will initially be uncalibrated so may be unusual</a:t>
-                      </a:r>
-                    </a:p>
-                  </a:txBody>
-                  <a:tcPr marL="6343" marR="6343" marT="6343" marB="0" anchor="b"/>
-                </a:tc>
-                <a:tc>
-                  <a:txBody>
-                    <a:bodyPr/>
-                    <a:lstStyle/>
-                    <a:p>
-                      <a:pPr marL="0" algn="ctr" rtl="0" eaLnBrk="1" fontAlgn="b" latinLnBrk="0" hangingPunct="1"/>
-                      <a:r>
-                        <a:rPr kumimoji="0" lang="en-US" sz="800" b="0" i="0" u="none" strike="noStrike" kern="1200">
-                          <a:solidFill>
-                            <a:srgbClr val="000000"/>
-                          </a:solidFill>
-                          <a:effectLst/>
-                          <a:latin typeface="Arial"/>
-                          <a:ea typeface="+mn-ea"/>
-                          <a:cs typeface="+mn-cs"/>
-                        </a:rPr>
-                        <a:t>Displayed rresulting force in KG. Calibration factor of  -7050 chosen to zero scale</a:t>
-                      </a:r>
-                    </a:p>
-                  </a:txBody>
-                  <a:tcPr marL="6343" marR="6343" marT="6343" marB="0" anchor="b"/>
-                </a:tc>
-                <a:tc>
-                  <a:txBody>
-                    <a:bodyPr/>
-                    <a:lstStyle/>
-                    <a:p>
-                      <a:pPr marL="0" algn="ctr" rtl="0" eaLnBrk="1" fontAlgn="b" latinLnBrk="0" hangingPunct="1"/>
-                      <a:r>
-                        <a:rPr kumimoji="0" lang="en-US" sz="800" b="0" i="0" u="none" strike="noStrike" kern="1200">
-                          <a:solidFill>
-                            <a:srgbClr val="000000"/>
-                          </a:solidFill>
-                          <a:effectLst/>
-                          <a:latin typeface="Arial"/>
-                          <a:ea typeface="+mn-ea"/>
-                          <a:cs typeface="+mn-cs"/>
-                        </a:rPr>
-                        <a:t>Pass</a:t>
-                      </a:r>
-                    </a:p>
-                  </a:txBody>
-                  <a:tcPr marL="6343" marR="6343" marT="6343" marB="0" anchor="b"/>
-                </a:tc>
-              </a:tr>
-              <a:tr h="449914">
-                <a:tc>
-                  <a:txBody>
-                    <a:bodyPr/>
-                    <a:lstStyle/>
-                    <a:p>
-                      <a:pPr marL="0" algn="ctr" rtl="0" eaLnBrk="1" fontAlgn="b" latinLnBrk="0" hangingPunct="1"/>
-                      <a:r>
-                        <a:rPr kumimoji="0" lang="en-US" sz="800" b="0" i="0" u="none" strike="noStrike" kern="1200">
-                          <a:solidFill>
-                            <a:srgbClr val="000000"/>
-                          </a:solidFill>
-                          <a:effectLst/>
-                          <a:latin typeface="Arial"/>
-                          <a:ea typeface="+mn-ea"/>
-                          <a:cs typeface="+mn-cs"/>
-                        </a:rPr>
-                        <a:t>6</a:t>
-                      </a:r>
-                    </a:p>
-                  </a:txBody>
-                  <a:tcPr marL="6343" marR="6343" marT="6343" marB="0" anchor="b"/>
-                </a:tc>
-                <a:tc>
-                  <a:txBody>
-                    <a:bodyPr/>
-                    <a:lstStyle/>
-                    <a:p>
-                      <a:pPr marL="0" algn="ctr" rtl="0" eaLnBrk="1" fontAlgn="b" latinLnBrk="0" hangingPunct="1"/>
-                      <a:r>
-                        <a:rPr kumimoji="0" lang="en-US" sz="800" b="0" i="0" u="none" strike="noStrike" kern="1200">
-                          <a:solidFill>
-                            <a:srgbClr val="000000"/>
-                          </a:solidFill>
-                          <a:effectLst/>
-                          <a:latin typeface="Arial"/>
-                          <a:ea typeface="+mn-ea"/>
-                          <a:cs typeface="+mn-cs"/>
-                        </a:rPr>
-                        <a:t>Test alert generation code</a:t>
-                      </a:r>
-                    </a:p>
-                  </a:txBody>
-                  <a:tcPr marL="6343" marR="6343" marT="6343" marB="0" anchor="b"/>
-                </a:tc>
-                <a:tc>
-                  <a:txBody>
-                    <a:bodyPr/>
-                    <a:lstStyle/>
-                    <a:p>
-                      <a:pPr marL="0" algn="ctr" rtl="0" eaLnBrk="1" fontAlgn="b" latinLnBrk="0" hangingPunct="1"/>
-                      <a:r>
-                        <a:rPr kumimoji="0" lang="en-US" sz="800" b="0" i="0" u="none" strike="noStrike" kern="1200">
-                          <a:solidFill>
-                            <a:srgbClr val="000000"/>
-                          </a:solidFill>
-                          <a:effectLst/>
-                          <a:latin typeface="Arial"/>
-                          <a:ea typeface="+mn-ea"/>
-                          <a:cs typeface="+mn-cs"/>
-                        </a:rPr>
-                        <a:t>1.  Apply weight to both strain gauges</a:t>
-                      </a:r>
-                      <a:br>
-                        <a:rPr kumimoji="0" lang="en-US" sz="800" b="0" i="0" u="none" strike="noStrike" kern="1200">
-                          <a:solidFill>
-                            <a:srgbClr val="000000"/>
-                          </a:solidFill>
-                          <a:effectLst/>
-                          <a:latin typeface="Arial"/>
-                          <a:ea typeface="+mn-ea"/>
-                          <a:cs typeface="+mn-cs"/>
-                        </a:rPr>
-                      </a:br>
-                      <a:r>
-                        <a:rPr kumimoji="0" lang="en-US" sz="800" b="0" i="0" u="none" strike="noStrike" kern="1200">
-                          <a:solidFill>
-                            <a:srgbClr val="000000"/>
-                          </a:solidFill>
-                          <a:effectLst/>
-                          <a:latin typeface="Arial"/>
-                          <a:ea typeface="+mn-ea"/>
-                          <a:cs typeface="+mn-cs"/>
-                        </a:rPr>
-                        <a:t>2.  Remove weight from driver gauge for more than 30 seconds</a:t>
-                      </a:r>
-                    </a:p>
-                  </a:txBody>
-                  <a:tcPr marL="6343" marR="6343" marT="6343" marB="0" anchor="b"/>
-                </a:tc>
-                <a:tc>
-                  <a:txBody>
-                    <a:bodyPr/>
-                    <a:lstStyle/>
-                    <a:p>
-                      <a:pPr marL="0" algn="ctr" rtl="0" eaLnBrk="1" fontAlgn="b" latinLnBrk="0" hangingPunct="1"/>
-                      <a:r>
-                        <a:rPr kumimoji="0" lang="en-US" sz="800" b="0" i="0" u="none" strike="noStrike" kern="1200" dirty="0">
-                          <a:solidFill>
-                            <a:srgbClr val="000000"/>
-                          </a:solidFill>
-                          <a:effectLst/>
-                          <a:latin typeface="Arial"/>
-                          <a:ea typeface="+mn-ea"/>
-                          <a:cs typeface="+mn-cs"/>
-                        </a:rPr>
-                        <a:t>Serial readout will display a message that a child has been left alone in the car</a:t>
-                      </a:r>
-                    </a:p>
-                  </a:txBody>
-                  <a:tcPr marL="6343" marR="6343" marT="6343" marB="0" anchor="b"/>
-                </a:tc>
-                <a:tc>
-                  <a:txBody>
-                    <a:bodyPr/>
-                    <a:lstStyle/>
-                    <a:p>
-                      <a:pPr marL="0" algn="ctr" rtl="0" eaLnBrk="1" fontAlgn="b" latinLnBrk="0" hangingPunct="1"/>
-                      <a:r>
-                        <a:rPr kumimoji="0" lang="en-US" sz="800" b="0" i="0" u="none" strike="noStrike" kern="1200" dirty="0">
-                          <a:solidFill>
-                            <a:srgbClr val="000000"/>
-                          </a:solidFill>
-                          <a:effectLst/>
-                          <a:latin typeface="Arial"/>
-                          <a:ea typeface="+mn-ea"/>
-                          <a:cs typeface="+mn-cs"/>
-                        </a:rPr>
-                        <a:t>Received a message on serial readout that a child was alone in the car</a:t>
-                      </a:r>
-                    </a:p>
-                  </a:txBody>
-                  <a:tcPr marL="6343" marR="6343" marT="6343" marB="0" anchor="b"/>
-                </a:tc>
-                <a:tc>
-                  <a:txBody>
-                    <a:bodyPr/>
-                    <a:lstStyle/>
-                    <a:p>
-                      <a:pPr marL="0" algn="ctr" rtl="0" eaLnBrk="1" fontAlgn="b" latinLnBrk="0" hangingPunct="1"/>
-                      <a:r>
-                        <a:rPr kumimoji="0" lang="en-US" sz="800" b="0" i="0" u="none" strike="noStrike" kern="1200" dirty="0">
-                          <a:solidFill>
-                            <a:srgbClr val="000000"/>
-                          </a:solidFill>
-                          <a:effectLst/>
-                          <a:latin typeface="Arial"/>
-                          <a:ea typeface="+mn-ea"/>
-                          <a:cs typeface="+mn-cs"/>
-                        </a:rPr>
-                        <a:t>Pass</a:t>
-                      </a:r>
-                    </a:p>
-                  </a:txBody>
-                  <a:tcPr marL="6343" marR="6343" marT="6343" marB="0" anchor="b"/>
-                </a:tc>
-              </a:tr>
-            </a:tbl>
-          </a:graphicData>
-        </a:graphic>
-      </p:graphicFrame>
+        </p:nvSpPr>
+        <p:spPr>
+          <a:xfrm>
+            <a:off x="457200" y="1295400"/>
+            <a:ext cx="8229600" cy="4876800"/>
+          </a:xfrm>
+        </p:spPr>
+        <p:txBody>
+          <a:bodyPr>
+            <a:normAutofit/>
+          </a:bodyPr>
+          <a:lstStyle/>
+          <a:p>
+            <a:r>
+              <a:rPr lang="uk-UA" sz="2700" dirty="0"/>
+              <a:t>Backend Requirements</a:t>
+            </a:r>
+            <a:endParaRPr lang="en-US" dirty="0">
+              <a:latin typeface="Gill Sans MT" panose="020B0502020104020203" pitchFamily="34" charset="0"/>
+            </a:endParaRPr>
+          </a:p>
+          <a:p>
+            <a:pPr lvl="1"/>
+            <a:r>
+              <a:rPr lang="uk-UA" dirty="0"/>
+              <a:t>[BEFUNCT001]  The software shall receive notifications wirelessly (using WI-FI or Bluetooth) from the hardware and transmit a notification to the user via text message or email.</a:t>
+            </a:r>
+            <a:endParaRPr lang="en-US" sz="2100" dirty="0">
+              <a:latin typeface="Gill Sans MT" panose="020B0502020104020203" pitchFamily="34" charset="0"/>
+            </a:endParaRPr>
+          </a:p>
+          <a:p>
+            <a:pPr lvl="1"/>
+            <a:r>
+              <a:rPr lang="uk-UA" dirty="0"/>
+              <a:t>[BEFUNCT002]  The software shall be written in a high-level programming language such as C++, Java, or a similar language.</a:t>
+            </a:r>
+            <a:endParaRPr lang="en-US" sz="2100" dirty="0">
+              <a:latin typeface="Gill Sans MT" panose="020B0502020104020203" pitchFamily="34" charset="0"/>
+            </a:endParaRPr>
+          </a:p>
+          <a:p>
+            <a:pPr lvl="1"/>
+            <a:r>
+              <a:rPr lang="uk-UA" dirty="0"/>
+              <a:t>[BEPERF001]  The software shall transmit an alert to the user within 15 seconds (1-sigma) of an alert received from the hardware.</a:t>
+            </a:r>
+            <a:endParaRPr lang="en-US" sz="2100" dirty="0">
+              <a:latin typeface="Gill Sans MT" panose="020B0502020104020203" pitchFamily="34" charset="0"/>
+            </a:endParaRPr>
+          </a:p>
+          <a:p>
+            <a:endParaRPr lang="en-US" dirty="0">
+              <a:latin typeface="Gill Sans MT" panose="020B0502020104020203" pitchFamily="34" charset="0"/>
+            </a:endParaRPr>
+          </a:p>
+          <a:p>
+            <a:endParaRPr lang="en-US" dirty="0">
+              <a:latin typeface="Gill Sans MT" panose="020B0502020104020203" pitchFamily="34" charset="0"/>
+            </a:endParaRPr>
+          </a:p>
+          <a:p>
+            <a:endParaRPr lang="en-US" dirty="0">
+              <a:latin typeface="Gill Sans MT" panose="020B0502020104020203" pitchFamily="34" charset="0"/>
+            </a:endParaRPr>
+          </a:p>
+        </p:txBody>
+      </p:sp>
     </p:spTree>
     <p:extLst>
       <p:ext uri="{BB962C8B-B14F-4D97-AF65-F5344CB8AC3E}">
-        <p14:creationId xmlns:p14="http://schemas.microsoft.com/office/powerpoint/2010/main" val="2317369401"/>
+        <p14:creationId xmlns:p14="http://schemas.microsoft.com/office/powerpoint/2010/main" val="1977466867"/>
       </p:ext>
     </p:extLst>
   </p:cSld>
@@ -5534,6 +4340,1520 @@
             <p:ph type="title"/>
           </p:nvPr>
         </p:nvSpPr>
+        <p:spPr/>
+        <p:txBody>
+          <a:bodyPr/>
+          <a:lstStyle/>
+          <a:p>
+            <a:r>
+              <a:rPr lang="en-US" dirty="0"/>
+              <a:t>Testing Plan</a:t>
+            </a:r>
+          </a:p>
+        </p:txBody>
+      </p:sp>
+      <p:sp>
+        <p:nvSpPr>
+          <p:cNvPr id="6" name="Content Placeholder 5"/>
+          <p:cNvSpPr>
+            <a:spLocks noGrp="1"/>
+          </p:cNvSpPr>
+          <p:nvPr>
+            <p:ph sz="quarter" idx="2"/>
+          </p:nvPr>
+        </p:nvSpPr>
+        <p:spPr>
+          <a:xfrm>
+            <a:off x="457200" y="1295400"/>
+            <a:ext cx="8229600" cy="4876800"/>
+          </a:xfrm>
+        </p:spPr>
+        <p:txBody>
+          <a:bodyPr>
+            <a:normAutofit/>
+          </a:bodyPr>
+          <a:lstStyle/>
+          <a:p>
+            <a:r>
+              <a:rPr lang="en-US" dirty="0"/>
+              <a:t>Testing plan designed for system and subsystem designs</a:t>
+            </a:r>
+          </a:p>
+          <a:p>
+            <a:r>
+              <a:rPr lang="en-US" dirty="0"/>
+              <a:t>Subsystem modules tested individually before integration to verify requirements compliance and functionality</a:t>
+            </a:r>
+          </a:p>
+          <a:p>
+            <a:r>
+              <a:rPr lang="en-US" dirty="0"/>
+              <a:t>System then integrated and tested</a:t>
+            </a:r>
+          </a:p>
+        </p:txBody>
+      </p:sp>
+    </p:spTree>
+    <p:extLst>
+      <p:ext uri="{BB962C8B-B14F-4D97-AF65-F5344CB8AC3E}">
+        <p14:creationId xmlns:p14="http://schemas.microsoft.com/office/powerpoint/2010/main" val="1928672737"/>
+      </p:ext>
+    </p:extLst>
+  </p:cSld>
+  <p:clrMapOvr>
+    <a:masterClrMapping/>
+  </p:clrMapOvr>
+</p:sld>
+</file>
+
+<file path=ppt/slides/slide14.xml><?xml version="1.0" encoding="utf-8"?>
+<p:sld xmlns:a="http://schemas.openxmlformats.org/drawingml/2006/main" xmlns:r="http://schemas.openxmlformats.org/officeDocument/2006/relationships" xmlns:p="http://schemas.openxmlformats.org/presentationml/2006/main">
+  <p:cSld>
+    <p:spTree>
+      <p:nvGrpSpPr>
+        <p:cNvPr id="1" name=""/>
+        <p:cNvGrpSpPr/>
+        <p:nvPr/>
+      </p:nvGrpSpPr>
+      <p:grpSpPr>
+        <a:xfrm>
+          <a:off x="0" y="0"/>
+          <a:ext cx="0" cy="0"/>
+          <a:chOff x="0" y="0"/>
+          <a:chExt cx="0" cy="0"/>
+        </a:xfrm>
+      </p:grpSpPr>
+      <p:sp>
+        <p:nvSpPr>
+          <p:cNvPr id="4" name="Title 3"/>
+          <p:cNvSpPr>
+            <a:spLocks noGrp="1"/>
+          </p:cNvSpPr>
+          <p:nvPr>
+            <p:ph type="title"/>
+          </p:nvPr>
+        </p:nvSpPr>
+        <p:spPr/>
+        <p:txBody>
+          <a:bodyPr/>
+          <a:lstStyle/>
+          <a:p>
+            <a:r>
+              <a:rPr lang="en-US" dirty="0"/>
+              <a:t>Embedded System Testing</a:t>
+            </a:r>
+          </a:p>
+        </p:txBody>
+      </p:sp>
+      <p:graphicFrame>
+        <p:nvGraphicFramePr>
+          <p:cNvPr id="2" name="Table 1"/>
+          <p:cNvGraphicFramePr>
+            <a:graphicFrameLocks noGrp="1"/>
+          </p:cNvGraphicFramePr>
+          <p:nvPr>
+            <p:extLst>
+              <p:ext uri="{D42A27DB-BD31-4B8C-83A1-F6EECF244321}">
+                <p14:modId xmlns:p14="http://schemas.microsoft.com/office/powerpoint/2010/main" val="2765473216"/>
+              </p:ext>
+            </p:extLst>
+          </p:nvPr>
+        </p:nvGraphicFramePr>
+        <p:xfrm>
+          <a:off x="152401" y="1447800"/>
+          <a:ext cx="8763000" cy="4683587"/>
+        </p:xfrm>
+        <a:graphic>
+          <a:graphicData uri="http://schemas.openxmlformats.org/drawingml/2006/table">
+            <a:tbl>
+              <a:tblPr>
+                <a:tableStyleId>{5C22544A-7EE6-4342-B048-85BDC9FD1C3A}</a:tableStyleId>
+              </a:tblPr>
+              <a:tblGrid>
+                <a:gridCol w="655915">
+                  <a:extLst>
+                    <a:ext uri="{9D8B030D-6E8A-4147-A177-3AD203B41FA5}">
+                      <a16:colId xmlns:a16="http://schemas.microsoft.com/office/drawing/2014/main" val="20000"/>
+                    </a:ext>
+                  </a:extLst>
+                </a:gridCol>
+                <a:gridCol w="2294332">
+                  <a:extLst>
+                    <a:ext uri="{9D8B030D-6E8A-4147-A177-3AD203B41FA5}">
+                      <a16:colId xmlns:a16="http://schemas.microsoft.com/office/drawing/2014/main" val="20001"/>
+                    </a:ext>
+                  </a:extLst>
+                </a:gridCol>
+                <a:gridCol w="1571918">
+                  <a:extLst>
+                    <a:ext uri="{9D8B030D-6E8A-4147-A177-3AD203B41FA5}">
+                      <a16:colId xmlns:a16="http://schemas.microsoft.com/office/drawing/2014/main" val="20002"/>
+                    </a:ext>
+                  </a:extLst>
+                </a:gridCol>
+                <a:gridCol w="1919747">
+                  <a:extLst>
+                    <a:ext uri="{9D8B030D-6E8A-4147-A177-3AD203B41FA5}">
+                      <a16:colId xmlns:a16="http://schemas.microsoft.com/office/drawing/2014/main" val="20003"/>
+                    </a:ext>
+                  </a:extLst>
+                </a:gridCol>
+                <a:gridCol w="1598674">
+                  <a:extLst>
+                    <a:ext uri="{9D8B030D-6E8A-4147-A177-3AD203B41FA5}">
+                      <a16:colId xmlns:a16="http://schemas.microsoft.com/office/drawing/2014/main" val="20004"/>
+                    </a:ext>
+                  </a:extLst>
+                </a:gridCol>
+                <a:gridCol w="722414">
+                  <a:extLst>
+                    <a:ext uri="{9D8B030D-6E8A-4147-A177-3AD203B41FA5}">
+                      <a16:colId xmlns:a16="http://schemas.microsoft.com/office/drawing/2014/main" val="20005"/>
+                    </a:ext>
+                  </a:extLst>
+                </a:gridCol>
+              </a:tblGrid>
+              <a:tr h="173043">
+                <a:tc>
+                  <a:txBody>
+                    <a:bodyPr/>
+                    <a:lstStyle/>
+                    <a:p>
+                      <a:pPr marL="0" algn="ctr" rtl="0" eaLnBrk="1" fontAlgn="b" latinLnBrk="0" hangingPunct="1"/>
+                      <a:r>
+                        <a:rPr kumimoji="0" lang="en-US" sz="800" b="0" i="0" u="none" strike="noStrike" kern="1200" dirty="0">
+                          <a:solidFill>
+                            <a:srgbClr val="000000"/>
+                          </a:solidFill>
+                          <a:effectLst/>
+                          <a:latin typeface="Arial"/>
+                          <a:ea typeface="+mn-ea"/>
+                          <a:cs typeface="+mn-cs"/>
+                        </a:rPr>
+                        <a:t>Test Case No</a:t>
+                      </a:r>
+                    </a:p>
+                  </a:txBody>
+                  <a:tcPr marL="6343" marR="6343" marT="6343" marB="0" anchor="b"/>
+                </a:tc>
+                <a:tc>
+                  <a:txBody>
+                    <a:bodyPr/>
+                    <a:lstStyle/>
+                    <a:p>
+                      <a:pPr marL="0" algn="ctr" rtl="0" eaLnBrk="1" fontAlgn="b" latinLnBrk="0" hangingPunct="1"/>
+                      <a:r>
+                        <a:rPr kumimoji="0" lang="en-US" sz="800" b="0" i="0" u="none" strike="noStrike" kern="1200">
+                          <a:solidFill>
+                            <a:srgbClr val="000000"/>
+                          </a:solidFill>
+                          <a:effectLst/>
+                          <a:latin typeface="Arial"/>
+                          <a:ea typeface="+mn-ea"/>
+                          <a:cs typeface="+mn-cs"/>
+                        </a:rPr>
+                        <a:t>Test Objective</a:t>
+                      </a:r>
+                    </a:p>
+                  </a:txBody>
+                  <a:tcPr marL="6343" marR="6343" marT="6343" marB="0" anchor="b"/>
+                </a:tc>
+                <a:tc>
+                  <a:txBody>
+                    <a:bodyPr/>
+                    <a:lstStyle/>
+                    <a:p>
+                      <a:pPr marL="0" algn="ctr" rtl="0" eaLnBrk="1" fontAlgn="b" latinLnBrk="0" hangingPunct="1"/>
+                      <a:r>
+                        <a:rPr kumimoji="0" lang="en-US" sz="800" b="0" i="0" u="none" strike="noStrike" kern="1200">
+                          <a:solidFill>
+                            <a:srgbClr val="000000"/>
+                          </a:solidFill>
+                          <a:effectLst/>
+                          <a:latin typeface="Arial"/>
+                          <a:ea typeface="+mn-ea"/>
+                          <a:cs typeface="+mn-cs"/>
+                        </a:rPr>
+                        <a:t>Test  Procedure</a:t>
+                      </a:r>
+                    </a:p>
+                  </a:txBody>
+                  <a:tcPr marL="6343" marR="6343" marT="6343" marB="0" anchor="b"/>
+                </a:tc>
+                <a:tc>
+                  <a:txBody>
+                    <a:bodyPr/>
+                    <a:lstStyle/>
+                    <a:p>
+                      <a:pPr marL="0" algn="ctr" rtl="0" eaLnBrk="1" fontAlgn="b" latinLnBrk="0" hangingPunct="1"/>
+                      <a:r>
+                        <a:rPr kumimoji="0" lang="en-US" sz="800" b="0" i="0" u="none" strike="noStrike" kern="1200">
+                          <a:solidFill>
+                            <a:srgbClr val="000000"/>
+                          </a:solidFill>
+                          <a:effectLst/>
+                          <a:latin typeface="Arial"/>
+                          <a:ea typeface="+mn-ea"/>
+                          <a:cs typeface="+mn-cs"/>
+                        </a:rPr>
+                        <a:t>Expected Result</a:t>
+                      </a:r>
+                    </a:p>
+                  </a:txBody>
+                  <a:tcPr marL="6343" marR="6343" marT="6343" marB="0" anchor="b"/>
+                </a:tc>
+                <a:tc>
+                  <a:txBody>
+                    <a:bodyPr/>
+                    <a:lstStyle/>
+                    <a:p>
+                      <a:pPr marL="0" algn="ctr" rtl="0" eaLnBrk="1" fontAlgn="b" latinLnBrk="0" hangingPunct="1"/>
+                      <a:r>
+                        <a:rPr kumimoji="0" lang="en-US" sz="800" b="0" i="0" u="none" strike="noStrike" kern="1200">
+                          <a:solidFill>
+                            <a:srgbClr val="000000"/>
+                          </a:solidFill>
+                          <a:effectLst/>
+                          <a:latin typeface="Arial"/>
+                          <a:ea typeface="+mn-ea"/>
+                          <a:cs typeface="+mn-cs"/>
+                        </a:rPr>
+                        <a:t>Actual Result</a:t>
+                      </a:r>
+                    </a:p>
+                  </a:txBody>
+                  <a:tcPr marL="6343" marR="6343" marT="6343" marB="0" anchor="b"/>
+                </a:tc>
+                <a:tc>
+                  <a:txBody>
+                    <a:bodyPr/>
+                    <a:lstStyle/>
+                    <a:p>
+                      <a:pPr marL="0" algn="ctr" rtl="0" eaLnBrk="1" fontAlgn="b" latinLnBrk="0" hangingPunct="1"/>
+                      <a:r>
+                        <a:rPr kumimoji="0" lang="en-US" sz="800" b="0" i="0" u="none" strike="noStrike" kern="1200">
+                          <a:solidFill>
+                            <a:srgbClr val="000000"/>
+                          </a:solidFill>
+                          <a:effectLst/>
+                          <a:latin typeface="Arial"/>
+                          <a:ea typeface="+mn-ea"/>
+                          <a:cs typeface="+mn-cs"/>
+                        </a:rPr>
+                        <a:t>Test Case Result</a:t>
+                      </a:r>
+                    </a:p>
+                  </a:txBody>
+                  <a:tcPr marL="6343" marR="6343" marT="6343" marB="0" anchor="b"/>
+                </a:tc>
+                <a:extLst>
+                  <a:ext uri="{0D108BD9-81ED-4DB2-BD59-A6C34878D82A}">
+                    <a16:rowId xmlns:a16="http://schemas.microsoft.com/office/drawing/2014/main" val="10000"/>
+                  </a:ext>
+                </a:extLst>
+              </a:tr>
+              <a:tr h="744089">
+                <a:tc>
+                  <a:txBody>
+                    <a:bodyPr/>
+                    <a:lstStyle/>
+                    <a:p>
+                      <a:pPr marL="0" algn="ctr" rtl="0" eaLnBrk="1" fontAlgn="b" latinLnBrk="0" hangingPunct="1"/>
+                      <a:r>
+                        <a:rPr kumimoji="0" lang="en-US" sz="800" b="0" i="0" u="none" strike="noStrike" kern="1200" dirty="0">
+                          <a:solidFill>
+                            <a:srgbClr val="000000"/>
+                          </a:solidFill>
+                          <a:effectLst/>
+                          <a:latin typeface="Arial"/>
+                          <a:ea typeface="+mn-ea"/>
+                          <a:cs typeface="+mn-cs"/>
+                        </a:rPr>
+                        <a:t>1</a:t>
+                      </a:r>
+                    </a:p>
+                  </a:txBody>
+                  <a:tcPr marL="6343" marR="6343" marT="6343" marB="0" anchor="b"/>
+                </a:tc>
+                <a:tc>
+                  <a:txBody>
+                    <a:bodyPr/>
+                    <a:lstStyle/>
+                    <a:p>
+                      <a:pPr marL="0" algn="ctr" rtl="0" eaLnBrk="1" fontAlgn="b" latinLnBrk="0" hangingPunct="1"/>
+                      <a:r>
+                        <a:rPr kumimoji="0" lang="en-US" sz="800" b="0" i="0" u="none" strike="noStrike" kern="1200" dirty="0">
+                          <a:solidFill>
+                            <a:srgbClr val="000000"/>
+                          </a:solidFill>
+                          <a:effectLst/>
+                          <a:latin typeface="Arial"/>
+                          <a:ea typeface="+mn-ea"/>
+                          <a:cs typeface="+mn-cs"/>
+                        </a:rPr>
+                        <a:t>Test Arduino </a:t>
+                      </a:r>
+                      <a:r>
+                        <a:rPr kumimoji="0" lang="en-US" sz="800" b="0" i="0" u="none" strike="noStrike" kern="1200" dirty="0" err="1">
+                          <a:solidFill>
+                            <a:srgbClr val="000000"/>
+                          </a:solidFill>
+                          <a:effectLst/>
+                          <a:latin typeface="Arial"/>
+                          <a:ea typeface="+mn-ea"/>
+                          <a:cs typeface="+mn-cs"/>
+                        </a:rPr>
+                        <a:t>WiFi</a:t>
+                      </a:r>
+                      <a:r>
+                        <a:rPr kumimoji="0" lang="en-US" sz="800" b="0" i="0" u="none" strike="noStrike" kern="1200" dirty="0">
+                          <a:solidFill>
+                            <a:srgbClr val="000000"/>
+                          </a:solidFill>
+                          <a:effectLst/>
+                          <a:latin typeface="Arial"/>
+                          <a:ea typeface="+mn-ea"/>
+                          <a:cs typeface="+mn-cs"/>
+                        </a:rPr>
+                        <a:t> connection</a:t>
+                      </a:r>
+                    </a:p>
+                  </a:txBody>
+                  <a:tcPr marL="6343" marR="6343" marT="6343" marB="0" anchor="b"/>
+                </a:tc>
+                <a:tc>
+                  <a:txBody>
+                    <a:bodyPr/>
+                    <a:lstStyle/>
+                    <a:p>
+                      <a:pPr marL="0" algn="ctr" rtl="0" eaLnBrk="1" fontAlgn="b" latinLnBrk="0" hangingPunct="1"/>
+                      <a:r>
+                        <a:rPr kumimoji="0" lang="en-US" sz="800" b="0" i="0" u="none" strike="noStrike" kern="1200" dirty="0">
+                          <a:solidFill>
+                            <a:srgbClr val="000000"/>
+                          </a:solidFill>
+                          <a:effectLst/>
+                          <a:latin typeface="Arial"/>
+                          <a:ea typeface="+mn-ea"/>
+                          <a:cs typeface="+mn-cs"/>
+                        </a:rPr>
+                        <a:t>1.  Program Arduino with code that connects to a </a:t>
+                      </a:r>
+                      <a:r>
+                        <a:rPr kumimoji="0" lang="en-US" sz="800" b="0" i="0" u="none" strike="noStrike" kern="1200" dirty="0" err="1">
+                          <a:solidFill>
+                            <a:srgbClr val="000000"/>
+                          </a:solidFill>
+                          <a:effectLst/>
+                          <a:latin typeface="Arial"/>
+                          <a:ea typeface="+mn-ea"/>
+                          <a:cs typeface="+mn-cs"/>
+                        </a:rPr>
+                        <a:t>WiFi</a:t>
+                      </a:r>
+                      <a:r>
+                        <a:rPr kumimoji="0" lang="en-US" sz="800" b="0" i="0" u="none" strike="noStrike" kern="1200" dirty="0">
+                          <a:solidFill>
+                            <a:srgbClr val="000000"/>
+                          </a:solidFill>
+                          <a:effectLst/>
+                          <a:latin typeface="Arial"/>
+                          <a:ea typeface="+mn-ea"/>
+                          <a:cs typeface="+mn-cs"/>
+                        </a:rPr>
+                        <a:t> connection</a:t>
+                      </a:r>
+                      <a:br>
+                        <a:rPr kumimoji="0" lang="en-US" sz="800" b="0" i="0" u="none" strike="noStrike" kern="1200" dirty="0">
+                          <a:solidFill>
+                            <a:srgbClr val="000000"/>
+                          </a:solidFill>
+                          <a:effectLst/>
+                          <a:latin typeface="Arial"/>
+                          <a:ea typeface="+mn-ea"/>
+                          <a:cs typeface="+mn-cs"/>
+                        </a:rPr>
+                      </a:br>
+                      <a:r>
+                        <a:rPr kumimoji="0" lang="en-US" sz="800" b="0" i="0" u="none" strike="noStrike" kern="1200" dirty="0">
+                          <a:solidFill>
+                            <a:srgbClr val="000000"/>
+                          </a:solidFill>
+                          <a:effectLst/>
+                          <a:latin typeface="Arial"/>
+                          <a:ea typeface="+mn-ea"/>
+                          <a:cs typeface="+mn-cs"/>
+                        </a:rPr>
+                        <a:t>2.  Print a SSID of the network and the IP address of the Arduino to a serial output</a:t>
+                      </a:r>
+                    </a:p>
+                  </a:txBody>
+                  <a:tcPr marL="6343" marR="6343" marT="6343" marB="0" anchor="b"/>
+                </a:tc>
+                <a:tc>
+                  <a:txBody>
+                    <a:bodyPr/>
+                    <a:lstStyle/>
+                    <a:p>
+                      <a:pPr marL="0" algn="ctr" rtl="0" eaLnBrk="1" fontAlgn="b" latinLnBrk="0" hangingPunct="1"/>
+                      <a:r>
+                        <a:rPr kumimoji="0" lang="en-US" sz="800" b="0" i="0" u="none" strike="noStrike" kern="1200">
+                          <a:solidFill>
+                            <a:srgbClr val="000000"/>
+                          </a:solidFill>
+                          <a:effectLst/>
+                          <a:latin typeface="Arial"/>
+                          <a:ea typeface="+mn-ea"/>
+                          <a:cs typeface="+mn-cs"/>
+                        </a:rPr>
+                        <a:t>Printed lines to serial monitor that display the SSID of the network and the IP address assigned</a:t>
+                      </a:r>
+                    </a:p>
+                  </a:txBody>
+                  <a:tcPr marL="6343" marR="6343" marT="6343" marB="0" anchor="b"/>
+                </a:tc>
+                <a:tc>
+                  <a:txBody>
+                    <a:bodyPr/>
+                    <a:lstStyle/>
+                    <a:p>
+                      <a:pPr marL="0" algn="ctr" rtl="0" eaLnBrk="1" fontAlgn="b" latinLnBrk="0" hangingPunct="1"/>
+                      <a:r>
+                        <a:rPr kumimoji="0" lang="en-US" sz="800" b="0" i="0" u="none" strike="noStrike" kern="1200">
+                          <a:solidFill>
+                            <a:srgbClr val="000000"/>
+                          </a:solidFill>
+                          <a:effectLst/>
+                          <a:latin typeface="Arial"/>
+                          <a:ea typeface="+mn-ea"/>
+                          <a:cs typeface="+mn-cs"/>
+                        </a:rPr>
+                        <a:t>Arduino successfully connects and transmits the SSID and ssigned IP address</a:t>
+                      </a:r>
+                    </a:p>
+                  </a:txBody>
+                  <a:tcPr marL="6343" marR="6343" marT="6343" marB="0" anchor="b"/>
+                </a:tc>
+                <a:tc>
+                  <a:txBody>
+                    <a:bodyPr/>
+                    <a:lstStyle/>
+                    <a:p>
+                      <a:pPr marL="0" algn="ctr" rtl="0" eaLnBrk="1" fontAlgn="b" latinLnBrk="0" hangingPunct="1"/>
+                      <a:r>
+                        <a:rPr kumimoji="0" lang="en-US" sz="800" b="0" i="0" u="none" strike="noStrike" kern="1200">
+                          <a:solidFill>
+                            <a:srgbClr val="000000"/>
+                          </a:solidFill>
+                          <a:effectLst/>
+                          <a:latin typeface="Arial"/>
+                          <a:ea typeface="+mn-ea"/>
+                          <a:cs typeface="+mn-cs"/>
+                        </a:rPr>
+                        <a:t>Pass</a:t>
+                      </a:r>
+                    </a:p>
+                  </a:txBody>
+                  <a:tcPr marL="6343" marR="6343" marT="6343" marB="0" anchor="b"/>
+                </a:tc>
+                <a:extLst>
+                  <a:ext uri="{0D108BD9-81ED-4DB2-BD59-A6C34878D82A}">
+                    <a16:rowId xmlns:a16="http://schemas.microsoft.com/office/drawing/2014/main" val="10001"/>
+                  </a:ext>
+                </a:extLst>
+              </a:tr>
+              <a:tr h="891176">
+                <a:tc>
+                  <a:txBody>
+                    <a:bodyPr/>
+                    <a:lstStyle/>
+                    <a:p>
+                      <a:pPr marL="0" algn="ctr" rtl="0" eaLnBrk="1" fontAlgn="b" latinLnBrk="0" hangingPunct="1"/>
+                      <a:r>
+                        <a:rPr kumimoji="0" lang="en-US" sz="800" b="0" i="0" u="none" strike="noStrike" kern="1200">
+                          <a:solidFill>
+                            <a:srgbClr val="000000"/>
+                          </a:solidFill>
+                          <a:effectLst/>
+                          <a:latin typeface="Arial"/>
+                          <a:ea typeface="+mn-ea"/>
+                          <a:cs typeface="+mn-cs"/>
+                        </a:rPr>
+                        <a:t>2</a:t>
+                      </a:r>
+                    </a:p>
+                  </a:txBody>
+                  <a:tcPr marL="6343" marR="6343" marT="6343" marB="0" anchor="b"/>
+                </a:tc>
+                <a:tc>
+                  <a:txBody>
+                    <a:bodyPr/>
+                    <a:lstStyle/>
+                    <a:p>
+                      <a:pPr marL="0" algn="ctr" rtl="0" eaLnBrk="1" fontAlgn="b" latinLnBrk="0" hangingPunct="1"/>
+                      <a:r>
+                        <a:rPr kumimoji="0" lang="en-US" sz="800" b="0" i="0" u="none" strike="noStrike" kern="1200" dirty="0">
+                          <a:solidFill>
+                            <a:srgbClr val="000000"/>
+                          </a:solidFill>
+                          <a:effectLst/>
+                          <a:latin typeface="Arial"/>
+                          <a:ea typeface="+mn-ea"/>
+                          <a:cs typeface="+mn-cs"/>
+                        </a:rPr>
+                        <a:t>Test Driver strain gauge configuration</a:t>
+                      </a:r>
+                    </a:p>
+                  </a:txBody>
+                  <a:tcPr marL="6343" marR="6343" marT="6343" marB="0" anchor="b"/>
+                </a:tc>
+                <a:tc>
+                  <a:txBody>
+                    <a:bodyPr/>
+                    <a:lstStyle/>
+                    <a:p>
+                      <a:pPr marL="0" algn="ctr" rtl="0" eaLnBrk="1" fontAlgn="b" latinLnBrk="0" hangingPunct="1"/>
+                      <a:r>
+                        <a:rPr kumimoji="0" lang="en-US" sz="800" b="0" i="0" u="none" strike="noStrike" kern="1200" dirty="0">
+                          <a:solidFill>
+                            <a:srgbClr val="000000"/>
+                          </a:solidFill>
+                          <a:effectLst/>
+                          <a:latin typeface="Arial"/>
+                          <a:ea typeface="+mn-ea"/>
+                          <a:cs typeface="+mn-cs"/>
+                        </a:rPr>
+                        <a:t>1.  Wire strain gauges together</a:t>
+                      </a:r>
+                      <a:br>
+                        <a:rPr kumimoji="0" lang="en-US" sz="800" b="0" i="0" u="none" strike="noStrike" kern="1200" dirty="0">
+                          <a:solidFill>
+                            <a:srgbClr val="000000"/>
+                          </a:solidFill>
+                          <a:effectLst/>
+                          <a:latin typeface="Arial"/>
+                          <a:ea typeface="+mn-ea"/>
+                          <a:cs typeface="+mn-cs"/>
+                        </a:rPr>
+                      </a:br>
+                      <a:r>
+                        <a:rPr kumimoji="0" lang="en-US" sz="800" b="0" i="0" u="none" strike="noStrike" kern="1200" dirty="0">
+                          <a:solidFill>
+                            <a:srgbClr val="000000"/>
+                          </a:solidFill>
+                          <a:effectLst/>
+                          <a:latin typeface="Arial"/>
+                          <a:ea typeface="+mn-ea"/>
+                          <a:cs typeface="+mn-cs"/>
+                        </a:rPr>
+                        <a:t>2.  Connect strain gauges to HX711</a:t>
+                      </a:r>
+                      <a:br>
+                        <a:rPr kumimoji="0" lang="en-US" sz="800" b="0" i="0" u="none" strike="noStrike" kern="1200" dirty="0">
+                          <a:solidFill>
+                            <a:srgbClr val="000000"/>
+                          </a:solidFill>
+                          <a:effectLst/>
+                          <a:latin typeface="Arial"/>
+                          <a:ea typeface="+mn-ea"/>
+                          <a:cs typeface="+mn-cs"/>
+                        </a:rPr>
+                      </a:br>
+                      <a:r>
+                        <a:rPr kumimoji="0" lang="en-US" sz="800" b="0" i="0" u="none" strike="noStrike" kern="1200" dirty="0">
+                          <a:solidFill>
+                            <a:srgbClr val="000000"/>
+                          </a:solidFill>
+                          <a:effectLst/>
+                          <a:latin typeface="Arial"/>
+                          <a:ea typeface="+mn-ea"/>
+                          <a:cs typeface="+mn-cs"/>
+                        </a:rPr>
+                        <a:t>3.  Connect HX711 to power</a:t>
+                      </a:r>
+                      <a:br>
+                        <a:rPr kumimoji="0" lang="en-US" sz="800" b="0" i="0" u="none" strike="noStrike" kern="1200" dirty="0">
+                          <a:solidFill>
+                            <a:srgbClr val="000000"/>
+                          </a:solidFill>
+                          <a:effectLst/>
+                          <a:latin typeface="Arial"/>
+                          <a:ea typeface="+mn-ea"/>
+                          <a:cs typeface="+mn-cs"/>
+                        </a:rPr>
+                      </a:br>
+                      <a:r>
+                        <a:rPr kumimoji="0" lang="en-US" sz="800" b="0" i="0" u="none" strike="noStrike" kern="1200" dirty="0">
+                          <a:solidFill>
+                            <a:srgbClr val="000000"/>
+                          </a:solidFill>
+                          <a:effectLst/>
+                          <a:latin typeface="Arial"/>
+                          <a:ea typeface="+mn-ea"/>
+                          <a:cs typeface="+mn-cs"/>
+                        </a:rPr>
+                        <a:t>4.  Apply pressure to strain gauges and monitor the A+ and A- pins for voltage differences with a voltmeter</a:t>
+                      </a:r>
+                    </a:p>
+                  </a:txBody>
+                  <a:tcPr marL="6343" marR="6343" marT="6343" marB="0" anchor="b"/>
+                </a:tc>
+                <a:tc>
+                  <a:txBody>
+                    <a:bodyPr/>
+                    <a:lstStyle/>
+                    <a:p>
+                      <a:pPr marL="0" algn="ctr" rtl="0" eaLnBrk="1" fontAlgn="b" latinLnBrk="0" hangingPunct="1"/>
+                      <a:r>
+                        <a:rPr kumimoji="0" lang="en-US" sz="800" b="0" i="0" u="none" strike="noStrike" kern="1200">
+                          <a:solidFill>
+                            <a:srgbClr val="000000"/>
+                          </a:solidFill>
+                          <a:effectLst/>
+                          <a:latin typeface="Arial"/>
+                          <a:ea typeface="+mn-ea"/>
+                          <a:cs typeface="+mn-cs"/>
+                        </a:rPr>
+                        <a:t>Extremely small voltage differential will be visible on a voltmeter</a:t>
+                      </a:r>
+                    </a:p>
+                  </a:txBody>
+                  <a:tcPr marL="6343" marR="6343" marT="6343" marB="0" anchor="b"/>
+                </a:tc>
+                <a:tc>
+                  <a:txBody>
+                    <a:bodyPr/>
+                    <a:lstStyle/>
+                    <a:p>
+                      <a:pPr marL="0" algn="ctr" rtl="0" eaLnBrk="1" fontAlgn="b" latinLnBrk="0" hangingPunct="1"/>
+                      <a:r>
+                        <a:rPr kumimoji="0" lang="en-US" sz="800" b="0" i="0" u="none" strike="noStrike" kern="1200">
+                          <a:solidFill>
+                            <a:srgbClr val="000000"/>
+                          </a:solidFill>
+                          <a:effectLst/>
+                          <a:latin typeface="Arial"/>
+                          <a:ea typeface="+mn-ea"/>
+                          <a:cs typeface="+mn-cs"/>
+                        </a:rPr>
+                        <a:t>Voltage differential of 3-8 mv</a:t>
+                      </a:r>
+                    </a:p>
+                  </a:txBody>
+                  <a:tcPr marL="6343" marR="6343" marT="6343" marB="0" anchor="b"/>
+                </a:tc>
+                <a:tc>
+                  <a:txBody>
+                    <a:bodyPr/>
+                    <a:lstStyle/>
+                    <a:p>
+                      <a:pPr marL="0" algn="ctr" rtl="0" eaLnBrk="1" fontAlgn="b" latinLnBrk="0" hangingPunct="1"/>
+                      <a:r>
+                        <a:rPr kumimoji="0" lang="en-US" sz="800" b="0" i="0" u="none" strike="noStrike" kern="1200">
+                          <a:solidFill>
+                            <a:srgbClr val="000000"/>
+                          </a:solidFill>
+                          <a:effectLst/>
+                          <a:latin typeface="Arial"/>
+                          <a:ea typeface="+mn-ea"/>
+                          <a:cs typeface="+mn-cs"/>
+                        </a:rPr>
+                        <a:t>Pass</a:t>
+                      </a:r>
+                    </a:p>
+                  </a:txBody>
+                  <a:tcPr marL="6343" marR="6343" marT="6343" marB="0" anchor="b"/>
+                </a:tc>
+                <a:extLst>
+                  <a:ext uri="{0D108BD9-81ED-4DB2-BD59-A6C34878D82A}">
+                    <a16:rowId xmlns:a16="http://schemas.microsoft.com/office/drawing/2014/main" val="10002"/>
+                  </a:ext>
+                </a:extLst>
+              </a:tr>
+              <a:tr h="891176">
+                <a:tc>
+                  <a:txBody>
+                    <a:bodyPr/>
+                    <a:lstStyle/>
+                    <a:p>
+                      <a:pPr marL="0" algn="ctr" rtl="0" eaLnBrk="1" fontAlgn="b" latinLnBrk="0" hangingPunct="1"/>
+                      <a:r>
+                        <a:rPr kumimoji="0" lang="en-US" sz="800" b="0" i="0" u="none" strike="noStrike" kern="1200">
+                          <a:solidFill>
+                            <a:srgbClr val="000000"/>
+                          </a:solidFill>
+                          <a:effectLst/>
+                          <a:latin typeface="Arial"/>
+                          <a:ea typeface="+mn-ea"/>
+                          <a:cs typeface="+mn-cs"/>
+                        </a:rPr>
+                        <a:t>3</a:t>
+                      </a:r>
+                    </a:p>
+                  </a:txBody>
+                  <a:tcPr marL="6343" marR="6343" marT="6343" marB="0" anchor="b"/>
+                </a:tc>
+                <a:tc>
+                  <a:txBody>
+                    <a:bodyPr/>
+                    <a:lstStyle/>
+                    <a:p>
+                      <a:pPr marL="0" algn="ctr" rtl="0" eaLnBrk="1" fontAlgn="b" latinLnBrk="0" hangingPunct="1"/>
+                      <a:r>
+                        <a:rPr kumimoji="0" lang="en-US" sz="800" b="0" i="0" u="none" strike="noStrike" kern="1200">
+                          <a:solidFill>
+                            <a:srgbClr val="000000"/>
+                          </a:solidFill>
+                          <a:effectLst/>
+                          <a:latin typeface="Arial"/>
+                          <a:ea typeface="+mn-ea"/>
+                          <a:cs typeface="+mn-cs"/>
+                        </a:rPr>
+                        <a:t>Test Child strain gauge configuration</a:t>
+                      </a:r>
+                    </a:p>
+                  </a:txBody>
+                  <a:tcPr marL="6343" marR="6343" marT="6343" marB="0" anchor="b"/>
+                </a:tc>
+                <a:tc>
+                  <a:txBody>
+                    <a:bodyPr/>
+                    <a:lstStyle/>
+                    <a:p>
+                      <a:pPr marL="0" algn="ctr" rtl="0" eaLnBrk="1" fontAlgn="b" latinLnBrk="0" hangingPunct="1"/>
+                      <a:r>
+                        <a:rPr kumimoji="0" lang="en-US" sz="800" b="0" i="0" u="none" strike="noStrike" kern="1200" dirty="0">
+                          <a:solidFill>
+                            <a:srgbClr val="000000"/>
+                          </a:solidFill>
+                          <a:effectLst/>
+                          <a:latin typeface="Arial"/>
+                          <a:ea typeface="+mn-ea"/>
+                          <a:cs typeface="+mn-cs"/>
+                        </a:rPr>
+                        <a:t>1.  Wire strain gauges together</a:t>
+                      </a:r>
+                      <a:br>
+                        <a:rPr kumimoji="0" lang="en-US" sz="800" b="0" i="0" u="none" strike="noStrike" kern="1200" dirty="0">
+                          <a:solidFill>
+                            <a:srgbClr val="000000"/>
+                          </a:solidFill>
+                          <a:effectLst/>
+                          <a:latin typeface="Arial"/>
+                          <a:ea typeface="+mn-ea"/>
+                          <a:cs typeface="+mn-cs"/>
+                        </a:rPr>
+                      </a:br>
+                      <a:r>
+                        <a:rPr kumimoji="0" lang="en-US" sz="800" b="0" i="0" u="none" strike="noStrike" kern="1200" dirty="0">
+                          <a:solidFill>
+                            <a:srgbClr val="000000"/>
+                          </a:solidFill>
+                          <a:effectLst/>
+                          <a:latin typeface="Arial"/>
+                          <a:ea typeface="+mn-ea"/>
+                          <a:cs typeface="+mn-cs"/>
+                        </a:rPr>
+                        <a:t>2.  Connect strain gauges to HX711</a:t>
+                      </a:r>
+                      <a:br>
+                        <a:rPr kumimoji="0" lang="en-US" sz="800" b="0" i="0" u="none" strike="noStrike" kern="1200" dirty="0">
+                          <a:solidFill>
+                            <a:srgbClr val="000000"/>
+                          </a:solidFill>
+                          <a:effectLst/>
+                          <a:latin typeface="Arial"/>
+                          <a:ea typeface="+mn-ea"/>
+                          <a:cs typeface="+mn-cs"/>
+                        </a:rPr>
+                      </a:br>
+                      <a:r>
+                        <a:rPr kumimoji="0" lang="en-US" sz="800" b="0" i="0" u="none" strike="noStrike" kern="1200" dirty="0">
+                          <a:solidFill>
+                            <a:srgbClr val="000000"/>
+                          </a:solidFill>
+                          <a:effectLst/>
+                          <a:latin typeface="Arial"/>
+                          <a:ea typeface="+mn-ea"/>
+                          <a:cs typeface="+mn-cs"/>
+                        </a:rPr>
+                        <a:t>3.  Connect HX711 to power</a:t>
+                      </a:r>
+                      <a:br>
+                        <a:rPr kumimoji="0" lang="en-US" sz="800" b="0" i="0" u="none" strike="noStrike" kern="1200" dirty="0">
+                          <a:solidFill>
+                            <a:srgbClr val="000000"/>
+                          </a:solidFill>
+                          <a:effectLst/>
+                          <a:latin typeface="Arial"/>
+                          <a:ea typeface="+mn-ea"/>
+                          <a:cs typeface="+mn-cs"/>
+                        </a:rPr>
+                      </a:br>
+                      <a:r>
+                        <a:rPr kumimoji="0" lang="en-US" sz="800" b="0" i="0" u="none" strike="noStrike" kern="1200" dirty="0">
+                          <a:solidFill>
+                            <a:srgbClr val="000000"/>
+                          </a:solidFill>
+                          <a:effectLst/>
+                          <a:latin typeface="Arial"/>
+                          <a:ea typeface="+mn-ea"/>
+                          <a:cs typeface="+mn-cs"/>
+                        </a:rPr>
+                        <a:t>4.  Apply pressure to strain gauges and monitor the A+ and A- pins for voltage differences with a voltmeter</a:t>
+                      </a:r>
+                    </a:p>
+                  </a:txBody>
+                  <a:tcPr marL="6343" marR="6343" marT="6343" marB="0" anchor="b"/>
+                </a:tc>
+                <a:tc>
+                  <a:txBody>
+                    <a:bodyPr/>
+                    <a:lstStyle/>
+                    <a:p>
+                      <a:pPr marL="0" algn="ctr" rtl="0" eaLnBrk="1" fontAlgn="b" latinLnBrk="0" hangingPunct="1"/>
+                      <a:r>
+                        <a:rPr kumimoji="0" lang="en-US" sz="800" b="0" i="0" u="none" strike="noStrike" kern="1200">
+                          <a:solidFill>
+                            <a:srgbClr val="000000"/>
+                          </a:solidFill>
+                          <a:effectLst/>
+                          <a:latin typeface="Arial"/>
+                          <a:ea typeface="+mn-ea"/>
+                          <a:cs typeface="+mn-cs"/>
+                        </a:rPr>
+                        <a:t>Extremely small voltage differential will be visible on a voltmeter</a:t>
+                      </a:r>
+                    </a:p>
+                  </a:txBody>
+                  <a:tcPr marL="6343" marR="6343" marT="6343" marB="0" anchor="b"/>
+                </a:tc>
+                <a:tc>
+                  <a:txBody>
+                    <a:bodyPr/>
+                    <a:lstStyle/>
+                    <a:p>
+                      <a:pPr marL="0" algn="ctr" rtl="0" eaLnBrk="1" fontAlgn="b" latinLnBrk="0" hangingPunct="1"/>
+                      <a:r>
+                        <a:rPr kumimoji="0" lang="en-US" sz="800" b="0" i="0" u="none" strike="noStrike" kern="1200">
+                          <a:solidFill>
+                            <a:srgbClr val="000000"/>
+                          </a:solidFill>
+                          <a:effectLst/>
+                          <a:latin typeface="Arial"/>
+                          <a:ea typeface="+mn-ea"/>
+                          <a:cs typeface="+mn-cs"/>
+                        </a:rPr>
+                        <a:t>Voltage differential of 3-8 mv</a:t>
+                      </a:r>
+                    </a:p>
+                  </a:txBody>
+                  <a:tcPr marL="6343" marR="6343" marT="6343" marB="0" anchor="b"/>
+                </a:tc>
+                <a:tc>
+                  <a:txBody>
+                    <a:bodyPr/>
+                    <a:lstStyle/>
+                    <a:p>
+                      <a:pPr marL="0" algn="ctr" rtl="0" eaLnBrk="1" fontAlgn="b" latinLnBrk="0" hangingPunct="1"/>
+                      <a:r>
+                        <a:rPr kumimoji="0" lang="en-US" sz="800" b="0" i="0" u="none" strike="noStrike" kern="1200">
+                          <a:solidFill>
+                            <a:srgbClr val="000000"/>
+                          </a:solidFill>
+                          <a:effectLst/>
+                          <a:latin typeface="Arial"/>
+                          <a:ea typeface="+mn-ea"/>
+                          <a:cs typeface="+mn-cs"/>
+                        </a:rPr>
+                        <a:t>Pass</a:t>
+                      </a:r>
+                    </a:p>
+                  </a:txBody>
+                  <a:tcPr marL="6343" marR="6343" marT="6343" marB="0" anchor="b"/>
+                </a:tc>
+                <a:extLst>
+                  <a:ext uri="{0D108BD9-81ED-4DB2-BD59-A6C34878D82A}">
+                    <a16:rowId xmlns:a16="http://schemas.microsoft.com/office/drawing/2014/main" val="10003"/>
+                  </a:ext>
+                </a:extLst>
+              </a:tr>
+              <a:tr h="597002">
+                <a:tc>
+                  <a:txBody>
+                    <a:bodyPr/>
+                    <a:lstStyle/>
+                    <a:p>
+                      <a:pPr marL="0" algn="ctr" rtl="0" eaLnBrk="1" fontAlgn="b" latinLnBrk="0" hangingPunct="1"/>
+                      <a:r>
+                        <a:rPr kumimoji="0" lang="en-US" sz="800" b="0" i="0" u="none" strike="noStrike" kern="1200">
+                          <a:solidFill>
+                            <a:srgbClr val="000000"/>
+                          </a:solidFill>
+                          <a:effectLst/>
+                          <a:latin typeface="Arial"/>
+                          <a:ea typeface="+mn-ea"/>
+                          <a:cs typeface="+mn-cs"/>
+                        </a:rPr>
+                        <a:t>4</a:t>
+                      </a:r>
+                    </a:p>
+                  </a:txBody>
+                  <a:tcPr marL="6343" marR="6343" marT="6343" marB="0" anchor="b"/>
+                </a:tc>
+                <a:tc>
+                  <a:txBody>
+                    <a:bodyPr/>
+                    <a:lstStyle/>
+                    <a:p>
+                      <a:pPr marL="0" algn="ctr" rtl="0" eaLnBrk="1" fontAlgn="b" latinLnBrk="0" hangingPunct="1"/>
+                      <a:r>
+                        <a:rPr kumimoji="0" lang="en-US" sz="800" b="0" i="0" u="none" strike="noStrike" kern="1200">
+                          <a:solidFill>
+                            <a:srgbClr val="000000"/>
+                          </a:solidFill>
+                          <a:effectLst/>
+                          <a:latin typeface="Arial"/>
+                          <a:ea typeface="+mn-ea"/>
+                          <a:cs typeface="+mn-cs"/>
+                        </a:rPr>
+                        <a:t>Test Driver HX711 configuration</a:t>
+                      </a:r>
+                    </a:p>
+                  </a:txBody>
+                  <a:tcPr marL="6343" marR="6343" marT="6343" marB="0" anchor="b"/>
+                </a:tc>
+                <a:tc>
+                  <a:txBody>
+                    <a:bodyPr/>
+                    <a:lstStyle/>
+                    <a:p>
+                      <a:pPr marL="0" algn="ctr" rtl="0" eaLnBrk="1" fontAlgn="b" latinLnBrk="0" hangingPunct="1"/>
+                      <a:r>
+                        <a:rPr kumimoji="0" lang="en-US" sz="800" b="0" i="0" u="none" strike="noStrike" kern="1200" dirty="0">
+                          <a:solidFill>
+                            <a:srgbClr val="000000"/>
+                          </a:solidFill>
+                          <a:effectLst/>
+                          <a:latin typeface="Arial"/>
+                          <a:ea typeface="+mn-ea"/>
+                          <a:cs typeface="+mn-cs"/>
+                        </a:rPr>
+                        <a:t>1.  Connect strain gauges to HX711</a:t>
+                      </a:r>
+                      <a:br>
+                        <a:rPr kumimoji="0" lang="en-US" sz="800" b="0" i="0" u="none" strike="noStrike" kern="1200" dirty="0">
+                          <a:solidFill>
+                            <a:srgbClr val="000000"/>
+                          </a:solidFill>
+                          <a:effectLst/>
+                          <a:latin typeface="Arial"/>
+                          <a:ea typeface="+mn-ea"/>
+                          <a:cs typeface="+mn-cs"/>
+                        </a:rPr>
+                      </a:br>
+                      <a:r>
+                        <a:rPr kumimoji="0" lang="en-US" sz="800" b="0" i="0" u="none" strike="noStrike" kern="1200" dirty="0">
+                          <a:solidFill>
+                            <a:srgbClr val="000000"/>
+                          </a:solidFill>
+                          <a:effectLst/>
+                          <a:latin typeface="Arial"/>
+                          <a:ea typeface="+mn-ea"/>
+                          <a:cs typeface="+mn-cs"/>
+                        </a:rPr>
+                        <a:t>2.  Connect HX711 to Arduino</a:t>
+                      </a:r>
+                      <a:br>
+                        <a:rPr kumimoji="0" lang="en-US" sz="800" b="0" i="0" u="none" strike="noStrike" kern="1200" dirty="0">
+                          <a:solidFill>
+                            <a:srgbClr val="000000"/>
+                          </a:solidFill>
+                          <a:effectLst/>
+                          <a:latin typeface="Arial"/>
+                          <a:ea typeface="+mn-ea"/>
+                          <a:cs typeface="+mn-cs"/>
+                        </a:rPr>
+                      </a:br>
+                      <a:r>
+                        <a:rPr kumimoji="0" lang="en-US" sz="800" b="0" i="0" u="none" strike="noStrike" kern="1200" dirty="0">
+                          <a:solidFill>
+                            <a:srgbClr val="000000"/>
+                          </a:solidFill>
+                          <a:effectLst/>
+                          <a:latin typeface="Arial"/>
+                          <a:ea typeface="+mn-ea"/>
+                          <a:cs typeface="+mn-cs"/>
+                        </a:rPr>
+                        <a:t>3.  Program Arduino with a program to read the HX711</a:t>
+                      </a:r>
+                    </a:p>
+                  </a:txBody>
+                  <a:tcPr marL="6343" marR="6343" marT="6343" marB="0" anchor="b"/>
+                </a:tc>
+                <a:tc>
+                  <a:txBody>
+                    <a:bodyPr/>
+                    <a:lstStyle/>
+                    <a:p>
+                      <a:pPr marL="0" algn="ctr" rtl="0" eaLnBrk="1" fontAlgn="b" latinLnBrk="0" hangingPunct="1"/>
+                      <a:r>
+                        <a:rPr kumimoji="0" lang="en-US" sz="800" b="0" i="0" u="none" strike="noStrike" kern="1200" dirty="0">
+                          <a:solidFill>
+                            <a:srgbClr val="000000"/>
+                          </a:solidFill>
+                          <a:effectLst/>
+                          <a:latin typeface="Arial"/>
+                          <a:ea typeface="+mn-ea"/>
+                          <a:cs typeface="+mn-cs"/>
+                        </a:rPr>
+                        <a:t>Serial readout of strain gauge force.  Result will initially be uncalibrated so may be unusual</a:t>
+                      </a:r>
+                    </a:p>
+                  </a:txBody>
+                  <a:tcPr marL="6343" marR="6343" marT="6343" marB="0" anchor="b"/>
+                </a:tc>
+                <a:tc>
+                  <a:txBody>
+                    <a:bodyPr/>
+                    <a:lstStyle/>
+                    <a:p>
+                      <a:pPr marL="0" algn="ctr" rtl="0" eaLnBrk="1" fontAlgn="b" latinLnBrk="0" hangingPunct="1"/>
+                      <a:r>
+                        <a:rPr kumimoji="0" lang="en-US" sz="800" b="0" i="0" u="none" strike="noStrike" kern="1200">
+                          <a:solidFill>
+                            <a:srgbClr val="000000"/>
+                          </a:solidFill>
+                          <a:effectLst/>
+                          <a:latin typeface="Arial"/>
+                          <a:ea typeface="+mn-ea"/>
+                          <a:cs typeface="+mn-cs"/>
+                        </a:rPr>
+                        <a:t>Displayed rresulting force in KG. Calibration factor of  7050 chosen to zero scale</a:t>
+                      </a:r>
+                    </a:p>
+                  </a:txBody>
+                  <a:tcPr marL="6343" marR="6343" marT="6343" marB="0" anchor="b"/>
+                </a:tc>
+                <a:tc>
+                  <a:txBody>
+                    <a:bodyPr/>
+                    <a:lstStyle/>
+                    <a:p>
+                      <a:pPr marL="0" algn="ctr" rtl="0" eaLnBrk="1" fontAlgn="b" latinLnBrk="0" hangingPunct="1"/>
+                      <a:r>
+                        <a:rPr kumimoji="0" lang="en-US" sz="800" b="0" i="0" u="none" strike="noStrike" kern="1200">
+                          <a:solidFill>
+                            <a:srgbClr val="000000"/>
+                          </a:solidFill>
+                          <a:effectLst/>
+                          <a:latin typeface="Arial"/>
+                          <a:ea typeface="+mn-ea"/>
+                          <a:cs typeface="+mn-cs"/>
+                        </a:rPr>
+                        <a:t>Pass</a:t>
+                      </a:r>
+                    </a:p>
+                  </a:txBody>
+                  <a:tcPr marL="6343" marR="6343" marT="6343" marB="0" anchor="b"/>
+                </a:tc>
+                <a:extLst>
+                  <a:ext uri="{0D108BD9-81ED-4DB2-BD59-A6C34878D82A}">
+                    <a16:rowId xmlns:a16="http://schemas.microsoft.com/office/drawing/2014/main" val="10004"/>
+                  </a:ext>
+                </a:extLst>
+              </a:tr>
+              <a:tr h="597002">
+                <a:tc>
+                  <a:txBody>
+                    <a:bodyPr/>
+                    <a:lstStyle/>
+                    <a:p>
+                      <a:pPr marL="0" algn="ctr" rtl="0" eaLnBrk="1" fontAlgn="b" latinLnBrk="0" hangingPunct="1"/>
+                      <a:r>
+                        <a:rPr kumimoji="0" lang="en-US" sz="800" b="0" i="0" u="none" strike="noStrike" kern="1200">
+                          <a:solidFill>
+                            <a:srgbClr val="000000"/>
+                          </a:solidFill>
+                          <a:effectLst/>
+                          <a:latin typeface="Arial"/>
+                          <a:ea typeface="+mn-ea"/>
+                          <a:cs typeface="+mn-cs"/>
+                        </a:rPr>
+                        <a:t>5</a:t>
+                      </a:r>
+                    </a:p>
+                  </a:txBody>
+                  <a:tcPr marL="6343" marR="6343" marT="6343" marB="0" anchor="b"/>
+                </a:tc>
+                <a:tc>
+                  <a:txBody>
+                    <a:bodyPr/>
+                    <a:lstStyle/>
+                    <a:p>
+                      <a:pPr marL="0" algn="ctr" rtl="0" eaLnBrk="1" fontAlgn="b" latinLnBrk="0" hangingPunct="1"/>
+                      <a:r>
+                        <a:rPr kumimoji="0" lang="en-US" sz="800" b="0" i="0" u="none" strike="noStrike" kern="1200">
+                          <a:solidFill>
+                            <a:srgbClr val="000000"/>
+                          </a:solidFill>
+                          <a:effectLst/>
+                          <a:latin typeface="Arial"/>
+                          <a:ea typeface="+mn-ea"/>
+                          <a:cs typeface="+mn-cs"/>
+                        </a:rPr>
+                        <a:t>Test Child HX711 configuration</a:t>
+                      </a:r>
+                    </a:p>
+                  </a:txBody>
+                  <a:tcPr marL="6343" marR="6343" marT="6343" marB="0" anchor="b"/>
+                </a:tc>
+                <a:tc>
+                  <a:txBody>
+                    <a:bodyPr/>
+                    <a:lstStyle/>
+                    <a:p>
+                      <a:pPr marL="0" algn="ctr" rtl="0" eaLnBrk="1" fontAlgn="b" latinLnBrk="0" hangingPunct="1"/>
+                      <a:r>
+                        <a:rPr kumimoji="0" lang="en-US" sz="800" b="0" i="0" u="none" strike="noStrike" kern="1200">
+                          <a:solidFill>
+                            <a:srgbClr val="000000"/>
+                          </a:solidFill>
+                          <a:effectLst/>
+                          <a:latin typeface="Arial"/>
+                          <a:ea typeface="+mn-ea"/>
+                          <a:cs typeface="+mn-cs"/>
+                        </a:rPr>
+                        <a:t>1.  Connect strain gauges to HX711</a:t>
+                      </a:r>
+                      <a:br>
+                        <a:rPr kumimoji="0" lang="en-US" sz="800" b="0" i="0" u="none" strike="noStrike" kern="1200">
+                          <a:solidFill>
+                            <a:srgbClr val="000000"/>
+                          </a:solidFill>
+                          <a:effectLst/>
+                          <a:latin typeface="Arial"/>
+                          <a:ea typeface="+mn-ea"/>
+                          <a:cs typeface="+mn-cs"/>
+                        </a:rPr>
+                      </a:br>
+                      <a:r>
+                        <a:rPr kumimoji="0" lang="en-US" sz="800" b="0" i="0" u="none" strike="noStrike" kern="1200">
+                          <a:solidFill>
+                            <a:srgbClr val="000000"/>
+                          </a:solidFill>
+                          <a:effectLst/>
+                          <a:latin typeface="Arial"/>
+                          <a:ea typeface="+mn-ea"/>
+                          <a:cs typeface="+mn-cs"/>
+                        </a:rPr>
+                        <a:t>2.  Connect HX711 to Arduino</a:t>
+                      </a:r>
+                      <a:br>
+                        <a:rPr kumimoji="0" lang="en-US" sz="800" b="0" i="0" u="none" strike="noStrike" kern="1200">
+                          <a:solidFill>
+                            <a:srgbClr val="000000"/>
+                          </a:solidFill>
+                          <a:effectLst/>
+                          <a:latin typeface="Arial"/>
+                          <a:ea typeface="+mn-ea"/>
+                          <a:cs typeface="+mn-cs"/>
+                        </a:rPr>
+                      </a:br>
+                      <a:r>
+                        <a:rPr kumimoji="0" lang="en-US" sz="800" b="0" i="0" u="none" strike="noStrike" kern="1200">
+                          <a:solidFill>
+                            <a:srgbClr val="000000"/>
+                          </a:solidFill>
+                          <a:effectLst/>
+                          <a:latin typeface="Arial"/>
+                          <a:ea typeface="+mn-ea"/>
+                          <a:cs typeface="+mn-cs"/>
+                        </a:rPr>
+                        <a:t>3.  Program Arduino with a program to read the HX711</a:t>
+                      </a:r>
+                    </a:p>
+                  </a:txBody>
+                  <a:tcPr marL="6343" marR="6343" marT="6343" marB="0" anchor="b"/>
+                </a:tc>
+                <a:tc>
+                  <a:txBody>
+                    <a:bodyPr/>
+                    <a:lstStyle/>
+                    <a:p>
+                      <a:pPr marL="0" algn="ctr" rtl="0" eaLnBrk="1" fontAlgn="b" latinLnBrk="0" hangingPunct="1"/>
+                      <a:r>
+                        <a:rPr kumimoji="0" lang="en-US" sz="800" b="0" i="0" u="none" strike="noStrike" kern="1200">
+                          <a:solidFill>
+                            <a:srgbClr val="000000"/>
+                          </a:solidFill>
+                          <a:effectLst/>
+                          <a:latin typeface="Arial"/>
+                          <a:ea typeface="+mn-ea"/>
+                          <a:cs typeface="+mn-cs"/>
+                        </a:rPr>
+                        <a:t>Serial readout of strain gauge force.  Result will initially be uncalibrated so may be unusual</a:t>
+                      </a:r>
+                    </a:p>
+                  </a:txBody>
+                  <a:tcPr marL="6343" marR="6343" marT="6343" marB="0" anchor="b"/>
+                </a:tc>
+                <a:tc>
+                  <a:txBody>
+                    <a:bodyPr/>
+                    <a:lstStyle/>
+                    <a:p>
+                      <a:pPr marL="0" algn="ctr" rtl="0" eaLnBrk="1" fontAlgn="b" latinLnBrk="0" hangingPunct="1"/>
+                      <a:r>
+                        <a:rPr kumimoji="0" lang="en-US" sz="800" b="0" i="0" u="none" strike="noStrike" kern="1200">
+                          <a:solidFill>
+                            <a:srgbClr val="000000"/>
+                          </a:solidFill>
+                          <a:effectLst/>
+                          <a:latin typeface="Arial"/>
+                          <a:ea typeface="+mn-ea"/>
+                          <a:cs typeface="+mn-cs"/>
+                        </a:rPr>
+                        <a:t>Displayed rresulting force in KG. Calibration factor of  -7050 chosen to zero scale</a:t>
+                      </a:r>
+                    </a:p>
+                  </a:txBody>
+                  <a:tcPr marL="6343" marR="6343" marT="6343" marB="0" anchor="b"/>
+                </a:tc>
+                <a:tc>
+                  <a:txBody>
+                    <a:bodyPr/>
+                    <a:lstStyle/>
+                    <a:p>
+                      <a:pPr marL="0" algn="ctr" rtl="0" eaLnBrk="1" fontAlgn="b" latinLnBrk="0" hangingPunct="1"/>
+                      <a:r>
+                        <a:rPr kumimoji="0" lang="en-US" sz="800" b="0" i="0" u="none" strike="noStrike" kern="1200">
+                          <a:solidFill>
+                            <a:srgbClr val="000000"/>
+                          </a:solidFill>
+                          <a:effectLst/>
+                          <a:latin typeface="Arial"/>
+                          <a:ea typeface="+mn-ea"/>
+                          <a:cs typeface="+mn-cs"/>
+                        </a:rPr>
+                        <a:t>Pass</a:t>
+                      </a:r>
+                    </a:p>
+                  </a:txBody>
+                  <a:tcPr marL="6343" marR="6343" marT="6343" marB="0" anchor="b"/>
+                </a:tc>
+                <a:extLst>
+                  <a:ext uri="{0D108BD9-81ED-4DB2-BD59-A6C34878D82A}">
+                    <a16:rowId xmlns:a16="http://schemas.microsoft.com/office/drawing/2014/main" val="10005"/>
+                  </a:ext>
+                </a:extLst>
+              </a:tr>
+              <a:tr h="449914">
+                <a:tc>
+                  <a:txBody>
+                    <a:bodyPr/>
+                    <a:lstStyle/>
+                    <a:p>
+                      <a:pPr marL="0" algn="ctr" rtl="0" eaLnBrk="1" fontAlgn="b" latinLnBrk="0" hangingPunct="1"/>
+                      <a:r>
+                        <a:rPr kumimoji="0" lang="en-US" sz="800" b="0" i="0" u="none" strike="noStrike" kern="1200">
+                          <a:solidFill>
+                            <a:srgbClr val="000000"/>
+                          </a:solidFill>
+                          <a:effectLst/>
+                          <a:latin typeface="Arial"/>
+                          <a:ea typeface="+mn-ea"/>
+                          <a:cs typeface="+mn-cs"/>
+                        </a:rPr>
+                        <a:t>6</a:t>
+                      </a:r>
+                    </a:p>
+                  </a:txBody>
+                  <a:tcPr marL="6343" marR="6343" marT="6343" marB="0" anchor="b"/>
+                </a:tc>
+                <a:tc>
+                  <a:txBody>
+                    <a:bodyPr/>
+                    <a:lstStyle/>
+                    <a:p>
+                      <a:pPr marL="0" algn="ctr" rtl="0" eaLnBrk="1" fontAlgn="b" latinLnBrk="0" hangingPunct="1"/>
+                      <a:r>
+                        <a:rPr kumimoji="0" lang="en-US" sz="800" b="0" i="0" u="none" strike="noStrike" kern="1200">
+                          <a:solidFill>
+                            <a:srgbClr val="000000"/>
+                          </a:solidFill>
+                          <a:effectLst/>
+                          <a:latin typeface="Arial"/>
+                          <a:ea typeface="+mn-ea"/>
+                          <a:cs typeface="+mn-cs"/>
+                        </a:rPr>
+                        <a:t>Test alert generation code</a:t>
+                      </a:r>
+                    </a:p>
+                  </a:txBody>
+                  <a:tcPr marL="6343" marR="6343" marT="6343" marB="0" anchor="b"/>
+                </a:tc>
+                <a:tc>
+                  <a:txBody>
+                    <a:bodyPr/>
+                    <a:lstStyle/>
+                    <a:p>
+                      <a:pPr marL="0" algn="ctr" rtl="0" eaLnBrk="1" fontAlgn="b" latinLnBrk="0" hangingPunct="1"/>
+                      <a:r>
+                        <a:rPr kumimoji="0" lang="en-US" sz="800" b="0" i="0" u="none" strike="noStrike" kern="1200">
+                          <a:solidFill>
+                            <a:srgbClr val="000000"/>
+                          </a:solidFill>
+                          <a:effectLst/>
+                          <a:latin typeface="Arial"/>
+                          <a:ea typeface="+mn-ea"/>
+                          <a:cs typeface="+mn-cs"/>
+                        </a:rPr>
+                        <a:t>1.  Apply weight to both strain gauges</a:t>
+                      </a:r>
+                      <a:br>
+                        <a:rPr kumimoji="0" lang="en-US" sz="800" b="0" i="0" u="none" strike="noStrike" kern="1200">
+                          <a:solidFill>
+                            <a:srgbClr val="000000"/>
+                          </a:solidFill>
+                          <a:effectLst/>
+                          <a:latin typeface="Arial"/>
+                          <a:ea typeface="+mn-ea"/>
+                          <a:cs typeface="+mn-cs"/>
+                        </a:rPr>
+                      </a:br>
+                      <a:r>
+                        <a:rPr kumimoji="0" lang="en-US" sz="800" b="0" i="0" u="none" strike="noStrike" kern="1200">
+                          <a:solidFill>
+                            <a:srgbClr val="000000"/>
+                          </a:solidFill>
+                          <a:effectLst/>
+                          <a:latin typeface="Arial"/>
+                          <a:ea typeface="+mn-ea"/>
+                          <a:cs typeface="+mn-cs"/>
+                        </a:rPr>
+                        <a:t>2.  Remove weight from driver gauge for more than 30 seconds</a:t>
+                      </a:r>
+                    </a:p>
+                  </a:txBody>
+                  <a:tcPr marL="6343" marR="6343" marT="6343" marB="0" anchor="b"/>
+                </a:tc>
+                <a:tc>
+                  <a:txBody>
+                    <a:bodyPr/>
+                    <a:lstStyle/>
+                    <a:p>
+                      <a:pPr marL="0" algn="ctr" rtl="0" eaLnBrk="1" fontAlgn="b" latinLnBrk="0" hangingPunct="1"/>
+                      <a:r>
+                        <a:rPr kumimoji="0" lang="en-US" sz="800" b="0" i="0" u="none" strike="noStrike" kern="1200" dirty="0">
+                          <a:solidFill>
+                            <a:srgbClr val="000000"/>
+                          </a:solidFill>
+                          <a:effectLst/>
+                          <a:latin typeface="Arial"/>
+                          <a:ea typeface="+mn-ea"/>
+                          <a:cs typeface="+mn-cs"/>
+                        </a:rPr>
+                        <a:t>Serial readout will display a message that a child has been left alone in the car</a:t>
+                      </a:r>
+                    </a:p>
+                  </a:txBody>
+                  <a:tcPr marL="6343" marR="6343" marT="6343" marB="0" anchor="b"/>
+                </a:tc>
+                <a:tc>
+                  <a:txBody>
+                    <a:bodyPr/>
+                    <a:lstStyle/>
+                    <a:p>
+                      <a:pPr marL="0" algn="ctr" rtl="0" eaLnBrk="1" fontAlgn="b" latinLnBrk="0" hangingPunct="1"/>
+                      <a:r>
+                        <a:rPr kumimoji="0" lang="en-US" sz="800" b="0" i="0" u="none" strike="noStrike" kern="1200" dirty="0">
+                          <a:solidFill>
+                            <a:srgbClr val="000000"/>
+                          </a:solidFill>
+                          <a:effectLst/>
+                          <a:latin typeface="Arial"/>
+                          <a:ea typeface="+mn-ea"/>
+                          <a:cs typeface="+mn-cs"/>
+                        </a:rPr>
+                        <a:t>Received a message on serial readout that a child was alone in the car</a:t>
+                      </a:r>
+                    </a:p>
+                  </a:txBody>
+                  <a:tcPr marL="6343" marR="6343" marT="6343" marB="0" anchor="b"/>
+                </a:tc>
+                <a:tc>
+                  <a:txBody>
+                    <a:bodyPr/>
+                    <a:lstStyle/>
+                    <a:p>
+                      <a:pPr marL="0" algn="ctr" rtl="0" eaLnBrk="1" fontAlgn="b" latinLnBrk="0" hangingPunct="1"/>
+                      <a:r>
+                        <a:rPr kumimoji="0" lang="en-US" sz="800" b="0" i="0" u="none" strike="noStrike" kern="1200" dirty="0">
+                          <a:solidFill>
+                            <a:srgbClr val="000000"/>
+                          </a:solidFill>
+                          <a:effectLst/>
+                          <a:latin typeface="Arial"/>
+                          <a:ea typeface="+mn-ea"/>
+                          <a:cs typeface="+mn-cs"/>
+                        </a:rPr>
+                        <a:t>Pass</a:t>
+                      </a:r>
+                    </a:p>
+                  </a:txBody>
+                  <a:tcPr marL="6343" marR="6343" marT="6343" marB="0" anchor="b"/>
+                </a:tc>
+                <a:extLst>
+                  <a:ext uri="{0D108BD9-81ED-4DB2-BD59-A6C34878D82A}">
+                    <a16:rowId xmlns:a16="http://schemas.microsoft.com/office/drawing/2014/main" val="10006"/>
+                  </a:ext>
+                </a:extLst>
+              </a:tr>
+            </a:tbl>
+          </a:graphicData>
+        </a:graphic>
+      </p:graphicFrame>
+    </p:spTree>
+    <p:extLst>
+      <p:ext uri="{BB962C8B-B14F-4D97-AF65-F5344CB8AC3E}">
+        <p14:creationId xmlns:p14="http://schemas.microsoft.com/office/powerpoint/2010/main" val="2317369401"/>
+      </p:ext>
+    </p:extLst>
+  </p:cSld>
+  <p:clrMapOvr>
+    <a:masterClrMapping/>
+  </p:clrMapOvr>
+</p:sld>
+</file>
+
+<file path=ppt/slides/slide15.xml><?xml version="1.0" encoding="utf-8"?>
+<p:sld xmlns:a="http://schemas.openxmlformats.org/drawingml/2006/main" xmlns:r="http://schemas.openxmlformats.org/officeDocument/2006/relationships" xmlns:p="http://schemas.openxmlformats.org/presentationml/2006/main">
+  <p:cSld>
+    <p:spTree>
+      <p:nvGrpSpPr>
+        <p:cNvPr id="1" name=""/>
+        <p:cNvGrpSpPr/>
+        <p:nvPr/>
+      </p:nvGrpSpPr>
+      <p:grpSpPr>
+        <a:xfrm>
+          <a:off x="0" y="0"/>
+          <a:ext cx="0" cy="0"/>
+          <a:chOff x="0" y="0"/>
+          <a:chExt cx="0" cy="0"/>
+        </a:xfrm>
+      </p:grpSpPr>
+      <p:sp>
+        <p:nvSpPr>
+          <p:cNvPr id="4" name="Title 3"/>
+          <p:cNvSpPr>
+            <a:spLocks noGrp="1"/>
+          </p:cNvSpPr>
+          <p:nvPr>
+            <p:ph type="title"/>
+          </p:nvPr>
+        </p:nvSpPr>
         <p:spPr>
           <a:xfrm>
             <a:off x="448408" y="257908"/>
@@ -5545,10 +5865,9 @@
           <a:lstStyle/>
           <a:p>
             <a:r>
-              <a:rPr lang="en-US" dirty="0" smtClean="0"/>
+              <a:rPr lang="en-US" dirty="0"/>
               <a:t>Backend System Testing</a:t>
             </a:r>
-            <a:endParaRPr lang="en-US" dirty="0"/>
           </a:p>
         </p:txBody>
       </p:sp>
@@ -5557,7 +5876,7 @@
           <p:cNvPr id="21" name="Picture 20">
             <a:extLst>
               <a:ext uri="{FF2B5EF4-FFF2-40B4-BE49-F238E27FC236}">
-                <a16:creationId xmlns="" xmlns:xdr="http://schemas.openxmlformats.org/drawingml/2006/spreadsheetDrawing" xmlns:a16="http://schemas.microsoft.com/office/drawing/2014/main" xmlns:lc="http://schemas.openxmlformats.org/drawingml/2006/lockedCanvas" id="{32DCFD82-A59F-4BA3-9AED-EDE54D708113}"/>
+                <a16:creationId xmlns:a16="http://schemas.microsoft.com/office/drawing/2014/main" id="{32DCFD82-A59F-4BA3-9AED-EDE54D708113}"/>
               </a:ext>
             </a:extLst>
           </p:cNvPr>
@@ -5593,7 +5912,7 @@
           <p:cNvPr id="24" name="Picture 23">
             <a:extLst>
               <a:ext uri="{FF2B5EF4-FFF2-40B4-BE49-F238E27FC236}">
-                <a16:creationId xmlns="" xmlns:xdr="http://schemas.openxmlformats.org/drawingml/2006/spreadsheetDrawing" xmlns:a16="http://schemas.microsoft.com/office/drawing/2014/main" xmlns:lc="http://schemas.openxmlformats.org/drawingml/2006/lockedCanvas" id="{89911AB0-10AD-4000-9B2B-F0D4761FD8FB}"/>
+                <a16:creationId xmlns:a16="http://schemas.microsoft.com/office/drawing/2014/main" id="{89911AB0-10AD-4000-9B2B-F0D4761FD8FB}"/>
               </a:ext>
             </a:extLst>
           </p:cNvPr>
@@ -5629,7 +5948,7 @@
           <p:cNvPr id="26" name="Picture 25">
             <a:extLst>
               <a:ext uri="{FF2B5EF4-FFF2-40B4-BE49-F238E27FC236}">
-                <a16:creationId xmlns="" xmlns:xdr="http://schemas.openxmlformats.org/drawingml/2006/spreadsheetDrawing" xmlns:a16="http://schemas.microsoft.com/office/drawing/2014/main" xmlns:lc="http://schemas.openxmlformats.org/drawingml/2006/lockedCanvas" id="{F9AB3D14-0A4B-4F3F-90B4-7CD6AC3D8BA1}"/>
+                <a16:creationId xmlns:a16="http://schemas.microsoft.com/office/drawing/2014/main" id="{F9AB3D14-0A4B-4F3F-90B4-7CD6AC3D8BA1}"/>
               </a:ext>
             </a:extLst>
           </p:cNvPr>
@@ -5665,7 +5984,7 @@
           <p:cNvPr id="27" name="Picture 26">
             <a:extLst>
               <a:ext uri="{FF2B5EF4-FFF2-40B4-BE49-F238E27FC236}">
-                <a16:creationId xmlns="" xmlns:xdr="http://schemas.openxmlformats.org/drawingml/2006/spreadsheetDrawing" xmlns:a16="http://schemas.microsoft.com/office/drawing/2014/main" xmlns:lc="http://schemas.openxmlformats.org/drawingml/2006/lockedCanvas" id="{B21C7AC2-A41C-467B-AFFA-ECCBA6D2F55E}"/>
+                <a16:creationId xmlns:a16="http://schemas.microsoft.com/office/drawing/2014/main" id="{B21C7AC2-A41C-467B-AFFA-ECCBA6D2F55E}"/>
               </a:ext>
             </a:extLst>
           </p:cNvPr>
@@ -5721,12 +6040,48 @@
                 <a:tableStyleId>{5C22544A-7EE6-4342-B048-85BDC9FD1C3A}</a:tableStyleId>
               </a:tblPr>
               <a:tblGrid>
-                <a:gridCol w="655915"/>
-                <a:gridCol w="1172884"/>
-                <a:gridCol w="2693366"/>
-                <a:gridCol w="1919747"/>
-                <a:gridCol w="1598674"/>
-                <a:gridCol w="722414"/>
+                <a:gridCol w="655915">
+                  <a:extLst>
+                    <a:ext uri="{9D8B030D-6E8A-4147-A177-3AD203B41FA5}">
+                      <a16:colId xmlns:a16="http://schemas.microsoft.com/office/drawing/2014/main" val="20000"/>
+                    </a:ext>
+                  </a:extLst>
+                </a:gridCol>
+                <a:gridCol w="1172884">
+                  <a:extLst>
+                    <a:ext uri="{9D8B030D-6E8A-4147-A177-3AD203B41FA5}">
+                      <a16:colId xmlns:a16="http://schemas.microsoft.com/office/drawing/2014/main" val="20001"/>
+                    </a:ext>
+                  </a:extLst>
+                </a:gridCol>
+                <a:gridCol w="2693366">
+                  <a:extLst>
+                    <a:ext uri="{9D8B030D-6E8A-4147-A177-3AD203B41FA5}">
+                      <a16:colId xmlns:a16="http://schemas.microsoft.com/office/drawing/2014/main" val="20002"/>
+                    </a:ext>
+                  </a:extLst>
+                </a:gridCol>
+                <a:gridCol w="1919747">
+                  <a:extLst>
+                    <a:ext uri="{9D8B030D-6E8A-4147-A177-3AD203B41FA5}">
+                      <a16:colId xmlns:a16="http://schemas.microsoft.com/office/drawing/2014/main" val="20003"/>
+                    </a:ext>
+                  </a:extLst>
+                </a:gridCol>
+                <a:gridCol w="1598674">
+                  <a:extLst>
+                    <a:ext uri="{9D8B030D-6E8A-4147-A177-3AD203B41FA5}">
+                      <a16:colId xmlns:a16="http://schemas.microsoft.com/office/drawing/2014/main" val="20004"/>
+                    </a:ext>
+                  </a:extLst>
+                </a:gridCol>
+                <a:gridCol w="722414">
+                  <a:extLst>
+                    <a:ext uri="{9D8B030D-6E8A-4147-A177-3AD203B41FA5}">
+                      <a16:colId xmlns:a16="http://schemas.microsoft.com/office/drawing/2014/main" val="20005"/>
+                    </a:ext>
+                  </a:extLst>
+                </a:gridCol>
               </a:tblGrid>
               <a:tr h="173043">
                 <a:tc>
@@ -5861,6 +6216,11 @@
                   </a:txBody>
                   <a:tcPr marL="6343" marR="6343" marT="6343" marB="0" anchor="b"/>
                 </a:tc>
+                <a:extLst>
+                  <a:ext uri="{0D108BD9-81ED-4DB2-BD59-A6C34878D82A}">
+                    <a16:rowId xmlns:a16="http://schemas.microsoft.com/office/drawing/2014/main" val="10000"/>
+                  </a:ext>
+                </a:extLst>
               </a:tr>
               <a:tr h="744089">
                 <a:tc>
@@ -6048,7 +6408,7 @@
                     <a:p>
                       <a:pPr marL="0" algn="ctr" rtl="0" eaLnBrk="1" fontAlgn="b" latinLnBrk="0" hangingPunct="1"/>
                       <a:r>
-                        <a:rPr kumimoji="0" lang="en-US" sz="800" b="0" i="0" u="none" strike="noStrike" kern="1200" dirty="0" smtClean="0">
+                        <a:rPr kumimoji="0" lang="en-US" sz="800" b="0" i="0" u="none" strike="noStrike" kern="1200" dirty="0">
                           <a:solidFill>
                             <a:srgbClr val="000000"/>
                           </a:solidFill>
@@ -6058,6 +6418,456 @@
                           <a:cs typeface="+mn-cs"/>
                         </a:rPr>
                         <a:t>Certificate visible in AWS Console</a:t>
+                      </a:r>
+                    </a:p>
+                  </a:txBody>
+                  <a:tcPr marL="6343" marR="6343" marT="6343" marB="0" anchor="b"/>
+                </a:tc>
+                <a:tc>
+                  <a:txBody>
+                    <a:bodyPr/>
+                    <a:lstStyle/>
+                    <a:p>
+                      <a:pPr marL="0" algn="ctr" rtl="0" eaLnBrk="1" fontAlgn="b" latinLnBrk="0" hangingPunct="1"/>
+                      <a:r>
+                        <a:rPr kumimoji="0" lang="en-US" sz="800" b="0" i="0" u="none" strike="noStrike" kern="1200">
+                          <a:solidFill>
+                            <a:srgbClr val="000000"/>
+                          </a:solidFill>
+                          <a:effectLst/>
+                          <a:latin typeface="Arial"/>
+                          <a:ea typeface="+mn-ea"/>
+                          <a:cs typeface="+mn-cs"/>
+                        </a:rPr>
+                        <a:t>Pass</a:t>
+                      </a:r>
+                    </a:p>
+                  </a:txBody>
+                  <a:tcPr marL="6343" marR="6343" marT="6343" marB="0" anchor="b"/>
+                </a:tc>
+                <a:extLst>
+                  <a:ext uri="{0D108BD9-81ED-4DB2-BD59-A6C34878D82A}">
+                    <a16:rowId xmlns:a16="http://schemas.microsoft.com/office/drawing/2014/main" val="10001"/>
+                  </a:ext>
+                </a:extLst>
+              </a:tr>
+              <a:tr h="891176">
+                <a:tc>
+                  <a:txBody>
+                    <a:bodyPr/>
+                    <a:lstStyle/>
+                    <a:p>
+                      <a:pPr marL="0" algn="ctr" rtl="0" eaLnBrk="1" fontAlgn="b" latinLnBrk="0" hangingPunct="1"/>
+                      <a:r>
+                        <a:rPr kumimoji="0" lang="en-US" sz="800" b="0" i="0" u="none" strike="noStrike" kern="1200">
+                          <a:solidFill>
+                            <a:srgbClr val="000000"/>
+                          </a:solidFill>
+                          <a:effectLst/>
+                          <a:latin typeface="Arial"/>
+                          <a:ea typeface="+mn-ea"/>
+                          <a:cs typeface="+mn-cs"/>
+                        </a:rPr>
+                        <a:t>2</a:t>
+                      </a:r>
+                    </a:p>
+                  </a:txBody>
+                  <a:tcPr marL="6343" marR="6343" marT="6343" marB="0" anchor="b"/>
+                </a:tc>
+                <a:tc>
+                  <a:txBody>
+                    <a:bodyPr/>
+                    <a:lstStyle/>
+                    <a:p>
+                      <a:pPr algn="l" fontAlgn="b"/>
+                      <a:r>
+                        <a:rPr lang="en-US" sz="800" b="0" i="0" u="none" strike="noStrike" dirty="0">
+                          <a:solidFill>
+                            <a:srgbClr val="000000"/>
+                          </a:solidFill>
+                          <a:effectLst/>
+                          <a:latin typeface="Arial"/>
+                        </a:rPr>
+                        <a:t>AWS IOT policy creation </a:t>
+                      </a:r>
+                      <a:r>
+                        <a:rPr kumimoji="0" lang="en-US" sz="800" b="0" i="0" u="none" strike="noStrike" kern="1200" dirty="0">
+                          <a:solidFill>
+                            <a:srgbClr val="000000"/>
+                          </a:solidFill>
+                          <a:effectLst/>
+                          <a:latin typeface="Arial"/>
+                          <a:ea typeface="+mn-ea"/>
+                          <a:cs typeface="+mn-cs"/>
+                        </a:rPr>
+                        <a:t>ECE574_Project</a:t>
+                      </a:r>
+                    </a:p>
+                  </a:txBody>
+                  <a:tcPr marL="0" marR="0" marT="0" marB="0" anchor="b"/>
+                </a:tc>
+                <a:tc>
+                  <a:txBody>
+                    <a:bodyPr/>
+                    <a:lstStyle/>
+                    <a:p>
+                      <a:pPr algn="l" fontAlgn="b"/>
+                      <a:r>
+                        <a:rPr lang="en-US" sz="800" b="0" i="0" u="none" strike="noStrike" dirty="0">
+                          <a:solidFill>
+                            <a:srgbClr val="000000"/>
+                          </a:solidFill>
+                          <a:effectLst/>
+                          <a:latin typeface="Arial"/>
+                        </a:rPr>
+                        <a:t>1. Create Policy in  AWS </a:t>
+                      </a:r>
+                      <a:r>
+                        <a:rPr lang="en-US" sz="800" b="0" i="0" u="none" strike="noStrike" dirty="0" err="1">
+                          <a:solidFill>
+                            <a:srgbClr val="000000"/>
+                          </a:solidFill>
+                          <a:effectLst/>
+                          <a:latin typeface="Arial"/>
+                        </a:rPr>
+                        <a:t>IoT</a:t>
+                      </a:r>
+                      <a:r>
+                        <a:rPr lang="en-US" sz="800" b="0" i="0" u="none" strike="noStrike" dirty="0">
+                          <a:solidFill>
+                            <a:srgbClr val="000000"/>
+                          </a:solidFill>
+                          <a:effectLst/>
+                          <a:latin typeface="Arial"/>
+                        </a:rPr>
+                        <a:t> Console</a:t>
+                      </a:r>
+                      <a:br>
+                        <a:rPr lang="en-US" sz="800" b="0" i="0" u="none" strike="noStrike" dirty="0">
+                          <a:solidFill>
+                            <a:srgbClr val="000000"/>
+                          </a:solidFill>
+                          <a:effectLst/>
+                          <a:latin typeface="Arial"/>
+                        </a:rPr>
+                      </a:br>
+                      <a:r>
+                        <a:rPr lang="en-US" sz="800" b="0" i="0" u="none" strike="noStrike" dirty="0">
+                          <a:solidFill>
+                            <a:srgbClr val="000000"/>
+                          </a:solidFill>
+                          <a:effectLst/>
+                          <a:latin typeface="Arial"/>
+                        </a:rPr>
+                        <a:t>2. Save the Policy ARN.</a:t>
+                      </a:r>
+                    </a:p>
+                  </a:txBody>
+                  <a:tcPr marL="0" marR="0" marT="0" marB="0" anchor="b"/>
+                </a:tc>
+                <a:tc>
+                  <a:txBody>
+                    <a:bodyPr/>
+                    <a:lstStyle/>
+                    <a:p>
+                      <a:pPr algn="l" fontAlgn="b"/>
+                      <a:r>
+                        <a:rPr lang="en-US" sz="800" b="0" i="0" u="none" strike="noStrike" dirty="0">
+                          <a:solidFill>
+                            <a:srgbClr val="000000"/>
+                          </a:solidFill>
+                          <a:effectLst/>
+                          <a:latin typeface="Arial"/>
+                        </a:rPr>
+                        <a:t>AWS </a:t>
+                      </a:r>
+                      <a:r>
+                        <a:rPr lang="en-US" sz="800" b="0" i="0" u="none" strike="noStrike" dirty="0" err="1">
+                          <a:solidFill>
+                            <a:srgbClr val="000000"/>
+                          </a:solidFill>
+                          <a:effectLst/>
+                          <a:latin typeface="Arial"/>
+                        </a:rPr>
+                        <a:t>IoT</a:t>
+                      </a:r>
+                      <a:r>
+                        <a:rPr lang="en-US" sz="800" b="0" i="0" u="none" strike="noStrike" dirty="0">
+                          <a:solidFill>
+                            <a:srgbClr val="000000"/>
+                          </a:solidFill>
+                          <a:effectLst/>
+                          <a:latin typeface="Arial"/>
+                        </a:rPr>
+                        <a:t> POLICY ECE574_Policy Should be created and visible in AWS</a:t>
+                      </a:r>
+                      <a:br>
+                        <a:rPr lang="en-US" sz="800" b="0" i="0" u="none" strike="noStrike" dirty="0">
+                          <a:solidFill>
+                            <a:srgbClr val="000000"/>
+                          </a:solidFill>
+                          <a:effectLst/>
+                          <a:latin typeface="Arial"/>
+                        </a:rPr>
+                      </a:br>
+                      <a:r>
+                        <a:rPr lang="en-US" sz="800" b="0" i="0" u="none" strike="noStrike" dirty="0">
+                          <a:solidFill>
+                            <a:srgbClr val="000000"/>
+                          </a:solidFill>
+                          <a:effectLst/>
+                          <a:latin typeface="Arial"/>
+                        </a:rPr>
+                        <a:t>Console</a:t>
+                      </a:r>
+                    </a:p>
+                  </a:txBody>
+                  <a:tcPr marL="0" marR="0" marT="0" marB="0" anchor="b"/>
+                </a:tc>
+                <a:tc>
+                  <a:txBody>
+                    <a:bodyPr/>
+                    <a:lstStyle/>
+                    <a:p>
+                      <a:pPr marL="0" algn="ctr" rtl="0" eaLnBrk="1" fontAlgn="b" latinLnBrk="0" hangingPunct="1"/>
+                      <a:r>
+                        <a:rPr kumimoji="0" lang="en-US" sz="800" b="0" i="0" u="none" strike="noStrike" kern="1200" dirty="0">
+                          <a:solidFill>
+                            <a:srgbClr val="000000"/>
+                          </a:solidFill>
+                          <a:effectLst/>
+                          <a:latin typeface="Arial"/>
+                          <a:ea typeface="+mn-ea"/>
+                          <a:cs typeface="+mn-cs"/>
+                        </a:rPr>
+                        <a:t>AWS </a:t>
+                      </a:r>
+                      <a:r>
+                        <a:rPr kumimoji="0" lang="en-US" sz="800" b="0" i="0" u="none" strike="noStrike" kern="1200" dirty="0" err="1">
+                          <a:solidFill>
+                            <a:srgbClr val="000000"/>
+                          </a:solidFill>
+                          <a:effectLst/>
+                          <a:latin typeface="Arial"/>
+                          <a:ea typeface="+mn-ea"/>
+                          <a:cs typeface="+mn-cs"/>
+                        </a:rPr>
+                        <a:t>IoT</a:t>
+                      </a:r>
+                      <a:r>
+                        <a:rPr kumimoji="0" lang="en-US" sz="800" b="0" i="0" u="none" strike="noStrike" kern="1200" dirty="0">
+                          <a:solidFill>
+                            <a:srgbClr val="000000"/>
+                          </a:solidFill>
+                          <a:effectLst/>
+                          <a:latin typeface="Arial"/>
+                          <a:ea typeface="+mn-ea"/>
+                          <a:cs typeface="+mn-cs"/>
+                        </a:rPr>
+                        <a:t> Policy visible in AWS Console</a:t>
+                      </a:r>
+                    </a:p>
+                  </a:txBody>
+                  <a:tcPr marL="6343" marR="6343" marT="6343" marB="0" anchor="b"/>
+                </a:tc>
+                <a:tc>
+                  <a:txBody>
+                    <a:bodyPr/>
+                    <a:lstStyle/>
+                    <a:p>
+                      <a:pPr marL="0" algn="ctr" rtl="0" eaLnBrk="1" fontAlgn="b" latinLnBrk="0" hangingPunct="1"/>
+                      <a:r>
+                        <a:rPr kumimoji="0" lang="en-US" sz="800" b="0" i="0" u="none" strike="noStrike" kern="1200">
+                          <a:solidFill>
+                            <a:srgbClr val="000000"/>
+                          </a:solidFill>
+                          <a:effectLst/>
+                          <a:latin typeface="Arial"/>
+                          <a:ea typeface="+mn-ea"/>
+                          <a:cs typeface="+mn-cs"/>
+                        </a:rPr>
+                        <a:t>Pass</a:t>
+                      </a:r>
+                    </a:p>
+                  </a:txBody>
+                  <a:tcPr marL="6343" marR="6343" marT="6343" marB="0" anchor="b"/>
+                </a:tc>
+                <a:extLst>
+                  <a:ext uri="{0D108BD9-81ED-4DB2-BD59-A6C34878D82A}">
+                    <a16:rowId xmlns:a16="http://schemas.microsoft.com/office/drawing/2014/main" val="10002"/>
+                  </a:ext>
+                </a:extLst>
+              </a:tr>
+              <a:tr h="891176">
+                <a:tc>
+                  <a:txBody>
+                    <a:bodyPr/>
+                    <a:lstStyle/>
+                    <a:p>
+                      <a:pPr marL="0" algn="ctr" rtl="0" eaLnBrk="1" fontAlgn="b" latinLnBrk="0" hangingPunct="1"/>
+                      <a:r>
+                        <a:rPr kumimoji="0" lang="en-US" sz="800" b="0" i="0" u="none" strike="noStrike" kern="1200">
+                          <a:solidFill>
+                            <a:srgbClr val="000000"/>
+                          </a:solidFill>
+                          <a:effectLst/>
+                          <a:latin typeface="Arial"/>
+                          <a:ea typeface="+mn-ea"/>
+                          <a:cs typeface="+mn-cs"/>
+                        </a:rPr>
+                        <a:t>3</a:t>
+                      </a:r>
+                    </a:p>
+                  </a:txBody>
+                  <a:tcPr marL="6343" marR="6343" marT="6343" marB="0" anchor="b"/>
+                </a:tc>
+                <a:tc>
+                  <a:txBody>
+                    <a:bodyPr/>
+                    <a:lstStyle/>
+                    <a:p>
+                      <a:pPr algn="l" fontAlgn="b"/>
+                      <a:r>
+                        <a:rPr lang="en-US" sz="800" b="0" i="0" u="none" strike="noStrike" dirty="0">
+                          <a:solidFill>
+                            <a:srgbClr val="000000"/>
+                          </a:solidFill>
+                          <a:effectLst/>
+                          <a:latin typeface="Arial"/>
+                        </a:rPr>
+                        <a:t>Attaching the Thing and Policy to Certificates</a:t>
+                      </a:r>
+                    </a:p>
+                  </a:txBody>
+                  <a:tcPr marL="0" marR="0" marT="0" marB="0" anchor="b"/>
+                </a:tc>
+                <a:tc>
+                  <a:txBody>
+                    <a:bodyPr/>
+                    <a:lstStyle/>
+                    <a:p>
+                      <a:pPr algn="l" fontAlgn="b"/>
+                      <a:r>
+                        <a:rPr lang="en-US" sz="800" b="0" i="0" u="none" strike="noStrike" dirty="0">
+                          <a:solidFill>
+                            <a:srgbClr val="000000"/>
+                          </a:solidFill>
+                          <a:effectLst/>
+                          <a:latin typeface="Arial"/>
+                        </a:rPr>
+                        <a:t>1. Open the Generated Certificate in  AWS </a:t>
+                      </a:r>
+                      <a:r>
+                        <a:rPr lang="en-US" sz="800" b="0" i="0" u="none" strike="noStrike" dirty="0" err="1">
+                          <a:solidFill>
+                            <a:srgbClr val="000000"/>
+                          </a:solidFill>
+                          <a:effectLst/>
+                          <a:latin typeface="Arial"/>
+                        </a:rPr>
+                        <a:t>IoT</a:t>
+                      </a:r>
+                      <a:r>
+                        <a:rPr lang="en-US" sz="800" b="0" i="0" u="none" strike="noStrike" dirty="0">
+                          <a:solidFill>
+                            <a:srgbClr val="000000"/>
+                          </a:solidFill>
+                          <a:effectLst/>
+                          <a:latin typeface="Arial"/>
+                        </a:rPr>
+                        <a:t> Console.</a:t>
+                      </a:r>
+                      <a:br>
+                        <a:rPr lang="en-US" sz="800" b="0" i="0" u="none" strike="noStrike" dirty="0">
+                          <a:solidFill>
+                            <a:srgbClr val="000000"/>
+                          </a:solidFill>
+                          <a:effectLst/>
+                          <a:latin typeface="Arial"/>
+                        </a:rPr>
+                      </a:br>
+                      <a:r>
+                        <a:rPr lang="en-US" sz="800" b="0" i="0" u="none" strike="noStrike" dirty="0">
+                          <a:solidFill>
+                            <a:srgbClr val="000000"/>
+                          </a:solidFill>
+                          <a:effectLst/>
+                          <a:latin typeface="Arial"/>
+                        </a:rPr>
+                        <a:t>2. In Actions select Attach Thing.</a:t>
+                      </a:r>
+                      <a:br>
+                        <a:rPr lang="en-US" sz="800" b="0" i="0" u="none" strike="noStrike" dirty="0">
+                          <a:solidFill>
+                            <a:srgbClr val="000000"/>
+                          </a:solidFill>
+                          <a:effectLst/>
+                          <a:latin typeface="Arial"/>
+                        </a:rPr>
+                      </a:br>
+                      <a:r>
+                        <a:rPr lang="en-US" sz="800" b="0" i="0" u="none" strike="noStrike" dirty="0">
+                          <a:solidFill>
+                            <a:srgbClr val="000000"/>
+                          </a:solidFill>
+                          <a:effectLst/>
+                          <a:latin typeface="Arial"/>
+                        </a:rPr>
+                        <a:t>3.Then again In Actions select Attach Policy </a:t>
+                      </a:r>
+                    </a:p>
+                  </a:txBody>
+                  <a:tcPr marL="0" marR="0" marT="0" marB="0" anchor="b"/>
+                </a:tc>
+                <a:tc>
+                  <a:txBody>
+                    <a:bodyPr/>
+                    <a:lstStyle/>
+                    <a:p>
+                      <a:pPr algn="l" fontAlgn="b"/>
+                      <a:r>
+                        <a:rPr lang="en-US" sz="800" b="0" i="0" u="none" strike="noStrike">
+                          <a:solidFill>
+                            <a:srgbClr val="000000"/>
+                          </a:solidFill>
+                          <a:effectLst/>
+                          <a:latin typeface="Arial"/>
+                        </a:rPr>
+                        <a:t>The Policy ECE574_Policy and Thing ECE574_Project should be Attached and visible In the Certificate Console. </a:t>
+                      </a:r>
+                    </a:p>
+                  </a:txBody>
+                  <a:tcPr marL="0" marR="0" marT="0" marB="0" anchor="b"/>
+                </a:tc>
+                <a:tc>
+                  <a:txBody>
+                    <a:bodyPr/>
+                    <a:lstStyle/>
+                    <a:p>
+                      <a:pPr marL="0" algn="ctr" rtl="0" eaLnBrk="1" fontAlgn="b" latinLnBrk="0" hangingPunct="1"/>
+                      <a:r>
+                        <a:rPr kumimoji="0" lang="en-US" sz="800" b="0" i="0" u="none" strike="noStrike" kern="1200" dirty="0">
+                          <a:solidFill>
+                            <a:srgbClr val="000000"/>
+                          </a:solidFill>
+                          <a:effectLst/>
+                          <a:latin typeface="Arial"/>
+                          <a:ea typeface="+mn-ea"/>
+                          <a:cs typeface="+mn-cs"/>
+                        </a:rPr>
+                        <a:t>Policy</a:t>
+                      </a:r>
+                      <a:r>
+                        <a:rPr kumimoji="0" lang="en-US" sz="800" b="0" i="0" u="none" strike="noStrike" kern="1200" baseline="0" dirty="0">
+                          <a:solidFill>
+                            <a:srgbClr val="000000"/>
+                          </a:solidFill>
+                          <a:effectLst/>
+                          <a:latin typeface="Arial"/>
+                          <a:ea typeface="+mn-ea"/>
+                          <a:cs typeface="+mn-cs"/>
+                        </a:rPr>
+                        <a:t> and Thing visible in Certificate Console</a:t>
                       </a:r>
                       <a:endParaRPr kumimoji="0" lang="en-US" sz="800" b="0" i="0" u="none" strike="noStrike" kern="1200" dirty="0">
                         <a:solidFill>
@@ -6094,8 +6904,13 @@
                   </a:txBody>
                   <a:tcPr marL="6343" marR="6343" marT="6343" marB="0" anchor="b"/>
                 </a:tc>
+                <a:extLst>
+                  <a:ext uri="{0D108BD9-81ED-4DB2-BD59-A6C34878D82A}">
+                    <a16:rowId xmlns:a16="http://schemas.microsoft.com/office/drawing/2014/main" val="10003"/>
+                  </a:ext>
+                </a:extLst>
               </a:tr>
-              <a:tr h="891176">
+              <a:tr h="597002">
                 <a:tc>
                   <a:txBody>
                     <a:bodyPr/>
@@ -6112,7 +6927,7 @@
                           <a:ea typeface="+mn-ea"/>
                           <a:cs typeface="+mn-cs"/>
                         </a:rPr>
-                        <a:t>2</a:t>
+                        <a:t>4</a:t>
                       </a:r>
                     </a:p>
                   </a:txBody>
@@ -6132,19 +6947,26 @@
                           <a:effectLst/>
                           <a:latin typeface="Arial"/>
                         </a:rPr>
-                        <a:t>AWS IOT policy creation </a:t>
-                      </a:r>
-                      <a:r>
-                        <a:rPr kumimoji="0" lang="en-US" sz="800" b="0" i="0" u="none" strike="noStrike" kern="1200" dirty="0">
-                          <a:solidFill>
-                            <a:srgbClr val="000000"/>
-                          </a:solidFill>
-                          <a:effectLst/>
-                          <a:latin typeface="Arial"/>
-                          <a:ea typeface="+mn-ea"/>
-                          <a:cs typeface="+mn-cs"/>
-                        </a:rPr>
-                        <a:t>ECE574_Project</a:t>
+                        <a:t>Subscribe and Publish a message to the created Topic </a:t>
+                      </a:r>
+                      <a:br>
+                        <a:rPr lang="en-US" sz="800" b="0" i="0" u="none" strike="noStrike" dirty="0">
+                          <a:solidFill>
+                            <a:srgbClr val="000000"/>
+                          </a:solidFill>
+                          <a:effectLst/>
+                          <a:latin typeface="Arial"/>
+                        </a:rPr>
+                      </a:br>
+                      <a:r>
+                        <a:rPr lang="en-US" sz="800" b="0" i="0" u="none" strike="noStrike" dirty="0">
+                          <a:solidFill>
+                            <a:srgbClr val="000000"/>
+                          </a:solidFill>
+                          <a:effectLst/>
+                          <a:latin typeface="Arial"/>
+                        </a:rPr>
+                        <a:t>using AWS MQTT Client</a:t>
                       </a:r>
                     </a:p>
                   </a:txBody>
@@ -6164,27 +6986,7 @@
                           <a:effectLst/>
                           <a:latin typeface="Arial"/>
                         </a:rPr>
-                        <a:t>1. Create Policy in  AWS </a:t>
-                      </a:r>
-                      <a:r>
-                        <a:rPr lang="en-US" sz="800" b="0" i="0" u="none" strike="noStrike" dirty="0" err="1">
-                          <a:solidFill>
-                            <a:srgbClr val="000000"/>
-                          </a:solidFill>
-                          <a:effectLst/>
-                          <a:latin typeface="Arial"/>
-                        </a:rPr>
-                        <a:t>IoT</a:t>
-                      </a:r>
-                      <a:r>
-                        <a:rPr lang="en-US" sz="800" b="0" i="0" u="none" strike="noStrike" dirty="0">
-                          <a:solidFill>
-                            <a:srgbClr val="000000"/>
-                          </a:solidFill>
-                          <a:effectLst/>
-                          <a:latin typeface="Arial"/>
-                        </a:rPr>
-                        <a:t> Console</a:t>
+                        <a:t>1. In test Console Enter  the Topic ECE574_Project under Subscription Topic.  </a:t>
                       </a:r>
                       <a:br>
                         <a:rPr lang="en-US" sz="800" b="0" i="0" u="none" strike="noStrike" dirty="0">
@@ -6203,7 +7005,85 @@
                           <a:effectLst/>
                           <a:latin typeface="Arial"/>
                         </a:rPr>
-                        <a:t>2. Save the Policy ARN.</a:t>
+                        <a:t>2. Click on </a:t>
+                      </a:r>
+                      <a:r>
+                        <a:rPr lang="en-US" sz="800" b="0" i="0" u="none" strike="noStrike" dirty="0" err="1">
+                          <a:solidFill>
+                            <a:srgbClr val="000000"/>
+                          </a:solidFill>
+                          <a:effectLst/>
+                          <a:latin typeface="Arial"/>
+                        </a:rPr>
+                        <a:t>Scbscribe</a:t>
+                      </a:r>
+                      <a:r>
+                        <a:rPr lang="en-US" sz="800" b="0" i="0" u="none" strike="noStrike" dirty="0">
+                          <a:solidFill>
+                            <a:srgbClr val="000000"/>
+                          </a:solidFill>
+                          <a:effectLst/>
+                          <a:latin typeface="Arial"/>
+                        </a:rPr>
+                        <a:t> to Topic.</a:t>
+                      </a:r>
+                      <a:br>
+                        <a:rPr lang="en-US" sz="800" b="0" i="0" u="none" strike="noStrike" dirty="0">
+                          <a:solidFill>
+                            <a:srgbClr val="000000"/>
+                          </a:solidFill>
+                          <a:effectLst/>
+                          <a:latin typeface="Arial"/>
+                        </a:rPr>
+                      </a:br>
+                      <a:r>
+                        <a:rPr lang="en-US" sz="800" b="0" i="0" u="none" strike="noStrike" dirty="0">
+                          <a:solidFill>
+                            <a:srgbClr val="000000"/>
+                          </a:solidFill>
+                          <a:effectLst/>
+                          <a:latin typeface="Arial"/>
+                        </a:rPr>
+                        <a:t>3.Specify a topic and a message to publish with a </a:t>
+                      </a:r>
+                      <a:r>
+                        <a:rPr lang="en-US" sz="800" b="0" i="0" u="none" strike="noStrike" dirty="0" err="1">
+                          <a:solidFill>
+                            <a:srgbClr val="000000"/>
+                          </a:solidFill>
+                          <a:effectLst/>
+                          <a:latin typeface="Arial"/>
+                        </a:rPr>
+                        <a:t>QoS</a:t>
+                      </a:r>
+                      <a:r>
+                        <a:rPr lang="en-US" sz="800" b="0" i="0" u="none" strike="noStrike" dirty="0">
+                          <a:solidFill>
+                            <a:srgbClr val="000000"/>
+                          </a:solidFill>
+                          <a:effectLst/>
+                          <a:latin typeface="Arial"/>
+                        </a:rPr>
+                        <a:t> of 0.</a:t>
+                      </a:r>
+                      <a:br>
+                        <a:rPr lang="en-US" sz="800" b="0" i="0" u="none" strike="noStrike" dirty="0">
+                          <a:solidFill>
+                            <a:srgbClr val="000000"/>
+                          </a:solidFill>
+                          <a:effectLst/>
+                          <a:latin typeface="Arial"/>
+                        </a:rPr>
+                      </a:br>
+                      <a:r>
+                        <a:rPr lang="en-US" sz="800" b="0" i="0" u="none" strike="noStrike" dirty="0">
+                          <a:solidFill>
+                            <a:srgbClr val="000000"/>
+                          </a:solidFill>
+                          <a:effectLst/>
+                          <a:latin typeface="Arial"/>
+                        </a:rPr>
+                        <a:t>4.Click on Publish to Topic</a:t>
                       </a:r>
                     </a:p>
                   </a:txBody>
@@ -6223,27 +7103,7 @@
                           <a:effectLst/>
                           <a:latin typeface="Arial"/>
                         </a:rPr>
-                        <a:t>AWS </a:t>
-                      </a:r>
-                      <a:r>
-                        <a:rPr lang="en-US" sz="800" b="0" i="0" u="none" strike="noStrike" dirty="0" err="1">
-                          <a:solidFill>
-                            <a:srgbClr val="000000"/>
-                          </a:solidFill>
-                          <a:effectLst/>
-                          <a:latin typeface="Arial"/>
-                        </a:rPr>
-                        <a:t>IoT</a:t>
-                      </a:r>
-                      <a:r>
-                        <a:rPr lang="en-US" sz="800" b="0" i="0" u="none" strike="noStrike" dirty="0">
-                          <a:solidFill>
-                            <a:srgbClr val="000000"/>
-                          </a:solidFill>
-                          <a:effectLst/>
-                          <a:latin typeface="Arial"/>
-                        </a:rPr>
-                        <a:t> POLICY ECE574_Policy Should be created and visible in AWS</a:t>
+                        <a:t>The Published message should be visible on subscriptions under</a:t>
                       </a:r>
                       <a:br>
                         <a:rPr lang="en-US" sz="800" b="0" i="0" u="none" strike="noStrike" dirty="0">
@@ -6262,7 +7122,7 @@
                           <a:effectLst/>
                           <a:latin typeface="Arial"/>
                         </a:rPr>
-                        <a:t>Console</a:t>
+                        <a:t> Thing ECE574_Project. </a:t>
                       </a:r>
                     </a:p>
                   </a:txBody>
@@ -6275,7 +7135,7 @@
                     <a:p>
                       <a:pPr marL="0" algn="ctr" rtl="0" eaLnBrk="1" fontAlgn="b" latinLnBrk="0" hangingPunct="1"/>
                       <a:r>
-                        <a:rPr kumimoji="0" lang="en-US" sz="800" b="0" i="0" u="none" strike="noStrike" kern="1200" dirty="0" smtClean="0">
+                        <a:rPr kumimoji="0" lang="en-US" sz="800" b="0" i="0" u="none" strike="noStrike" kern="1200" dirty="0">
                           <a:solidFill>
                             <a:srgbClr val="000000"/>
                           </a:solidFill>
@@ -6284,10 +7144,10 @@
                           <a:ea typeface="+mn-ea"/>
                           <a:cs typeface="+mn-cs"/>
                         </a:rPr>
-                        <a:t>AWS </a:t>
-                      </a:r>
-                      <a:r>
-                        <a:rPr kumimoji="0" lang="en-US" sz="800" b="0" i="0" u="none" strike="noStrike" kern="1200" dirty="0" err="1" smtClean="0">
+                        <a:t>Published</a:t>
+                      </a:r>
+                      <a:r>
+                        <a:rPr kumimoji="0" lang="en-US" sz="800" b="0" i="0" u="none" strike="noStrike" kern="1200" baseline="0" dirty="0">
                           <a:solidFill>
                             <a:srgbClr val="000000"/>
                           </a:solidFill>
@@ -6296,19 +7156,7 @@
                           <a:ea typeface="+mn-ea"/>
                           <a:cs typeface="+mn-cs"/>
                         </a:rPr>
-                        <a:t>IoT</a:t>
-                      </a:r>
-                      <a:r>
-                        <a:rPr kumimoji="0" lang="en-US" sz="800" b="0" i="0" u="none" strike="noStrike" kern="1200" dirty="0" smtClean="0">
-                          <a:solidFill>
-                            <a:srgbClr val="000000"/>
-                          </a:solidFill>
-                          <a:effectLst/>
-                          <a:latin typeface="Arial"/>
-                          <a:ea typeface="+mn-ea"/>
-                          <a:cs typeface="+mn-cs"/>
-                        </a:rPr>
-                        <a:t> Policy visible in AWS Console</a:t>
+                        <a:t> message visible on subscriptions console</a:t>
                       </a:r>
                       <a:endParaRPr kumimoji="0" lang="en-US" sz="800" b="0" i="0" u="none" strike="noStrike" kern="1200" dirty="0">
                         <a:solidFill>
@@ -6345,8 +7193,13 @@
                   </a:txBody>
                   <a:tcPr marL="6343" marR="6343" marT="6343" marB="0" anchor="b"/>
                 </a:tc>
+                <a:extLst>
+                  <a:ext uri="{0D108BD9-81ED-4DB2-BD59-A6C34878D82A}">
+                    <a16:rowId xmlns:a16="http://schemas.microsoft.com/office/drawing/2014/main" val="10004"/>
+                  </a:ext>
+                </a:extLst>
               </a:tr>
-              <a:tr h="891176">
+              <a:tr h="597002">
                 <a:tc>
                   <a:txBody>
                     <a:bodyPr/>
@@ -6363,7 +7216,7 @@
                           <a:ea typeface="+mn-ea"/>
                           <a:cs typeface="+mn-cs"/>
                         </a:rPr>
-                        <a:t>3</a:t>
+                        <a:t>5</a:t>
                       </a:r>
                     </a:p>
                   </a:txBody>
@@ -6383,7 +7236,7 @@
                           <a:effectLst/>
                           <a:latin typeface="Arial"/>
                         </a:rPr>
-                        <a:t>Attaching the Thing and Policy to Certificates</a:t>
+                        <a:t>Creation of SNS topic in Amazon SNS</a:t>
                       </a:r>
                     </a:p>
                   </a:txBody>
@@ -6403,27 +7256,7 @@
                           <a:effectLst/>
                           <a:latin typeface="Arial"/>
                         </a:rPr>
-                        <a:t>1. Open the Generated Certificate in  AWS </a:t>
-                      </a:r>
-                      <a:r>
-                        <a:rPr lang="en-US" sz="800" b="0" i="0" u="none" strike="noStrike" dirty="0" err="1">
-                          <a:solidFill>
-                            <a:srgbClr val="000000"/>
-                          </a:solidFill>
-                          <a:effectLst/>
-                          <a:latin typeface="Arial"/>
-                        </a:rPr>
-                        <a:t>IoT</a:t>
-                      </a:r>
-                      <a:r>
-                        <a:rPr lang="en-US" sz="800" b="0" i="0" u="none" strike="noStrike" dirty="0">
-                          <a:solidFill>
-                            <a:srgbClr val="000000"/>
-                          </a:solidFill>
-                          <a:effectLst/>
-                          <a:latin typeface="Arial"/>
-                        </a:rPr>
-                        <a:t> Console.</a:t>
+                        <a:t>1. Open Amazon SNS Console.</a:t>
                       </a:r>
                       <a:br>
                         <a:rPr lang="en-US" sz="800" b="0" i="0" u="none" strike="noStrike" dirty="0">
@@ -6442,7 +7275,27 @@
                           <a:effectLst/>
                           <a:latin typeface="Arial"/>
                         </a:rPr>
-                        <a:t>2. In Actions select Attach Thing.</a:t>
+                        <a:t>2. Create a Topic </a:t>
+                      </a:r>
+                      <a:r>
+                        <a:rPr lang="en-US" sz="800" b="0" i="0" u="none" strike="noStrike" dirty="0" err="1">
+                          <a:solidFill>
+                            <a:srgbClr val="000000"/>
+                          </a:solidFill>
+                          <a:effectLst/>
+                          <a:latin typeface="Arial"/>
+                        </a:rPr>
+                        <a:t>ChildAlertSystem</a:t>
+                      </a:r>
+                      <a:r>
+                        <a:rPr lang="en-US" sz="800" b="0" i="0" u="none" strike="noStrike" dirty="0">
+                          <a:solidFill>
+                            <a:srgbClr val="000000"/>
+                          </a:solidFill>
+                          <a:effectLst/>
+                          <a:latin typeface="Arial"/>
+                        </a:rPr>
+                        <a:t>.</a:t>
                       </a:r>
                       <a:br>
                         <a:rPr lang="en-US" sz="800" b="0" i="0" u="none" strike="noStrike" dirty="0">
@@ -6461,7 +7314,7 @@
                           <a:effectLst/>
                           <a:latin typeface="Arial"/>
                         </a:rPr>
-                        <a:t>3.Then again In Actions select Attach Policy </a:t>
+                        <a:t>3.copy and save the topic ARN</a:t>
                       </a:r>
                     </a:p>
                   </a:txBody>
@@ -6474,14 +7327,33 @@
                     <a:p>
                       <a:pPr algn="l" fontAlgn="b"/>
                       <a:r>
-                        <a:rPr lang="en-US" sz="800" b="0" i="0" u="none" strike="noStrike">
-                          <a:solidFill>
-                            <a:srgbClr val="000000"/>
-                          </a:solidFill>
-                          <a:effectLst/>
-                          <a:latin typeface="Arial"/>
-                        </a:rPr>
-                        <a:t>The Policy ECE574_Policy and Thing ECE574_Project should be Attached and visible In the Certificate Console. </a:t>
+                        <a:rPr lang="en-US" sz="800" b="0" i="0" u="none" strike="noStrike" dirty="0">
+                          <a:solidFill>
+                            <a:srgbClr val="000000"/>
+                          </a:solidFill>
+                          <a:effectLst/>
+                          <a:latin typeface="Arial"/>
+                        </a:rPr>
+                        <a:t>The Topic Child Alert System should be created and visible in Amazon </a:t>
+                      </a:r>
+                      <a:br>
+                        <a:rPr lang="en-US" sz="800" b="0" i="0" u="none" strike="noStrike" dirty="0">
+                          <a:solidFill>
+                            <a:srgbClr val="000000"/>
+                          </a:solidFill>
+                          <a:effectLst/>
+                          <a:latin typeface="Arial"/>
+                        </a:rPr>
+                      </a:br>
+                      <a:r>
+                        <a:rPr lang="en-US" sz="800" b="0" i="0" u="none" strike="noStrike" dirty="0">
+                          <a:solidFill>
+                            <a:srgbClr val="000000"/>
+                          </a:solidFill>
+                          <a:effectLst/>
+                          <a:latin typeface="Arial"/>
+                        </a:rPr>
+                        <a:t>SNS</a:t>
                       </a:r>
                     </a:p>
                   </a:txBody>
@@ -6494,7 +7366,7 @@
                     <a:p>
                       <a:pPr marL="0" algn="ctr" rtl="0" eaLnBrk="1" fontAlgn="b" latinLnBrk="0" hangingPunct="1"/>
                       <a:r>
-                        <a:rPr kumimoji="0" lang="en-US" sz="800" b="0" i="0" u="none" strike="noStrike" kern="1200" dirty="0" smtClean="0">
+                        <a:rPr kumimoji="0" lang="en-US" sz="800" b="0" i="0" u="none" strike="noStrike" kern="1200" dirty="0">
                           <a:solidFill>
                             <a:srgbClr val="000000"/>
                           </a:solidFill>
@@ -6503,10 +7375,10 @@
                           <a:ea typeface="+mn-ea"/>
                           <a:cs typeface="+mn-cs"/>
                         </a:rPr>
-                        <a:t>Policy</a:t>
-                      </a:r>
-                      <a:r>
-                        <a:rPr kumimoji="0" lang="en-US" sz="800" b="0" i="0" u="none" strike="noStrike" kern="1200" baseline="0" dirty="0" smtClean="0">
+                        <a:t>Child</a:t>
+                      </a:r>
+                      <a:r>
+                        <a:rPr kumimoji="0" lang="en-US" sz="800" b="0" i="0" u="none" strike="noStrike" kern="1200" baseline="0" dirty="0">
                           <a:solidFill>
                             <a:srgbClr val="000000"/>
                           </a:solidFill>
@@ -6515,7 +7387,7 @@
                           <a:ea typeface="+mn-ea"/>
                           <a:cs typeface="+mn-cs"/>
                         </a:rPr>
-                        <a:t> and Thing visible in Certificate Console</a:t>
+                        <a:t> Alert System topic is visible</a:t>
                       </a:r>
                       <a:endParaRPr kumimoji="0" lang="en-US" sz="800" b="0" i="0" u="none" strike="noStrike" kern="1200" dirty="0">
                         <a:solidFill>
@@ -6552,8 +7424,13 @@
                   </a:txBody>
                   <a:tcPr marL="6343" marR="6343" marT="6343" marB="0" anchor="b"/>
                 </a:tc>
+                <a:extLst>
+                  <a:ext uri="{0D108BD9-81ED-4DB2-BD59-A6C34878D82A}">
+                    <a16:rowId xmlns:a16="http://schemas.microsoft.com/office/drawing/2014/main" val="10005"/>
+                  </a:ext>
+                </a:extLst>
               </a:tr>
-              <a:tr h="597002">
+              <a:tr h="449914">
                 <a:tc>
                   <a:txBody>
                     <a:bodyPr/>
@@ -6570,7 +7447,7 @@
                           <a:ea typeface="+mn-ea"/>
                           <a:cs typeface="+mn-cs"/>
                         </a:rPr>
-                        <a:t>4</a:t>
+                        <a:t>6</a:t>
                       </a:r>
                     </a:p>
                   </a:txBody>
@@ -6590,26 +7467,7 @@
                           <a:effectLst/>
                           <a:latin typeface="Arial"/>
                         </a:rPr>
-                        <a:t>Subscribe and Publish a message to the created Topic </a:t>
-                      </a:r>
-                      <a:br>
-                        <a:rPr lang="en-US" sz="800" b="0" i="0" u="none" strike="noStrike" dirty="0">
-                          <a:solidFill>
-                            <a:srgbClr val="000000"/>
-                          </a:solidFill>
-                          <a:effectLst/>
-                          <a:latin typeface="Arial"/>
-                        </a:rPr>
-                      </a:br>
-                      <a:r>
-                        <a:rPr lang="en-US" sz="800" b="0" i="0" u="none" strike="noStrike" dirty="0">
-                          <a:solidFill>
-                            <a:srgbClr val="000000"/>
-                          </a:solidFill>
-                          <a:effectLst/>
-                          <a:latin typeface="Arial"/>
-                        </a:rPr>
-                        <a:t>using AWS MQTT Client</a:t>
+                        <a:t>Creation of SNS topic Subscription in Amazon SNS</a:t>
                       </a:r>
                     </a:p>
                   </a:txBody>
@@ -6629,7 +7487,7 @@
                           <a:effectLst/>
                           <a:latin typeface="Arial"/>
                         </a:rPr>
-                        <a:t>1. In test Console Enter  the Topic ECE574_Project under Subscription Topic.  </a:t>
+                        <a:t>1.Open the created SNS  topic.</a:t>
                       </a:r>
                       <a:br>
                         <a:rPr lang="en-US" sz="800" b="0" i="0" u="none" strike="noStrike" dirty="0">
@@ -6648,27 +7506,7 @@
                           <a:effectLst/>
                           <a:latin typeface="Arial"/>
                         </a:rPr>
-                        <a:t>2. Click on </a:t>
-                      </a:r>
-                      <a:r>
-                        <a:rPr lang="en-US" sz="800" b="0" i="0" u="none" strike="noStrike" dirty="0" err="1">
-                          <a:solidFill>
-                            <a:srgbClr val="000000"/>
-                          </a:solidFill>
-                          <a:effectLst/>
-                          <a:latin typeface="Arial"/>
-                        </a:rPr>
-                        <a:t>Scbscribe</a:t>
-                      </a:r>
-                      <a:r>
-                        <a:rPr lang="en-US" sz="800" b="0" i="0" u="none" strike="noStrike" dirty="0">
-                          <a:solidFill>
-                            <a:srgbClr val="000000"/>
-                          </a:solidFill>
-                          <a:effectLst/>
-                          <a:latin typeface="Arial"/>
-                        </a:rPr>
-                        <a:t> to Topic.</a:t>
+                        <a:t>2. Click on Create Subscription.</a:t>
                       </a:r>
                       <a:br>
                         <a:rPr lang="en-US" sz="800" b="0" i="0" u="none" strike="noStrike" dirty="0">
@@ -6687,7 +7525,7 @@
                           <a:effectLst/>
                           <a:latin typeface="Arial"/>
                         </a:rPr>
-                        <a:t>3.Specify a topic and a message to publish with a </a:t>
+                        <a:t>3.Select the Protocol type and enter the endpoint(Mobile </a:t>
                       </a:r>
                       <a:r>
                         <a:rPr lang="en-US" sz="800" b="0" i="0" u="none" strike="noStrike" dirty="0" err="1">
@@ -6697,7 +7535,7 @@
                           <a:effectLst/>
                           <a:latin typeface="Arial"/>
                         </a:rPr>
-                        <a:t>QoS</a:t>
+                        <a:t>Numer</a:t>
                       </a:r>
                       <a:r>
                         <a:rPr lang="en-US" sz="800" b="0" i="0" u="none" strike="noStrike" dirty="0">
@@ -6707,7 +7545,7 @@
                           <a:effectLst/>
                           <a:latin typeface="Arial"/>
                         </a:rPr>
-                        <a:t> of 0.</a:t>
+                        <a:t>).</a:t>
                       </a:r>
                       <a:br>
                         <a:rPr lang="en-US" sz="800" b="0" i="0" u="none" strike="noStrike" dirty="0">
@@ -6726,7 +7564,7 @@
                           <a:effectLst/>
                           <a:latin typeface="Arial"/>
                         </a:rPr>
-                        <a:t>4.Click on Publish to Topic</a:t>
+                        <a:t>4.Click on Create Subscription.</a:t>
                       </a:r>
                     </a:p>
                   </a:txBody>
@@ -6746,46 +7584,7 @@
                           <a:effectLst/>
                           <a:latin typeface="Arial"/>
                         </a:rPr>
-                        <a:t>The Published message </a:t>
-                      </a:r>
-                      <a:r>
-                        <a:rPr lang="en-US" sz="800" b="0" i="0" u="none" strike="noStrike" dirty="0" smtClean="0">
-                          <a:solidFill>
-                            <a:srgbClr val="000000"/>
-                          </a:solidFill>
-                          <a:effectLst/>
-                          <a:latin typeface="Arial"/>
-                        </a:rPr>
-                        <a:t>should </a:t>
-                      </a:r>
-                      <a:r>
-                        <a:rPr lang="en-US" sz="800" b="0" i="0" u="none" strike="noStrike" dirty="0">
-                          <a:solidFill>
-                            <a:srgbClr val="000000"/>
-                          </a:solidFill>
-                          <a:effectLst/>
-                          <a:latin typeface="Arial"/>
-                        </a:rPr>
-                        <a:t>be visible on subscriptions under</a:t>
-                      </a:r>
-                      <a:br>
-                        <a:rPr lang="en-US" sz="800" b="0" i="0" u="none" strike="noStrike" dirty="0">
-                          <a:solidFill>
-                            <a:srgbClr val="000000"/>
-                          </a:solidFill>
-                          <a:effectLst/>
-                          <a:latin typeface="Arial"/>
-                        </a:rPr>
-                      </a:br>
-                      <a:r>
-                        <a:rPr lang="en-US" sz="800" b="0" i="0" u="none" strike="noStrike" dirty="0">
-                          <a:solidFill>
-                            <a:srgbClr val="000000"/>
-                          </a:solidFill>
-                          <a:effectLst/>
-                          <a:latin typeface="Arial"/>
-                        </a:rPr>
-                        <a:t> Thing ECE574_Project. </a:t>
+                        <a:t>The SNS Subscriptions should be created and visible under SNS topic</a:t>
                       </a:r>
                     </a:p>
                   </a:txBody>
@@ -6798,7 +7597,7 @@
                     <a:p>
                       <a:pPr marL="0" algn="ctr" rtl="0" eaLnBrk="1" fontAlgn="b" latinLnBrk="0" hangingPunct="1"/>
                       <a:r>
-                        <a:rPr kumimoji="0" lang="en-US" sz="800" b="0" i="0" u="none" strike="noStrike" kern="1200" dirty="0" smtClean="0">
+                        <a:rPr kumimoji="0" lang="en-US" sz="800" b="0" i="0" u="none" strike="noStrike" kern="1200" dirty="0">
                           <a:solidFill>
                             <a:srgbClr val="000000"/>
                           </a:solidFill>
@@ -6807,29 +7606,8 @@
                           <a:ea typeface="+mn-ea"/>
                           <a:cs typeface="+mn-cs"/>
                         </a:rPr>
-                        <a:t>Published</a:t>
-                      </a:r>
-                      <a:r>
-                        <a:rPr kumimoji="0" lang="en-US" sz="800" b="0" i="0" u="none" strike="noStrike" kern="1200" baseline="0" dirty="0" smtClean="0">
-                          <a:solidFill>
-                            <a:srgbClr val="000000"/>
-                          </a:solidFill>
-                          <a:effectLst/>
-                          <a:latin typeface="Arial"/>
-                          <a:ea typeface="+mn-ea"/>
-                          <a:cs typeface="+mn-cs"/>
-                        </a:rPr>
-                        <a:t> message visible on subscriptions console</a:t>
-                      </a:r>
-                      <a:endParaRPr kumimoji="0" lang="en-US" sz="800" b="0" i="0" u="none" strike="noStrike" kern="1200" dirty="0">
-                        <a:solidFill>
-                          <a:srgbClr val="000000"/>
-                        </a:solidFill>
-                        <a:effectLst/>
-                        <a:latin typeface="Arial"/>
-                        <a:ea typeface="+mn-ea"/>
-                        <a:cs typeface="+mn-cs"/>
-                      </a:endParaRPr>
+                        <a:t>SNS endpoint subscriptions are visible</a:t>
+                      </a:r>
                     </a:p>
                   </a:txBody>
                   <a:tcPr marL="6343" marR="6343" marT="6343" marB="0" anchor="b"/>
@@ -6841,7 +7619,7 @@
                     <a:p>
                       <a:pPr marL="0" algn="ctr" rtl="0" eaLnBrk="1" fontAlgn="b" latinLnBrk="0" hangingPunct="1"/>
                       <a:r>
-                        <a:rPr kumimoji="0" lang="en-US" sz="800" b="0" i="0" u="none" strike="noStrike" kern="1200">
+                        <a:rPr kumimoji="0" lang="en-US" sz="800" b="0" i="0" u="none" strike="noStrike" kern="1200" dirty="0">
                           <a:solidFill>
                             <a:srgbClr val="000000"/>
                           </a:solidFill>
@@ -6856,8 +7634,13 @@
                   </a:txBody>
                   <a:tcPr marL="6343" marR="6343" marT="6343" marB="0" anchor="b"/>
                 </a:tc>
+                <a:extLst>
+                  <a:ext uri="{0D108BD9-81ED-4DB2-BD59-A6C34878D82A}">
+                    <a16:rowId xmlns:a16="http://schemas.microsoft.com/office/drawing/2014/main" val="10006"/>
+                  </a:ext>
+                </a:extLst>
               </a:tr>
-              <a:tr h="597002">
+              <a:tr h="449914">
                 <a:tc>
                   <a:txBody>
                     <a:bodyPr/>
@@ -6865,7 +7648,7 @@
                     <a:p>
                       <a:pPr marL="0" algn="ctr" rtl="0" eaLnBrk="1" fontAlgn="b" latinLnBrk="0" hangingPunct="1"/>
                       <a:r>
-                        <a:rPr kumimoji="0" lang="en-US" sz="800" b="0" i="0" u="none" strike="noStrike" kern="1200">
+                        <a:rPr kumimoji="0" lang="en-US" sz="800" b="0" i="0" u="none" strike="noStrike" kern="1200" dirty="0">
                           <a:solidFill>
                             <a:srgbClr val="000000"/>
                           </a:solidFill>
@@ -6874,7 +7657,7 @@
                           <a:ea typeface="+mn-ea"/>
                           <a:cs typeface="+mn-cs"/>
                         </a:rPr>
-                        <a:t>5</a:t>
+                        <a:t>7</a:t>
                       </a:r>
                     </a:p>
                   </a:txBody>
@@ -6894,7 +7677,7 @@
                           <a:effectLst/>
                           <a:latin typeface="Arial"/>
                         </a:rPr>
-                        <a:t>Creation of SNS topic in Amazon SNS</a:t>
+                        <a:t>Publishing a message in SNS topic</a:t>
                       </a:r>
                     </a:p>
                   </a:txBody>
@@ -6914,7 +7697,7 @@
                           <a:effectLst/>
                           <a:latin typeface="Arial"/>
                         </a:rPr>
-                        <a:t>1. Open Amazon SNS Console.</a:t>
+                        <a:t>1. click on Publish Message.</a:t>
                       </a:r>
                       <a:br>
                         <a:rPr lang="en-US" sz="800" b="0" i="0" u="none" strike="noStrike" dirty="0">
@@ -6933,27 +7716,7 @@
                           <a:effectLst/>
                           <a:latin typeface="Arial"/>
                         </a:rPr>
-                        <a:t>2. Create a Topic </a:t>
-                      </a:r>
-                      <a:r>
-                        <a:rPr lang="en-US" sz="800" b="0" i="0" u="none" strike="noStrike" dirty="0" err="1">
-                          <a:solidFill>
-                            <a:srgbClr val="000000"/>
-                          </a:solidFill>
-                          <a:effectLst/>
-                          <a:latin typeface="Arial"/>
-                        </a:rPr>
-                        <a:t>ChildAlertSystem</a:t>
-                      </a:r>
-                      <a:r>
-                        <a:rPr lang="en-US" sz="800" b="0" i="0" u="none" strike="noStrike" dirty="0">
-                          <a:solidFill>
-                            <a:srgbClr val="000000"/>
-                          </a:solidFill>
-                          <a:effectLst/>
-                          <a:latin typeface="Arial"/>
-                        </a:rPr>
-                        <a:t>.</a:t>
+                        <a:t>2.Fill the Message Details and</a:t>
                       </a:r>
                       <a:br>
                         <a:rPr lang="en-US" sz="800" b="0" i="0" u="none" strike="noStrike" dirty="0">
@@ -6972,7 +7735,26 @@
                           <a:effectLst/>
                           <a:latin typeface="Arial"/>
                         </a:rPr>
-                        <a:t>3.copy and save the topic ARN</a:t>
+                        <a:t> Body and Attributes.</a:t>
+                      </a:r>
+                      <a:br>
+                        <a:rPr lang="en-US" sz="800" b="0" i="0" u="none" strike="noStrike" dirty="0">
+                          <a:solidFill>
+                            <a:srgbClr val="000000"/>
+                          </a:solidFill>
+                          <a:effectLst/>
+                          <a:latin typeface="Arial"/>
+                        </a:rPr>
+                      </a:br>
+                      <a:r>
+                        <a:rPr lang="en-US" sz="800" b="0" i="0" u="none" strike="noStrike" dirty="0">
+                          <a:solidFill>
+                            <a:srgbClr val="000000"/>
+                          </a:solidFill>
+                          <a:effectLst/>
+                          <a:latin typeface="Arial"/>
+                        </a:rPr>
+                        <a:t>3.Click on publish message.</a:t>
                       </a:r>
                     </a:p>
                   </a:txBody>
@@ -6992,26 +7774,7 @@
                           <a:effectLst/>
                           <a:latin typeface="Arial"/>
                         </a:rPr>
-                        <a:t>The Topic Child Alert System should be created and visible in Amazon </a:t>
-                      </a:r>
-                      <a:br>
-                        <a:rPr lang="en-US" sz="800" b="0" i="0" u="none" strike="noStrike" dirty="0">
-                          <a:solidFill>
-                            <a:srgbClr val="000000"/>
-                          </a:solidFill>
-                          <a:effectLst/>
-                          <a:latin typeface="Arial"/>
-                        </a:rPr>
-                      </a:br>
-                      <a:r>
-                        <a:rPr lang="en-US" sz="800" b="0" i="0" u="none" strike="noStrike" dirty="0">
-                          <a:solidFill>
-                            <a:srgbClr val="000000"/>
-                          </a:solidFill>
-                          <a:effectLst/>
-                          <a:latin typeface="Arial"/>
-                        </a:rPr>
-                        <a:t>SNS</a:t>
+                        <a:t>The Published message should be visible in provided End Point Mobile.</a:t>
                       </a:r>
                     </a:p>
                   </a:txBody>
@@ -7024,7 +7787,7 @@
                     <a:p>
                       <a:pPr marL="0" algn="ctr" rtl="0" eaLnBrk="1" fontAlgn="b" latinLnBrk="0" hangingPunct="1"/>
                       <a:r>
-                        <a:rPr kumimoji="0" lang="en-US" sz="800" b="0" i="0" u="none" strike="noStrike" kern="1200" dirty="0" smtClean="0">
+                        <a:rPr kumimoji="0" lang="en-US" sz="800" b="0" i="0" u="none" strike="noStrike" kern="1200" dirty="0">
                           <a:solidFill>
                             <a:srgbClr val="000000"/>
                           </a:solidFill>
@@ -7033,446 +7796,8 @@
                           <a:ea typeface="+mn-ea"/>
                           <a:cs typeface="+mn-cs"/>
                         </a:rPr>
-                        <a:t>Child</a:t>
-                      </a:r>
-                      <a:r>
-                        <a:rPr kumimoji="0" lang="en-US" sz="800" b="0" i="0" u="none" strike="noStrike" kern="1200" baseline="0" dirty="0" smtClean="0">
-                          <a:solidFill>
-                            <a:srgbClr val="000000"/>
-                          </a:solidFill>
-                          <a:effectLst/>
-                          <a:latin typeface="Arial"/>
-                          <a:ea typeface="+mn-ea"/>
-                          <a:cs typeface="+mn-cs"/>
-                        </a:rPr>
-                        <a:t> Alert System topic is visible</a:t>
-                      </a:r>
-                      <a:endParaRPr kumimoji="0" lang="en-US" sz="800" b="0" i="0" u="none" strike="noStrike" kern="1200" dirty="0">
-                        <a:solidFill>
-                          <a:srgbClr val="000000"/>
-                        </a:solidFill>
-                        <a:effectLst/>
-                        <a:latin typeface="Arial"/>
-                        <a:ea typeface="+mn-ea"/>
-                        <a:cs typeface="+mn-cs"/>
-                      </a:endParaRPr>
-                    </a:p>
-                  </a:txBody>
-                  <a:tcPr marL="6343" marR="6343" marT="6343" marB="0" anchor="b"/>
-                </a:tc>
-                <a:tc>
-                  <a:txBody>
-                    <a:bodyPr/>
-                    <a:lstStyle/>
-                    <a:p>
-                      <a:pPr marL="0" algn="ctr" rtl="0" eaLnBrk="1" fontAlgn="b" latinLnBrk="0" hangingPunct="1"/>
-                      <a:r>
-                        <a:rPr kumimoji="0" lang="en-US" sz="800" b="0" i="0" u="none" strike="noStrike" kern="1200">
-                          <a:solidFill>
-                            <a:srgbClr val="000000"/>
-                          </a:solidFill>
-                          <a:effectLst/>
-                          <a:latin typeface="Arial"/>
-                          <a:ea typeface="+mn-ea"/>
-                          <a:cs typeface="+mn-cs"/>
-                        </a:rPr>
-                        <a:t>Pass</a:t>
-                      </a:r>
-                    </a:p>
-                  </a:txBody>
-                  <a:tcPr marL="6343" marR="6343" marT="6343" marB="0" anchor="b"/>
-                </a:tc>
-              </a:tr>
-              <a:tr h="449914">
-                <a:tc>
-                  <a:txBody>
-                    <a:bodyPr/>
-                    <a:lstStyle/>
-                    <a:p>
-                      <a:pPr marL="0" algn="ctr" rtl="0" eaLnBrk="1" fontAlgn="b" latinLnBrk="0" hangingPunct="1"/>
-                      <a:r>
-                        <a:rPr kumimoji="0" lang="en-US" sz="800" b="0" i="0" u="none" strike="noStrike" kern="1200">
-                          <a:solidFill>
-                            <a:srgbClr val="000000"/>
-                          </a:solidFill>
-                          <a:effectLst/>
-                          <a:latin typeface="Arial"/>
-                          <a:ea typeface="+mn-ea"/>
-                          <a:cs typeface="+mn-cs"/>
-                        </a:rPr>
-                        <a:t>6</a:t>
-                      </a:r>
-                    </a:p>
-                  </a:txBody>
-                  <a:tcPr marL="6343" marR="6343" marT="6343" marB="0" anchor="b"/>
-                </a:tc>
-                <a:tc>
-                  <a:txBody>
-                    <a:bodyPr/>
-                    <a:lstStyle/>
-                    <a:p>
-                      <a:pPr algn="l" fontAlgn="b"/>
-                      <a:r>
-                        <a:rPr lang="en-US" sz="800" b="0" i="0" u="none" strike="noStrike" dirty="0">
-                          <a:solidFill>
-                            <a:srgbClr val="000000"/>
-                          </a:solidFill>
-                          <a:effectLst/>
-                          <a:latin typeface="Arial"/>
-                        </a:rPr>
-                        <a:t>Creation of SNS topic Subscription in Amazon SNS</a:t>
-                      </a:r>
-                    </a:p>
-                  </a:txBody>
-                  <a:tcPr marL="0" marR="0" marT="0" marB="0" anchor="b"/>
-                </a:tc>
-                <a:tc>
-                  <a:txBody>
-                    <a:bodyPr/>
-                    <a:lstStyle/>
-                    <a:p>
-                      <a:pPr algn="l" fontAlgn="b"/>
-                      <a:r>
-                        <a:rPr lang="en-US" sz="800" b="0" i="0" u="none" strike="noStrike" dirty="0">
-                          <a:solidFill>
-                            <a:srgbClr val="000000"/>
-                          </a:solidFill>
-                          <a:effectLst/>
-                          <a:latin typeface="Arial"/>
-                        </a:rPr>
-                        <a:t>1.Open the created SNS  topic.</a:t>
-                      </a:r>
-                      <a:br>
-                        <a:rPr lang="en-US" sz="800" b="0" i="0" u="none" strike="noStrike" dirty="0">
-                          <a:solidFill>
-                            <a:srgbClr val="000000"/>
-                          </a:solidFill>
-                          <a:effectLst/>
-                          <a:latin typeface="Arial"/>
-                        </a:rPr>
-                      </a:br>
-                      <a:r>
-                        <a:rPr lang="en-US" sz="800" b="0" i="0" u="none" strike="noStrike" dirty="0">
-                          <a:solidFill>
-                            <a:srgbClr val="000000"/>
-                          </a:solidFill>
-                          <a:effectLst/>
-                          <a:latin typeface="Arial"/>
-                        </a:rPr>
-                        <a:t>2. Click on Create Subscription.</a:t>
-                      </a:r>
-                      <a:br>
-                        <a:rPr lang="en-US" sz="800" b="0" i="0" u="none" strike="noStrike" dirty="0">
-                          <a:solidFill>
-                            <a:srgbClr val="000000"/>
-                          </a:solidFill>
-                          <a:effectLst/>
-                          <a:latin typeface="Arial"/>
-                        </a:rPr>
-                      </a:br>
-                      <a:r>
-                        <a:rPr lang="en-US" sz="800" b="0" i="0" u="none" strike="noStrike" dirty="0">
-                          <a:solidFill>
-                            <a:srgbClr val="000000"/>
-                          </a:solidFill>
-                          <a:effectLst/>
-                          <a:latin typeface="Arial"/>
-                        </a:rPr>
-                        <a:t>3.Select the Protocol type and enter the endpoint(Mobile </a:t>
-                      </a:r>
-                      <a:r>
-                        <a:rPr lang="en-US" sz="800" b="0" i="0" u="none" strike="noStrike" dirty="0" err="1">
-                          <a:solidFill>
-                            <a:srgbClr val="000000"/>
-                          </a:solidFill>
-                          <a:effectLst/>
-                          <a:latin typeface="Arial"/>
-                        </a:rPr>
-                        <a:t>Numer</a:t>
-                      </a:r>
-                      <a:r>
-                        <a:rPr lang="en-US" sz="800" b="0" i="0" u="none" strike="noStrike" dirty="0">
-                          <a:solidFill>
-                            <a:srgbClr val="000000"/>
-                          </a:solidFill>
-                          <a:effectLst/>
-                          <a:latin typeface="Arial"/>
-                        </a:rPr>
-                        <a:t>).</a:t>
-                      </a:r>
-                      <a:br>
-                        <a:rPr lang="en-US" sz="800" b="0" i="0" u="none" strike="noStrike" dirty="0">
-                          <a:solidFill>
-                            <a:srgbClr val="000000"/>
-                          </a:solidFill>
-                          <a:effectLst/>
-                          <a:latin typeface="Arial"/>
-                        </a:rPr>
-                      </a:br>
-                      <a:r>
-                        <a:rPr lang="en-US" sz="800" b="0" i="0" u="none" strike="noStrike" dirty="0">
-                          <a:solidFill>
-                            <a:srgbClr val="000000"/>
-                          </a:solidFill>
-                          <a:effectLst/>
-                          <a:latin typeface="Arial"/>
-                        </a:rPr>
-                        <a:t>4.Click on Create Subscription.</a:t>
-                      </a:r>
-                    </a:p>
-                  </a:txBody>
-                  <a:tcPr marL="0" marR="0" marT="0" marB="0" anchor="b"/>
-                </a:tc>
-                <a:tc>
-                  <a:txBody>
-                    <a:bodyPr/>
-                    <a:lstStyle/>
-                    <a:p>
-                      <a:pPr algn="l" fontAlgn="b"/>
-                      <a:r>
-                        <a:rPr lang="en-US" sz="800" b="0" i="0" u="none" strike="noStrike" dirty="0">
-                          <a:solidFill>
-                            <a:srgbClr val="000000"/>
-                          </a:solidFill>
-                          <a:effectLst/>
-                          <a:latin typeface="Arial"/>
-                        </a:rPr>
-                        <a:t>The SNS Subscriptions should be created and visible under SNS topic</a:t>
-                      </a:r>
-                    </a:p>
-                  </a:txBody>
-                  <a:tcPr marL="0" marR="0" marT="0" marB="0" anchor="b"/>
-                </a:tc>
-                <a:tc>
-                  <a:txBody>
-                    <a:bodyPr/>
-                    <a:lstStyle/>
-                    <a:p>
-                      <a:pPr marL="0" algn="ctr" rtl="0" eaLnBrk="1" fontAlgn="b" latinLnBrk="0" hangingPunct="1"/>
-                      <a:r>
-                        <a:rPr kumimoji="0" lang="en-US" sz="800" b="0" i="0" u="none" strike="noStrike" kern="1200" dirty="0" smtClean="0">
-                          <a:solidFill>
-                            <a:srgbClr val="000000"/>
-                          </a:solidFill>
-                          <a:effectLst/>
-                          <a:latin typeface="Arial"/>
-                          <a:ea typeface="+mn-ea"/>
-                          <a:cs typeface="+mn-cs"/>
-                        </a:rPr>
-                        <a:t>SNS endpoint subscriptions are visible</a:t>
-                      </a:r>
-                      <a:endParaRPr kumimoji="0" lang="en-US" sz="800" b="0" i="0" u="none" strike="noStrike" kern="1200" dirty="0">
-                        <a:solidFill>
-                          <a:srgbClr val="000000"/>
-                        </a:solidFill>
-                        <a:effectLst/>
-                        <a:latin typeface="Arial"/>
-                        <a:ea typeface="+mn-ea"/>
-                        <a:cs typeface="+mn-cs"/>
-                      </a:endParaRPr>
-                    </a:p>
-                  </a:txBody>
-                  <a:tcPr marL="6343" marR="6343" marT="6343" marB="0" anchor="b"/>
-                </a:tc>
-                <a:tc>
-                  <a:txBody>
-                    <a:bodyPr/>
-                    <a:lstStyle/>
-                    <a:p>
-                      <a:pPr marL="0" algn="ctr" rtl="0" eaLnBrk="1" fontAlgn="b" latinLnBrk="0" hangingPunct="1"/>
-                      <a:r>
-                        <a:rPr kumimoji="0" lang="en-US" sz="800" b="0" i="0" u="none" strike="noStrike" kern="1200" dirty="0">
-                          <a:solidFill>
-                            <a:srgbClr val="000000"/>
-                          </a:solidFill>
-                          <a:effectLst/>
-                          <a:latin typeface="Arial"/>
-                          <a:ea typeface="+mn-ea"/>
-                          <a:cs typeface="+mn-cs"/>
-                        </a:rPr>
-                        <a:t>Pass</a:t>
-                      </a:r>
-                    </a:p>
-                  </a:txBody>
-                  <a:tcPr marL="6343" marR="6343" marT="6343" marB="0" anchor="b"/>
-                </a:tc>
-              </a:tr>
-              <a:tr h="449914">
-                <a:tc>
-                  <a:txBody>
-                    <a:bodyPr/>
-                    <a:lstStyle/>
-                    <a:p>
-                      <a:pPr marL="0" algn="ctr" rtl="0" eaLnBrk="1" fontAlgn="b" latinLnBrk="0" hangingPunct="1"/>
-                      <a:r>
-                        <a:rPr kumimoji="0" lang="en-US" sz="800" b="0" i="0" u="none" strike="noStrike" kern="1200" dirty="0" smtClean="0">
-                          <a:solidFill>
-                            <a:srgbClr val="000000"/>
-                          </a:solidFill>
-                          <a:effectLst/>
-                          <a:latin typeface="Arial"/>
-                          <a:ea typeface="+mn-ea"/>
-                          <a:cs typeface="+mn-cs"/>
-                        </a:rPr>
-                        <a:t>7</a:t>
-                      </a:r>
-                      <a:endParaRPr kumimoji="0" lang="en-US" sz="800" b="0" i="0" u="none" strike="noStrike" kern="1200" dirty="0">
-                        <a:solidFill>
-                          <a:srgbClr val="000000"/>
-                        </a:solidFill>
-                        <a:effectLst/>
-                        <a:latin typeface="Arial"/>
-                        <a:ea typeface="+mn-ea"/>
-                        <a:cs typeface="+mn-cs"/>
-                      </a:endParaRPr>
-                    </a:p>
-                  </a:txBody>
-                  <a:tcPr marL="6343" marR="6343" marT="6343" marB="0" anchor="b"/>
-                </a:tc>
-                <a:tc>
-                  <a:txBody>
-                    <a:bodyPr/>
-                    <a:lstStyle/>
-                    <a:p>
-                      <a:pPr algn="l" fontAlgn="b"/>
-                      <a:r>
-                        <a:rPr lang="en-US" sz="800" b="0" i="0" u="none" strike="noStrike" dirty="0">
-                          <a:solidFill>
-                            <a:srgbClr val="000000"/>
-                          </a:solidFill>
-                          <a:effectLst/>
-                          <a:latin typeface="Arial"/>
-                        </a:rPr>
-                        <a:t>Publishing a message in SNS topic</a:t>
-                      </a:r>
-                    </a:p>
-                  </a:txBody>
-                  <a:tcPr marL="0" marR="0" marT="0" marB="0" anchor="b"/>
-                </a:tc>
-                <a:tc>
-                  <a:txBody>
-                    <a:bodyPr/>
-                    <a:lstStyle/>
-                    <a:p>
-                      <a:pPr algn="l" fontAlgn="b"/>
-                      <a:r>
-                        <a:rPr lang="en-US" sz="800" b="0" i="0" u="none" strike="noStrike" dirty="0">
-                          <a:solidFill>
-                            <a:srgbClr val="000000"/>
-                          </a:solidFill>
-                          <a:effectLst/>
-                          <a:latin typeface="Arial"/>
-                        </a:rPr>
-                        <a:t>1. click on Publish Message.</a:t>
-                      </a:r>
-                      <a:br>
-                        <a:rPr lang="en-US" sz="800" b="0" i="0" u="none" strike="noStrike" dirty="0">
-                          <a:solidFill>
-                            <a:srgbClr val="000000"/>
-                          </a:solidFill>
-                          <a:effectLst/>
-                          <a:latin typeface="Arial"/>
-                        </a:rPr>
-                      </a:br>
-                      <a:r>
-                        <a:rPr lang="en-US" sz="800" b="0" i="0" u="none" strike="noStrike" dirty="0">
-                          <a:solidFill>
-                            <a:srgbClr val="000000"/>
-                          </a:solidFill>
-                          <a:effectLst/>
-                          <a:latin typeface="Arial"/>
-                        </a:rPr>
-                        <a:t>2.Fill the Message Details and</a:t>
-                      </a:r>
-                      <a:br>
-                        <a:rPr lang="en-US" sz="800" b="0" i="0" u="none" strike="noStrike" dirty="0">
-                          <a:solidFill>
-                            <a:srgbClr val="000000"/>
-                          </a:solidFill>
-                          <a:effectLst/>
-                          <a:latin typeface="Arial"/>
-                        </a:rPr>
-                      </a:br>
-                      <a:r>
-                        <a:rPr lang="en-US" sz="800" b="0" i="0" u="none" strike="noStrike" dirty="0">
-                          <a:solidFill>
-                            <a:srgbClr val="000000"/>
-                          </a:solidFill>
-                          <a:effectLst/>
-                          <a:latin typeface="Arial"/>
-                        </a:rPr>
-                        <a:t> Body and Attributes.</a:t>
-                      </a:r>
-                      <a:br>
-                        <a:rPr lang="en-US" sz="800" b="0" i="0" u="none" strike="noStrike" dirty="0">
-                          <a:solidFill>
-                            <a:srgbClr val="000000"/>
-                          </a:solidFill>
-                          <a:effectLst/>
-                          <a:latin typeface="Arial"/>
-                        </a:rPr>
-                      </a:br>
-                      <a:r>
-                        <a:rPr lang="en-US" sz="800" b="0" i="0" u="none" strike="noStrike" dirty="0">
-                          <a:solidFill>
-                            <a:srgbClr val="000000"/>
-                          </a:solidFill>
-                          <a:effectLst/>
-                          <a:latin typeface="Arial"/>
-                        </a:rPr>
-                        <a:t>3.Click on publish message.</a:t>
-                      </a:r>
-                    </a:p>
-                  </a:txBody>
-                  <a:tcPr marL="0" marR="0" marT="0" marB="0" anchor="b"/>
-                </a:tc>
-                <a:tc>
-                  <a:txBody>
-                    <a:bodyPr/>
-                    <a:lstStyle/>
-                    <a:p>
-                      <a:pPr algn="l" fontAlgn="b"/>
-                      <a:r>
-                        <a:rPr lang="en-US" sz="800" b="0" i="0" u="none" strike="noStrike" dirty="0">
-                          <a:solidFill>
-                            <a:srgbClr val="000000"/>
-                          </a:solidFill>
-                          <a:effectLst/>
-                          <a:latin typeface="Arial"/>
-                        </a:rPr>
-                        <a:t>The Published message should be visible in provided End Point Mobile.</a:t>
-                      </a:r>
-                    </a:p>
-                  </a:txBody>
-                  <a:tcPr marL="0" marR="0" marT="0" marB="0" anchor="b"/>
-                </a:tc>
-                <a:tc>
-                  <a:txBody>
-                    <a:bodyPr/>
-                    <a:lstStyle/>
-                    <a:p>
-                      <a:pPr marL="0" algn="ctr" rtl="0" eaLnBrk="1" fontAlgn="b" latinLnBrk="0" hangingPunct="1"/>
-                      <a:r>
-                        <a:rPr kumimoji="0" lang="en-US" sz="800" b="0" i="0" u="none" strike="noStrike" kern="1200" dirty="0" smtClean="0">
-                          <a:solidFill>
-                            <a:srgbClr val="000000"/>
-                          </a:solidFill>
-                          <a:effectLst/>
-                          <a:latin typeface="Arial"/>
-                          <a:ea typeface="+mn-ea"/>
-                          <a:cs typeface="+mn-cs"/>
-                        </a:rPr>
                         <a:t>Messages received on mobile devices</a:t>
                       </a:r>
-                      <a:endParaRPr kumimoji="0" lang="en-US" sz="800" b="0" i="0" u="none" strike="noStrike" kern="1200" dirty="0">
-                        <a:solidFill>
-                          <a:srgbClr val="000000"/>
-                        </a:solidFill>
-                        <a:effectLst/>
-                        <a:latin typeface="Arial"/>
-                        <a:ea typeface="+mn-ea"/>
-                        <a:cs typeface="+mn-cs"/>
-                      </a:endParaRPr>
                     </a:p>
                   </a:txBody>
                   <a:tcPr marL="6343" marR="6343" marT="6343" marB="0" anchor="b"/>
@@ -7496,6 +7821,11 @@
                   </a:txBody>
                   <a:tcPr marL="6343" marR="6343" marT="6343" marB="0" anchor="b"/>
                 </a:tc>
+                <a:extLst>
+                  <a:ext uri="{0D108BD9-81ED-4DB2-BD59-A6C34878D82A}">
+                    <a16:rowId xmlns:a16="http://schemas.microsoft.com/office/drawing/2014/main" val="10007"/>
+                  </a:ext>
+                </a:extLst>
               </a:tr>
             </a:tbl>
           </a:graphicData>
@@ -7514,7 +7844,7 @@
 </p:sld>
 </file>
 
-<file path=ppt/slides/slide14.xml><?xml version="1.0" encoding="utf-8"?>
+<file path=ppt/slides/slide16.xml><?xml version="1.0" encoding="utf-8"?>
 <p:sld xmlns:a="http://schemas.openxmlformats.org/drawingml/2006/main" xmlns:r="http://schemas.openxmlformats.org/officeDocument/2006/relationships" xmlns:p="http://schemas.openxmlformats.org/presentationml/2006/main">
   <p:cSld>
     <p:spTree>
@@ -7547,10 +7877,9 @@
           <a:lstStyle/>
           <a:p>
             <a:r>
-              <a:rPr lang="en-US" dirty="0" smtClean="0"/>
+              <a:rPr lang="en-US" dirty="0"/>
               <a:t>System Testing and Results</a:t>
             </a:r>
-            <a:endParaRPr lang="en-US" dirty="0"/>
           </a:p>
         </p:txBody>
       </p:sp>
@@ -7577,57 +7906,56 @@
           <a:lstStyle/>
           <a:p>
             <a:r>
-              <a:rPr lang="en-US" dirty="0" smtClean="0"/>
+              <a:rPr lang="en-US" dirty="0"/>
               <a:t>Procedure</a:t>
             </a:r>
           </a:p>
           <a:p>
             <a:pPr lvl="1"/>
             <a:r>
-              <a:rPr lang="en-US" dirty="0" smtClean="0"/>
+              <a:rPr lang="en-US" dirty="0"/>
               <a:t>Weight applied to strain gauges</a:t>
             </a:r>
           </a:p>
           <a:p>
             <a:pPr lvl="1"/>
             <a:r>
-              <a:rPr lang="en-US" dirty="0" smtClean="0"/>
+              <a:rPr lang="en-US" dirty="0"/>
               <a:t>Remove weight from driver gauges</a:t>
             </a:r>
           </a:p>
           <a:p>
             <a:r>
-              <a:rPr lang="en-US" dirty="0" smtClean="0"/>
+              <a:rPr lang="en-US" dirty="0"/>
               <a:t>Results</a:t>
             </a:r>
           </a:p>
           <a:p>
             <a:pPr lvl="1"/>
             <a:r>
-              <a:rPr lang="en-US" dirty="0" smtClean="0"/>
+              <a:rPr lang="en-US" dirty="0"/>
               <a:t>System waits for selected timeframe</a:t>
             </a:r>
           </a:p>
           <a:p>
             <a:pPr lvl="1"/>
             <a:r>
-              <a:rPr lang="en-US" dirty="0" smtClean="0"/>
+              <a:rPr lang="en-US" dirty="0"/>
               <a:t>Serial monitor provides warning that driver is absent</a:t>
             </a:r>
           </a:p>
           <a:p>
             <a:pPr lvl="1"/>
             <a:r>
-              <a:rPr lang="en-US" dirty="0" smtClean="0"/>
+              <a:rPr lang="en-US" dirty="0"/>
               <a:t>Texts and emails received on both mobile devices</a:t>
             </a:r>
           </a:p>
           <a:p>
             <a:r>
-              <a:rPr lang="en-US" dirty="0" smtClean="0"/>
+              <a:rPr lang="en-US" dirty="0"/>
               <a:t>System-level testing was successful</a:t>
             </a:r>
-            <a:endParaRPr lang="en-US" dirty="0"/>
           </a:p>
         </p:txBody>
       </p:sp>
@@ -7644,7 +7972,7 @@
 </p:sld>
 </file>
 
-<file path=ppt/slides/slide15.xml><?xml version="1.0" encoding="utf-8"?>
+<file path=ppt/slides/slide17.xml><?xml version="1.0" encoding="utf-8"?>
 <p:sld xmlns:a="http://schemas.openxmlformats.org/drawingml/2006/main" xmlns:r="http://schemas.openxmlformats.org/officeDocument/2006/relationships" xmlns:p="http://schemas.openxmlformats.org/presentationml/2006/main">
   <p:cSld>
     <p:spTree>
@@ -7677,10 +8005,9 @@
           <a:lstStyle/>
           <a:p>
             <a:r>
-              <a:rPr lang="en-US" dirty="0" smtClean="0"/>
+              <a:rPr lang="en-US" dirty="0"/>
               <a:t>Conclusion</a:t>
             </a:r>
-            <a:endParaRPr lang="en-US" dirty="0"/>
           </a:p>
         </p:txBody>
       </p:sp>
@@ -7707,29 +8034,27 @@
           <a:lstStyle/>
           <a:p>
             <a:r>
-              <a:rPr lang="en-US" dirty="0" smtClean="0"/>
+              <a:rPr lang="en-US" dirty="0"/>
               <a:t>Developed a child car seat alert system</a:t>
             </a:r>
           </a:p>
           <a:p>
             <a:r>
-              <a:rPr lang="en-US" dirty="0" smtClean="0"/>
+              <a:rPr lang="en-US" dirty="0"/>
               <a:t>All requirements successfully met</a:t>
             </a:r>
-            <a:endParaRPr lang="en-US" dirty="0" smtClean="0"/>
-          </a:p>
-          <a:p>
-            <a:r>
-              <a:rPr lang="en-US" dirty="0" smtClean="0"/>
+          </a:p>
+          <a:p>
+            <a:r>
+              <a:rPr lang="en-US" dirty="0"/>
               <a:t>System monitors seat sensors for a driver and child</a:t>
             </a:r>
           </a:p>
           <a:p>
             <a:r>
-              <a:rPr lang="en-US" dirty="0" smtClean="0"/>
+              <a:rPr lang="en-US" dirty="0"/>
               <a:t>Sends text and email alert if child has been left alone in the car</a:t>
             </a:r>
-            <a:endParaRPr lang="en-US" dirty="0"/>
           </a:p>
         </p:txBody>
       </p:sp>
@@ -7779,10 +8104,9 @@
           <a:lstStyle/>
           <a:p>
             <a:r>
-              <a:rPr lang="en-US" dirty="0" smtClean="0"/>
+              <a:rPr lang="en-US" dirty="0"/>
               <a:t>Overview</a:t>
             </a:r>
-            <a:endParaRPr lang="en-US" dirty="0"/>
           </a:p>
         </p:txBody>
       </p:sp>
@@ -7802,49 +8126,51 @@
           <a:lstStyle/>
           <a:p>
             <a:r>
-              <a:rPr lang="en-US" dirty="0" smtClean="0"/>
+              <a:rPr lang="en-US" dirty="0"/>
               <a:t>Concept</a:t>
             </a:r>
-            <a:endParaRPr lang="en-US" dirty="0" smtClean="0"/>
-          </a:p>
-          <a:p>
-            <a:r>
-              <a:rPr lang="en-US" dirty="0" smtClean="0"/>
+          </a:p>
+          <a:p>
+            <a:r>
+              <a:rPr lang="en-US" dirty="0"/>
               <a:t>System Design</a:t>
             </a:r>
           </a:p>
           <a:p>
             <a:r>
-              <a:rPr lang="en-US" dirty="0" smtClean="0"/>
+              <a:rPr lang="en-US" dirty="0"/>
               <a:t>Design Methodology</a:t>
             </a:r>
           </a:p>
           <a:p>
             <a:r>
-              <a:rPr lang="en-US" dirty="0" smtClean="0"/>
+              <a:rPr lang="en-US" dirty="0"/>
               <a:t>Requirements</a:t>
             </a:r>
           </a:p>
           <a:p>
             <a:r>
-              <a:rPr lang="en-US" dirty="0" smtClean="0"/>
+              <a:rPr lang="en-US" dirty="0"/>
               <a:t>Module Testing</a:t>
             </a:r>
-            <a:endParaRPr lang="en-US" dirty="0" smtClean="0"/>
-          </a:p>
-          <a:p>
-            <a:r>
-              <a:rPr lang="en-US" dirty="0" smtClean="0"/>
+          </a:p>
+          <a:p>
+            <a:r>
+              <a:rPr lang="en-US" dirty="0"/>
               <a:t>System Testing and Results</a:t>
             </a:r>
-            <a:endParaRPr lang="en-US" dirty="0" smtClean="0"/>
-          </a:p>
-          <a:p>
-            <a:r>
-              <a:rPr lang="en-US" dirty="0" smtClean="0"/>
+          </a:p>
+          <a:p>
+            <a:r>
+              <a:rPr lang="en-US" dirty="0"/>
+              <a:t>Future Scope</a:t>
+            </a:r>
+          </a:p>
+          <a:p>
+            <a:r>
+              <a:rPr lang="en-US" dirty="0"/>
               <a:t>Conclusion</a:t>
             </a:r>
-            <a:endParaRPr lang="en-US" dirty="0"/>
           </a:p>
         </p:txBody>
       </p:sp>
@@ -7894,10 +8220,9 @@
           <a:lstStyle/>
           <a:p>
             <a:r>
-              <a:rPr lang="en-US" dirty="0" smtClean="0"/>
+              <a:rPr lang="en-US" dirty="0"/>
               <a:t>Concept</a:t>
             </a:r>
-            <a:endParaRPr lang="en-US" dirty="0"/>
           </a:p>
         </p:txBody>
       </p:sp>
@@ -7917,63 +8242,44 @@
           <a:lstStyle/>
           <a:p>
             <a:r>
-              <a:rPr lang="en-US" dirty="0" smtClean="0"/>
-              <a:t>Each year, an average of 37 children </a:t>
-            </a:r>
-            <a:r>
-              <a:rPr lang="en-US" dirty="0" smtClean="0"/>
-              <a:t>die in hot cars in the US</a:t>
-            </a:r>
-            <a:endParaRPr lang="en-US" dirty="0" smtClean="0"/>
-          </a:p>
-          <a:p>
-            <a:r>
-              <a:rPr lang="en-US" dirty="0" smtClean="0"/>
+              <a:rPr lang="en-US" dirty="0"/>
+              <a:t>Each year, an average of 37 children die in hot cars in the US</a:t>
+            </a:r>
+          </a:p>
+          <a:p>
+            <a:r>
+              <a:rPr lang="en-US" dirty="0"/>
               <a:t>Design a system for monitoring a vehicle for a child left alone in a car</a:t>
             </a:r>
           </a:p>
           <a:p>
             <a:r>
-              <a:rPr lang="en-US" dirty="0" smtClean="0"/>
+              <a:rPr lang="en-US" dirty="0"/>
               <a:t>Use an embedded system for monitoring</a:t>
             </a:r>
           </a:p>
           <a:p>
             <a:pPr lvl="1"/>
             <a:r>
-              <a:rPr lang="en-US" dirty="0" smtClean="0"/>
-              <a:t>Connects to software running on PC via </a:t>
-            </a:r>
-            <a:r>
-              <a:rPr lang="en-US" dirty="0" err="1" smtClean="0"/>
-              <a:t>WiFi</a:t>
-            </a:r>
-            <a:endParaRPr lang="en-US" dirty="0" smtClean="0"/>
-          </a:p>
-          <a:p>
-            <a:r>
-              <a:rPr lang="en-US" dirty="0" smtClean="0"/>
-              <a:t>Utilize a software backend that connects to Amazon Web Services (AWS) Internet of Things (</a:t>
-            </a:r>
-            <a:r>
-              <a:rPr lang="en-US" dirty="0" err="1" smtClean="0"/>
-              <a:t>IoT</a:t>
-            </a:r>
-            <a:r>
-              <a:rPr lang="en-US" dirty="0" smtClean="0"/>
-              <a:t>) for communicating with the user</a:t>
-            </a:r>
-          </a:p>
-          <a:p>
-            <a:r>
-              <a:rPr lang="en-US" dirty="0" smtClean="0"/>
+              <a:rPr lang="en-US" dirty="0"/>
+              <a:t>Connects to software running on PC via Wi-Fi</a:t>
+            </a:r>
+          </a:p>
+          <a:p>
+            <a:r>
+              <a:rPr lang="en-US" dirty="0"/>
+              <a:t>Utilize a software backend that connects to Amazon Web Services (AWS) Internet of Things (IoT) for communicating with the user</a:t>
+            </a:r>
+          </a:p>
+          <a:p>
+            <a:r>
+              <a:rPr lang="en-US" dirty="0"/>
               <a:t>Send an alert via text and email if a child is left alone in a vehicle</a:t>
             </a:r>
-            <a:endParaRPr lang="en-US" dirty="0" smtClean="0"/>
           </a:p>
           <a:p>
             <a:pPr lvl="1"/>
-            <a:endParaRPr lang="en-US" dirty="0" smtClean="0"/>
+            <a:endParaRPr lang="en-US" dirty="0"/>
           </a:p>
           <a:p>
             <a:pPr lvl="1"/>
@@ -8027,10 +8333,9 @@
           <a:lstStyle/>
           <a:p>
             <a:r>
-              <a:rPr lang="en-US" dirty="0" smtClean="0"/>
+              <a:rPr lang="en-US" dirty="0"/>
               <a:t>System Design</a:t>
             </a:r>
-            <a:endParaRPr lang="en-US" dirty="0"/>
           </a:p>
         </p:txBody>
       </p:sp>
@@ -8213,7 +8518,7 @@
                 <a:tabLst/>
               </a:pPr>
               <a:r>
-                <a:rPr kumimoji="0" lang="uk-UA" altLang="en-US" sz="1200" b="0" i="0" u="none" strike="noStrike" cap="none" normalizeH="0" baseline="0" smtClean="0">
+                <a:rPr kumimoji="0" lang="uk-UA" altLang="en-US" sz="1200" b="0" i="0" u="none" strike="noStrike" cap="none" normalizeH="0" baseline="0">
                   <a:ln>
                     <a:noFill/>
                   </a:ln>
@@ -8227,7 +8532,7 @@
                 </a:rPr>
                 <a:t>Child Alert System</a:t>
               </a:r>
-              <a:endParaRPr kumimoji="0" lang="uk-UA" altLang="en-US" sz="1800" b="0" i="0" u="none" strike="noStrike" cap="none" normalizeH="0" baseline="0" smtClean="0">
+              <a:endParaRPr kumimoji="0" lang="uk-UA" altLang="en-US" sz="1800" b="0" i="0" u="none" strike="noStrike" cap="none" normalizeH="0" baseline="0">
                 <a:ln>
                   <a:noFill/>
                 </a:ln>
@@ -8294,7 +8599,7 @@
                 <a:tabLst/>
               </a:pPr>
               <a:r>
-                <a:rPr kumimoji="0" lang="en-US" altLang="en-US" sz="1100" b="0" i="0" u="none" strike="noStrike" cap="none" normalizeH="0" baseline="0" smtClean="0">
+                <a:rPr kumimoji="0" lang="en-US" altLang="en-US" sz="1100" b="0" i="0" u="none" strike="noStrike" cap="none" normalizeH="0" baseline="0">
                   <a:ln>
                     <a:noFill/>
                   </a:ln>
@@ -8308,7 +8613,7 @@
                 </a:rPr>
                 <a:t>Embedded System</a:t>
               </a:r>
-              <a:endParaRPr kumimoji="0" lang="en-US" altLang="en-US" sz="1800" b="0" i="0" u="none" strike="noStrike" cap="none" normalizeH="0" baseline="0" smtClean="0">
+              <a:endParaRPr kumimoji="0" lang="en-US" altLang="en-US" sz="1800" b="0" i="0" u="none" strike="noStrike" cap="none" normalizeH="0" baseline="0">
                 <a:ln>
                   <a:noFill/>
                 </a:ln>
@@ -8375,7 +8680,7 @@
                 <a:tabLst/>
               </a:pPr>
               <a:r>
-                <a:rPr kumimoji="0" lang="en-US" altLang="en-US" sz="1200" b="0" i="0" u="none" strike="noStrike" cap="none" normalizeH="0" baseline="0" smtClean="0">
+                <a:rPr kumimoji="0" lang="en-US" altLang="en-US" sz="1200" b="0" i="0" u="none" strike="noStrike" cap="none" normalizeH="0" baseline="0" dirty="0">
                   <a:ln>
                     <a:noFill/>
                   </a:ln>
@@ -8387,9 +8692,9 @@
                   <a:ea typeface="Times New Roman" pitchFamily="18" charset="0"/>
                   <a:cs typeface="Arial" pitchFamily="34" charset="0"/>
                 </a:rPr>
-                <a:t>IOT Server</a:t>
+                <a:t>IoT Server</a:t>
               </a:r>
-              <a:endParaRPr kumimoji="0" lang="en-US" altLang="en-US" sz="1800" b="0" i="0" u="none" strike="noStrike" cap="none" normalizeH="0" baseline="0" smtClean="0">
+              <a:endParaRPr kumimoji="0" lang="en-US" altLang="en-US" sz="1800" b="0" i="0" u="none" strike="noStrike" cap="none" normalizeH="0" baseline="0" dirty="0">
                 <a:ln>
                   <a:noFill/>
                 </a:ln>
@@ -8456,7 +8761,7 @@
                 <a:tabLst/>
               </a:pPr>
               <a:r>
-                <a:rPr kumimoji="0" lang="en-US" altLang="en-US" sz="1100" b="0" i="0" u="none" strike="noStrike" cap="none" normalizeH="0" baseline="0" smtClean="0">
+                <a:rPr kumimoji="0" lang="en-US" altLang="en-US" sz="1100" b="0" i="0" u="none" strike="noStrike" cap="none" normalizeH="0" baseline="0">
                   <a:ln>
                     <a:noFill/>
                   </a:ln>
@@ -8470,7 +8775,7 @@
                 </a:rPr>
                 <a:t>Hardware</a:t>
               </a:r>
-              <a:endParaRPr kumimoji="0" lang="en-US" altLang="en-US" sz="1800" b="0" i="0" u="none" strike="noStrike" cap="none" normalizeH="0" baseline="0" smtClean="0">
+              <a:endParaRPr kumimoji="0" lang="en-US" altLang="en-US" sz="1800" b="0" i="0" u="none" strike="noStrike" cap="none" normalizeH="0" baseline="0">
                 <a:ln>
                   <a:noFill/>
                 </a:ln>
@@ -8537,7 +8842,7 @@
                 <a:tabLst/>
               </a:pPr>
               <a:r>
-                <a:rPr kumimoji="0" lang="en-US" altLang="en-US" sz="1100" b="0" i="0" u="none" strike="noStrike" cap="none" normalizeH="0" baseline="0" smtClean="0">
+                <a:rPr kumimoji="0" lang="en-US" altLang="en-US" sz="1100" b="0" i="0" u="none" strike="noStrike" cap="none" normalizeH="0" baseline="0">
                   <a:ln>
                     <a:noFill/>
                   </a:ln>
@@ -8551,7 +8856,7 @@
                 </a:rPr>
                 <a:t>Software</a:t>
               </a:r>
-              <a:endParaRPr kumimoji="0" lang="en-US" altLang="en-US" sz="1800" b="0" i="0" u="none" strike="noStrike" cap="none" normalizeH="0" baseline="0" smtClean="0">
+              <a:endParaRPr kumimoji="0" lang="en-US" altLang="en-US" sz="1800" b="0" i="0" u="none" strike="noStrike" cap="none" normalizeH="0" baseline="0">
                 <a:ln>
                   <a:noFill/>
                 </a:ln>
@@ -8618,7 +8923,7 @@
                 <a:tabLst/>
               </a:pPr>
               <a:r>
-                <a:rPr kumimoji="0" lang="en-US" altLang="en-US" sz="1100" b="0" i="0" u="none" strike="noStrike" cap="none" normalizeH="0" baseline="0" dirty="0" smtClean="0">
+                <a:rPr kumimoji="0" lang="en-US" altLang="en-US" sz="1100" b="0" i="0" u="none" strike="noStrike" cap="none" normalizeH="0" baseline="0" dirty="0">
                   <a:ln>
                     <a:noFill/>
                   </a:ln>
@@ -8632,7 +8937,7 @@
                 </a:rPr>
                 <a:t>Sensors</a:t>
               </a:r>
-              <a:endParaRPr kumimoji="0" lang="en-US" altLang="en-US" sz="1200" b="0" i="0" u="none" strike="noStrike" cap="none" normalizeH="0" baseline="0" dirty="0" smtClean="0">
+              <a:endParaRPr kumimoji="0" lang="en-US" altLang="en-US" sz="1200" b="0" i="0" u="none" strike="noStrike" cap="none" normalizeH="0" baseline="0" dirty="0">
                 <a:ln>
                   <a:noFill/>
                 </a:ln>
@@ -8700,7 +9005,7 @@
                 <a:tabLst/>
               </a:pPr>
               <a:r>
-                <a:rPr kumimoji="0" lang="en-US" altLang="en-US" sz="1100" b="0" i="0" u="none" strike="noStrike" cap="none" normalizeH="0" baseline="0" smtClean="0">
+                <a:rPr kumimoji="0" lang="en-US" altLang="en-US" sz="1100" b="0" i="0" u="none" strike="noStrike" cap="none" normalizeH="0" baseline="0">
                   <a:ln>
                     <a:noFill/>
                   </a:ln>
@@ -8714,7 +9019,7 @@
                 </a:rPr>
                 <a:t>Wireless Hardware</a:t>
               </a:r>
-              <a:endParaRPr kumimoji="0" lang="en-US" altLang="en-US" sz="1800" b="0" i="0" u="none" strike="noStrike" cap="none" normalizeH="0" baseline="0" smtClean="0">
+              <a:endParaRPr kumimoji="0" lang="en-US" altLang="en-US" sz="1800" b="0" i="0" u="none" strike="noStrike" cap="none" normalizeH="0" baseline="0">
                 <a:ln>
                   <a:noFill/>
                 </a:ln>
@@ -9063,7 +9368,7 @@
                 <a:tabLst/>
               </a:pPr>
               <a:r>
-                <a:rPr kumimoji="0" lang="en-US" altLang="en-US" sz="1200" b="0" i="0" u="none" strike="noStrike" cap="none" normalizeH="0" baseline="0" smtClean="0">
+                <a:rPr kumimoji="0" lang="en-US" altLang="en-US" sz="1200" b="0" i="0" u="none" strike="noStrike" cap="none" normalizeH="0" baseline="0">
                   <a:ln>
                     <a:noFill/>
                   </a:ln>
@@ -9077,7 +9382,7 @@
                 </a:rPr>
                 <a:t>         SNS </a:t>
               </a:r>
-              <a:endParaRPr kumimoji="0" lang="en-US" altLang="en-US" sz="1800" b="0" i="0" u="none" strike="noStrike" cap="none" normalizeH="0" baseline="0" smtClean="0">
+              <a:endParaRPr kumimoji="0" lang="en-US" altLang="en-US" sz="1800" b="0" i="0" u="none" strike="noStrike" cap="none" normalizeH="0" baseline="0">
                 <a:ln>
                   <a:noFill/>
                 </a:ln>
@@ -9173,10 +9478,9 @@
           <a:lstStyle/>
           <a:p>
             <a:r>
-              <a:rPr lang="en-US" dirty="0" smtClean="0"/>
+              <a:rPr lang="en-US" dirty="0"/>
               <a:t>Entity Relationship Diagram</a:t>
             </a:r>
-            <a:endParaRPr lang="en-US" dirty="0"/>
           </a:p>
         </p:txBody>
       </p:sp>
@@ -10784,10 +11088,9 @@
           <a:lstStyle/>
           <a:p>
             <a:r>
-              <a:rPr lang="en-US" dirty="0" smtClean="0"/>
+              <a:rPr lang="en-US" dirty="0"/>
               <a:t>Hardware Selection</a:t>
             </a:r>
-            <a:endParaRPr lang="en-US" dirty="0"/>
           </a:p>
         </p:txBody>
       </p:sp>
@@ -10814,81 +11117,63 @@
           <a:lstStyle/>
           <a:p>
             <a:r>
-              <a:rPr lang="en-US" dirty="0" smtClean="0"/>
-              <a:t>Arduino Nano 33 </a:t>
-            </a:r>
-            <a:r>
-              <a:rPr lang="en-US" dirty="0" err="1" smtClean="0"/>
-              <a:t>IoT</a:t>
-            </a:r>
-            <a:r>
-              <a:rPr lang="en-US" dirty="0" smtClean="0"/>
-              <a:t> selected as embedded system processor</a:t>
+              <a:rPr lang="en-US" dirty="0"/>
+              <a:t>Arduino Nano 33 IoT selected as embedded system processor</a:t>
             </a:r>
           </a:p>
           <a:p>
             <a:pPr lvl="1"/>
             <a:r>
-              <a:rPr lang="en-US" dirty="0" smtClean="0"/>
-              <a:t>Contains onboard </a:t>
-            </a:r>
-            <a:r>
-              <a:rPr lang="en-US" dirty="0" err="1" smtClean="0"/>
-              <a:t>WiFi</a:t>
-            </a:r>
-            <a:r>
-              <a:rPr lang="en-US" dirty="0" smtClean="0"/>
-              <a:t>/Bluetooth module</a:t>
-            </a:r>
-          </a:p>
-          <a:p>
-            <a:r>
-              <a:rPr lang="en-US" dirty="0" smtClean="0"/>
+              <a:rPr lang="en-US" dirty="0"/>
+              <a:t>Contains onboard Wi-Fi/Bluetooth module</a:t>
+            </a:r>
+          </a:p>
+          <a:p>
+            <a:r>
+              <a:rPr lang="en-US" dirty="0"/>
               <a:t>3-wire strain gauges</a:t>
             </a:r>
           </a:p>
           <a:p>
             <a:pPr lvl="1"/>
             <a:r>
-              <a:rPr lang="en-US" dirty="0" smtClean="0"/>
+              <a:rPr lang="en-US" dirty="0"/>
               <a:t>Used in pairs to monitor driver and child</a:t>
             </a:r>
           </a:p>
           <a:p>
             <a:pPr lvl="1"/>
             <a:r>
-              <a:rPr lang="en-US" dirty="0" smtClean="0"/>
+              <a:rPr lang="en-US" dirty="0"/>
               <a:t>Generates a voltage differential when force is applied</a:t>
             </a:r>
           </a:p>
           <a:p>
             <a:r>
-              <a:rPr lang="en-US" dirty="0" smtClean="0"/>
+              <a:rPr lang="en-US" dirty="0"/>
               <a:t>HX711 ADC board</a:t>
             </a:r>
           </a:p>
           <a:p>
             <a:pPr lvl="1"/>
             <a:r>
-              <a:rPr lang="en-US" dirty="0" smtClean="0"/>
+              <a:rPr lang="en-US" dirty="0"/>
               <a:t>Combines strain gauges in Wheatstone bridge</a:t>
             </a:r>
-            <a:endParaRPr lang="en-US" dirty="0" smtClean="0"/>
           </a:p>
           <a:p>
             <a:pPr lvl="1"/>
             <a:r>
-              <a:rPr lang="en-US" dirty="0" smtClean="0"/>
+              <a:rPr lang="en-US" dirty="0"/>
               <a:t>24-bit ADC communicates with Arduino</a:t>
             </a:r>
           </a:p>
           <a:p>
             <a:pPr lvl="1"/>
             <a:r>
-              <a:rPr lang="en-US" dirty="0" smtClean="0"/>
+              <a:rPr lang="en-US" dirty="0"/>
               <a:t>Allows Arduino to read voltage difference from strain gauges</a:t>
             </a:r>
-            <a:endParaRPr lang="en-US" dirty="0" smtClean="0"/>
           </a:p>
         </p:txBody>
       </p:sp>
@@ -10938,10 +11223,9 @@
           <a:lstStyle/>
           <a:p>
             <a:r>
-              <a:rPr lang="en-US" dirty="0" smtClean="0"/>
+              <a:rPr lang="en-US" dirty="0"/>
               <a:t>Detailed System Diagram</a:t>
             </a:r>
-            <a:endParaRPr lang="en-US" dirty="0"/>
           </a:p>
         </p:txBody>
       </p:sp>
@@ -10998,7 +11282,7 @@
               <a:tabLst/>
             </a:pPr>
             <a:r>
-              <a:rPr kumimoji="0" lang="en-US" altLang="en-US" sz="1200" b="0" i="0" u="none" strike="noStrike" cap="none" normalizeH="0" baseline="0" dirty="0" smtClean="0">
+              <a:rPr kumimoji="0" lang="en-US" altLang="en-US" sz="1200" b="0" i="0" u="none" strike="noStrike" cap="none" normalizeH="0" baseline="0" dirty="0">
                 <a:ln>
                   <a:noFill/>
                 </a:ln>
@@ -11012,7 +11296,7 @@
               </a:rPr>
               <a:t>Embedded System</a:t>
             </a:r>
-            <a:endParaRPr kumimoji="0" lang="uk-UA" altLang="en-US" sz="1800" b="0" i="0" u="none" strike="noStrike" cap="none" normalizeH="0" baseline="0" dirty="0" smtClean="0">
+            <a:endParaRPr kumimoji="0" lang="uk-UA" altLang="en-US" sz="1800" b="0" i="0" u="none" strike="noStrike" cap="none" normalizeH="0" baseline="0" dirty="0">
               <a:ln>
                 <a:noFill/>
               </a:ln>
@@ -11079,7 +11363,7 @@
               <a:tabLst/>
             </a:pPr>
             <a:r>
-              <a:rPr kumimoji="0" lang="en-US" altLang="en-US" sz="1200" b="0" i="0" u="none" strike="noStrike" cap="none" normalizeH="0" baseline="0" dirty="0" smtClean="0">
+              <a:rPr kumimoji="0" lang="en-US" altLang="en-US" sz="1200" b="0" i="0" u="none" strike="noStrike" cap="none" normalizeH="0" baseline="0" dirty="0">
                 <a:ln>
                   <a:noFill/>
                 </a:ln>
@@ -11093,7 +11377,7 @@
               </a:rPr>
               <a:t>PC Console</a:t>
             </a:r>
-            <a:endParaRPr kumimoji="0" lang="uk-UA" altLang="en-US" sz="1800" b="0" i="0" u="none" strike="noStrike" cap="none" normalizeH="0" baseline="0" dirty="0" smtClean="0">
+            <a:endParaRPr kumimoji="0" lang="uk-UA" altLang="en-US" sz="1800" b="0" i="0" u="none" strike="noStrike" cap="none" normalizeH="0" baseline="0" dirty="0">
               <a:ln>
                 <a:noFill/>
               </a:ln>
@@ -11160,7 +11444,7 @@
               <a:tabLst/>
             </a:pPr>
             <a:r>
-              <a:rPr kumimoji="0" lang="en-US" altLang="en-US" sz="1200" b="0" i="0" u="none" strike="noStrike" cap="none" normalizeH="0" baseline="0" dirty="0" smtClean="0">
+              <a:rPr kumimoji="0" lang="en-US" altLang="en-US" sz="1200" b="0" i="0" u="none" strike="noStrike" cap="none" normalizeH="0" baseline="0" dirty="0">
                 <a:ln>
                   <a:noFill/>
                 </a:ln>
@@ -11175,7 +11459,7 @@
               <a:t>AWS</a:t>
             </a:r>
             <a:r>
-              <a:rPr kumimoji="0" lang="en-US" altLang="en-US" sz="1200" b="0" i="0" u="none" strike="noStrike" cap="none" normalizeH="0" dirty="0" smtClean="0">
+              <a:rPr kumimoji="0" lang="en-US" altLang="en-US" sz="1200" b="0" i="0" u="none" strike="noStrike" cap="none" normalizeH="0" dirty="0">
                 <a:ln>
                   <a:noFill/>
                 </a:ln>
@@ -11187,24 +11471,9 @@
                 <a:ea typeface="Times New Roman" pitchFamily="18" charset="0"/>
                 <a:cs typeface="Times New Roman" pitchFamily="18" charset="0"/>
               </a:rPr>
-              <a:t> </a:t>
-            </a:r>
-            <a:r>
-              <a:rPr kumimoji="0" lang="en-US" altLang="en-US" sz="1200" b="0" i="0" u="none" strike="noStrike" cap="none" normalizeH="0" dirty="0" err="1" smtClean="0">
-                <a:ln>
-                  <a:noFill/>
-                </a:ln>
-                <a:solidFill>
-                  <a:schemeClr val="tx1"/>
-                </a:solidFill>
-                <a:effectLst/>
-                <a:latin typeface="Arial" pitchFamily="34" charset="0"/>
-                <a:ea typeface="Times New Roman" pitchFamily="18" charset="0"/>
-                <a:cs typeface="Times New Roman" pitchFamily="18" charset="0"/>
-              </a:rPr>
-              <a:t>IoT</a:t>
-            </a:r>
-            <a:endParaRPr kumimoji="0" lang="uk-UA" altLang="en-US" sz="1800" b="0" i="0" u="none" strike="noStrike" cap="none" normalizeH="0" baseline="0" dirty="0" smtClean="0">
+              <a:t> IoT</a:t>
+            </a:r>
+            <a:endParaRPr kumimoji="0" lang="uk-UA" altLang="en-US" sz="1800" b="0" i="0" u="none" strike="noStrike" cap="none" normalizeH="0" baseline="0" dirty="0">
               <a:ln>
                 <a:noFill/>
               </a:ln>
@@ -11307,7 +11576,7 @@
               <a:tabLst/>
             </a:pPr>
             <a:r>
-              <a:rPr kumimoji="0" lang="en-US" altLang="en-US" sz="1200" b="0" i="0" u="none" strike="noStrike" cap="none" normalizeH="0" baseline="0" dirty="0" smtClean="0">
+              <a:rPr kumimoji="0" lang="en-US" altLang="en-US" sz="1200" b="0" i="0" u="none" strike="noStrike" cap="none" normalizeH="0" baseline="0" dirty="0">
                 <a:ln>
                   <a:noFill/>
                 </a:ln>
@@ -11322,7 +11591,7 @@
               <a:t>AWS</a:t>
             </a:r>
             <a:r>
-              <a:rPr kumimoji="0" lang="en-US" altLang="en-US" sz="1200" b="0" i="0" u="none" strike="noStrike" cap="none" normalizeH="0" dirty="0" smtClean="0">
+              <a:rPr kumimoji="0" lang="en-US" altLang="en-US" sz="1200" b="0" i="0" u="none" strike="noStrike" cap="none" normalizeH="0" dirty="0">
                 <a:ln>
                   <a:noFill/>
                 </a:ln>
@@ -11336,7 +11605,7 @@
               </a:rPr>
               <a:t> SNS</a:t>
             </a:r>
-            <a:endParaRPr kumimoji="0" lang="uk-UA" altLang="en-US" sz="1800" b="0" i="0" u="none" strike="noStrike" cap="none" normalizeH="0" baseline="0" dirty="0" smtClean="0">
+            <a:endParaRPr kumimoji="0" lang="uk-UA" altLang="en-US" sz="1800" b="0" i="0" u="none" strike="noStrike" cap="none" normalizeH="0" baseline="0" dirty="0">
               <a:ln>
                 <a:noFill/>
               </a:ln>
@@ -11635,7 +11904,7 @@
         <p:spPr>
           <a:xfrm>
             <a:off x="5638800" y="3657600"/>
-            <a:ext cx="685800" cy="369332"/>
+            <a:ext cx="776526" cy="369332"/>
           </a:xfrm>
           <a:prstGeom prst="rect">
             <a:avLst/>
@@ -11649,10 +11918,9 @@
           <a:lstStyle/>
           <a:p>
             <a:r>
-              <a:rPr lang="en-US" dirty="0" err="1" smtClean="0"/>
-              <a:t>WiFi</a:t>
-            </a:r>
-            <a:endParaRPr lang="en-US" dirty="0"/>
+              <a:rPr lang="en-US" dirty="0"/>
+              <a:t>Wi-Fi</a:t>
+            </a:r>
           </a:p>
         </p:txBody>
       </p:sp>
@@ -11783,16 +12051,15 @@
           <a:lstStyle/>
           <a:p>
             <a:r>
-              <a:rPr lang="en-US" dirty="0" smtClean="0"/>
+              <a:rPr lang="en-US" dirty="0"/>
               <a:t>SMS</a:t>
             </a:r>
           </a:p>
           <a:p>
             <a:r>
-              <a:rPr lang="en-US" dirty="0" smtClean="0"/>
+              <a:rPr lang="en-US" dirty="0"/>
               <a:t>Email</a:t>
             </a:r>
-            <a:endParaRPr lang="en-US" dirty="0"/>
           </a:p>
         </p:txBody>
       </p:sp>
@@ -11883,10 +12150,9 @@
           <a:lstStyle/>
           <a:p>
             <a:r>
-              <a:rPr lang="en-US" dirty="0" smtClean="0"/>
+              <a:rPr lang="en-US" dirty="0"/>
               <a:t>Data Flow Diagrams</a:t>
             </a:r>
-            <a:endParaRPr lang="en-US" dirty="0"/>
           </a:p>
         </p:txBody>
       </p:sp>
@@ -12842,7 +13108,7 @@
               </a:spcAft>
             </a:pPr>
             <a:r>
-              <a:rPr lang="en-US" sz="1600" dirty="0" smtClean="0">
+              <a:rPr lang="en-US" sz="1600" dirty="0">
                 <a:effectLst/>
                 <a:latin typeface="Times New Roman"/>
                 <a:ea typeface="Calibri"/>
@@ -12903,7 +13169,7 @@
               </a:spcAft>
             </a:pPr>
             <a:r>
-              <a:rPr lang="en-US" sz="1600" dirty="0" smtClean="0">
+              <a:rPr lang="en-US" sz="1600" dirty="0">
                 <a:effectLst/>
                 <a:latin typeface="Times New Roman"/>
                 <a:ea typeface="Calibri"/>
@@ -13032,10 +13298,9 @@
           <a:lstStyle/>
           <a:p>
             <a:r>
-              <a:rPr lang="en-US" dirty="0" smtClean="0"/>
+              <a:rPr lang="en-US" dirty="0"/>
               <a:t>Design Methodology</a:t>
             </a:r>
-            <a:endParaRPr lang="en-US" dirty="0"/>
           </a:p>
         </p:txBody>
       </p:sp>
@@ -13062,50 +13327,49 @@
           <a:lstStyle/>
           <a:p>
             <a:r>
-              <a:rPr lang="en-US" dirty="0" smtClean="0"/>
+              <a:rPr lang="en-US" dirty="0"/>
               <a:t>Project used the Agile methodology throughout development</a:t>
             </a:r>
           </a:p>
           <a:p>
             <a:r>
-              <a:rPr lang="en-US" dirty="0" smtClean="0"/>
+              <a:rPr lang="en-US" dirty="0"/>
               <a:t>Project was divided into three phases:</a:t>
             </a:r>
           </a:p>
           <a:p>
             <a:pPr lvl="1"/>
             <a:r>
-              <a:rPr lang="en-US" dirty="0" smtClean="0"/>
+              <a:rPr lang="en-US" dirty="0"/>
               <a:t>Identify system and subsystem requirements</a:t>
             </a:r>
           </a:p>
           <a:p>
             <a:pPr lvl="2"/>
             <a:r>
-              <a:rPr lang="en-US" dirty="0" smtClean="0"/>
+              <a:rPr lang="en-US" dirty="0"/>
               <a:t>Includes choosing hardware and programming languages</a:t>
             </a:r>
           </a:p>
           <a:p>
             <a:pPr lvl="1"/>
             <a:r>
-              <a:rPr lang="en-US" dirty="0" smtClean="0"/>
+              <a:rPr lang="en-US" dirty="0"/>
               <a:t>Subsystem design, implementation, and testing</a:t>
             </a:r>
           </a:p>
           <a:p>
             <a:pPr lvl="1"/>
             <a:r>
-              <a:rPr lang="en-US" dirty="0" smtClean="0"/>
+              <a:rPr lang="en-US" dirty="0"/>
               <a:t>System integration and testing</a:t>
             </a:r>
           </a:p>
           <a:p>
             <a:r>
-              <a:rPr lang="en-US" dirty="0" smtClean="0"/>
+              <a:rPr lang="en-US" dirty="0"/>
               <a:t>Short weekly meetings held to discuss problems, design, and progress</a:t>
             </a:r>
-            <a:endParaRPr lang="en-US" dirty="0" smtClean="0"/>
           </a:p>
         </p:txBody>
       </p:sp>

--- a/ChildAlertSystem/ProjectDocuments/ECE574_final_project.pptx
+++ b/ChildAlertSystem/ProjectDocuments/ECE574_final_project.pptx
@@ -122,7 +122,7 @@
   </p:defaultTextStyle>
   <p:extLst>
     <p:ext uri="{EFAFB233-063F-42B5-8137-9DF3F51BA10A}">
-      <p15:sldGuideLst xmlns:p15="http://schemas.microsoft.com/office/powerpoint/2012/main">
+      <p15:sldGuideLst xmlns:p15="http://schemas.microsoft.com/office/powerpoint/2012/main" xmlns="">
         <p15:guide id="1" orient="horz" pos="2160">
           <p15:clr>
             <a:srgbClr val="A4A3A4"/>
@@ -142,50 +142,10 @@
 <file path=ppt/commentAuthors.xml><?xml version="1.0" encoding="utf-8"?>
 <p:cmAuthorLst xmlns:a="http://schemas.openxmlformats.org/drawingml/2006/main" xmlns:r="http://schemas.openxmlformats.org/officeDocument/2006/relationships" xmlns:p="http://schemas.openxmlformats.org/presentationml/2006/main">
   <p:cmAuthor id="1" name="Trishok K." initials="TK" lastIdx="3" clrIdx="0">
-    <p:extLst>
-      <p:ext uri="{19B8F6BF-5375-455C-9EA6-DF929625EA0E}">
-        <p15:presenceInfo xmlns:p15="http://schemas.microsoft.com/office/powerpoint/2012/main" userId="Trishok K." providerId="None"/>
-      </p:ext>
-    </p:extLst>
+    <p:extLst/>
   </p:cmAuthor>
+  <p:cmAuthor id="2" name="ckatkins" initials="c" lastIdx="0" clrIdx="1"/>
 </p:cmAuthorLst>
-</file>
-
-<file path=ppt/comments/comment1.xml><?xml version="1.0" encoding="utf-8"?>
-<p:cmLst xmlns:a="http://schemas.openxmlformats.org/drawingml/2006/main" xmlns:r="http://schemas.openxmlformats.org/officeDocument/2006/relationships" xmlns:p="http://schemas.openxmlformats.org/presentationml/2006/main">
-  <p:cm authorId="1" dt="2019-12-05T19:43:07.573" idx="1">
-    <p:pos x="10" y="10"/>
-    <p:text>Add future Scope</p:text>
-    <p:extLst>
-      <p:ext uri="{C676402C-5697-4E1C-873F-D02D1690AC5C}">
-        <p15:threadingInfo xmlns:p15="http://schemas.microsoft.com/office/powerpoint/2012/main" timeZoneBias="300"/>
-      </p:ext>
-    </p:extLst>
-  </p:cm>
-  <p:cm authorId="1" dt="2019-12-05T19:43:20.520" idx="2">
-    <p:pos x="106" y="106"/>
-    <p:text/>
-    <p:extLst>
-      <p:ext uri="{C676402C-5697-4E1C-873F-D02D1690AC5C}">
-        <p15:threadingInfo xmlns:p15="http://schemas.microsoft.com/office/powerpoint/2012/main" timeZoneBias="300"/>
-      </p:ext>
-    </p:extLst>
-  </p:cm>
-</p:cmLst>
-</file>
-
-<file path=ppt/comments/comment2.xml><?xml version="1.0" encoding="utf-8"?>
-<p:cmLst xmlns:a="http://schemas.openxmlformats.org/drawingml/2006/main" xmlns:r="http://schemas.openxmlformats.org/officeDocument/2006/relationships" xmlns:p="http://schemas.openxmlformats.org/presentationml/2006/main">
-  <p:cm authorId="1" dt="2019-12-05T20:07:32.535" idx="3">
-    <p:pos x="1663" y="1093"/>
-    <p:text>Add the points why agile that were added in report</p:text>
-    <p:extLst>
-      <p:ext uri="{C676402C-5697-4E1C-873F-D02D1690AC5C}">
-        <p15:threadingInfo xmlns:p15="http://schemas.microsoft.com/office/powerpoint/2012/main" timeZoneBias="300"/>
-      </p:ext>
-    </p:extLst>
-  </p:cm>
-</p:cmLst>
 </file>
 
 <file path=ppt/slideLayouts/slideLayout1.xml><?xml version="1.0" encoding="utf-8"?>
@@ -329,7 +289,7 @@
           <a:p>
             <a:fld id="{41F8D19A-CDA4-40C2-B5D8-B7BBF35B7617}" type="datetimeFigureOut">
               <a:rPr lang="en-US" smtClean="0"/>
-              <a:t>12/5/2019</a:t>
+              <a:t>12/8/2019</a:t>
             </a:fld>
             <a:endParaRPr lang="en-US"/>
           </a:p>
@@ -687,7 +647,7 @@
           <a:p>
             <a:fld id="{41F8D19A-CDA4-40C2-B5D8-B7BBF35B7617}" type="datetimeFigureOut">
               <a:rPr lang="en-US" smtClean="0"/>
-              <a:t>12/5/2019</a:t>
+              <a:t>12/8/2019</a:t>
             </a:fld>
             <a:endParaRPr lang="en-US"/>
           </a:p>
@@ -861,7 +821,7 @@
           <a:p>
             <a:fld id="{41F8D19A-CDA4-40C2-B5D8-B7BBF35B7617}" type="datetimeFigureOut">
               <a:rPr lang="en-US" smtClean="0"/>
-              <a:t>12/5/2019</a:t>
+              <a:t>12/8/2019</a:t>
             </a:fld>
             <a:endParaRPr lang="en-US"/>
           </a:p>
@@ -1095,7 +1055,7 @@
           <a:p>
             <a:fld id="{41F8D19A-CDA4-40C2-B5D8-B7BBF35B7617}" type="datetimeFigureOut">
               <a:rPr lang="en-US" smtClean="0"/>
-              <a:t>12/5/2019</a:t>
+              <a:t>12/8/2019</a:t>
             </a:fld>
             <a:endParaRPr lang="en-US"/>
           </a:p>
@@ -1363,7 +1323,7 @@
           <a:p>
             <a:fld id="{41F8D19A-CDA4-40C2-B5D8-B7BBF35B7617}" type="datetimeFigureOut">
               <a:rPr lang="en-US" smtClean="0"/>
-              <a:t>12/5/2019</a:t>
+              <a:t>12/8/2019</a:t>
             </a:fld>
             <a:endParaRPr lang="en-US"/>
           </a:p>
@@ -1582,7 +1542,7 @@
           <a:p>
             <a:fld id="{41F8D19A-CDA4-40C2-B5D8-B7BBF35B7617}" type="datetimeFigureOut">
               <a:rPr lang="en-US" smtClean="0"/>
-              <a:t>12/5/2019</a:t>
+              <a:t>12/8/2019</a:t>
             </a:fld>
             <a:endParaRPr lang="en-US"/>
           </a:p>
@@ -1933,7 +1893,7 @@
           <a:p>
             <a:fld id="{41F8D19A-CDA4-40C2-B5D8-B7BBF35B7617}" type="datetimeFigureOut">
               <a:rPr lang="en-US" smtClean="0"/>
-              <a:t>12/5/2019</a:t>
+              <a:t>12/8/2019</a:t>
             </a:fld>
             <a:endParaRPr lang="en-US"/>
           </a:p>
@@ -2164,7 +2124,7 @@
           <a:p>
             <a:fld id="{41F8D19A-CDA4-40C2-B5D8-B7BBF35B7617}" type="datetimeFigureOut">
               <a:rPr lang="en-US" smtClean="0"/>
-              <a:t>12/5/2019</a:t>
+              <a:t>12/8/2019</a:t>
             </a:fld>
             <a:endParaRPr lang="en-US"/>
           </a:p>
@@ -2304,7 +2264,7 @@
           <a:p>
             <a:fld id="{41F8D19A-CDA4-40C2-B5D8-B7BBF35B7617}" type="datetimeFigureOut">
               <a:rPr lang="en-US" smtClean="0"/>
-              <a:t>12/5/2019</a:t>
+              <a:t>12/8/2019</a:t>
             </a:fld>
             <a:endParaRPr lang="en-US"/>
           </a:p>
@@ -2580,7 +2540,7 @@
           <a:p>
             <a:fld id="{41F8D19A-CDA4-40C2-B5D8-B7BBF35B7617}" type="datetimeFigureOut">
               <a:rPr lang="en-US" smtClean="0"/>
-              <a:t>12/5/2019</a:t>
+              <a:t>12/8/2019</a:t>
             </a:fld>
             <a:endParaRPr lang="en-US"/>
           </a:p>
@@ -2986,7 +2946,7 @@
           <a:p>
             <a:fld id="{41F8D19A-CDA4-40C2-B5D8-B7BBF35B7617}" type="datetimeFigureOut">
               <a:rPr lang="en-US" smtClean="0"/>
-              <a:t>12/5/2019</a:t>
+              <a:t>12/8/2019</a:t>
             </a:fld>
             <a:endParaRPr lang="en-US"/>
           </a:p>
@@ -3322,7 +3282,7 @@
           <a:p>
             <a:fld id="{41F8D19A-CDA4-40C2-B5D8-B7BBF35B7617}" type="datetimeFigureOut">
               <a:rPr lang="en-US" smtClean="0"/>
-              <a:t>12/5/2019</a:t>
+              <a:t>12/8/2019</a:t>
             </a:fld>
             <a:endParaRPr lang="en-US"/>
           </a:p>
@@ -4473,42 +4433,42 @@
                 <a:gridCol w="655915">
                   <a:extLst>
                     <a:ext uri="{9D8B030D-6E8A-4147-A177-3AD203B41FA5}">
-                      <a16:colId xmlns:a16="http://schemas.microsoft.com/office/drawing/2014/main" val="20000"/>
+                      <a16:colId xmlns:a16="http://schemas.microsoft.com/office/drawing/2014/main" xmlns="" val="20000"/>
                     </a:ext>
                   </a:extLst>
                 </a:gridCol>
                 <a:gridCol w="2294332">
                   <a:extLst>
                     <a:ext uri="{9D8B030D-6E8A-4147-A177-3AD203B41FA5}">
-                      <a16:colId xmlns:a16="http://schemas.microsoft.com/office/drawing/2014/main" val="20001"/>
+                      <a16:colId xmlns:a16="http://schemas.microsoft.com/office/drawing/2014/main" xmlns="" val="20001"/>
                     </a:ext>
                   </a:extLst>
                 </a:gridCol>
                 <a:gridCol w="1571918">
                   <a:extLst>
                     <a:ext uri="{9D8B030D-6E8A-4147-A177-3AD203B41FA5}">
-                      <a16:colId xmlns:a16="http://schemas.microsoft.com/office/drawing/2014/main" val="20002"/>
+                      <a16:colId xmlns:a16="http://schemas.microsoft.com/office/drawing/2014/main" xmlns="" val="20002"/>
                     </a:ext>
                   </a:extLst>
                 </a:gridCol>
                 <a:gridCol w="1919747">
                   <a:extLst>
                     <a:ext uri="{9D8B030D-6E8A-4147-A177-3AD203B41FA5}">
-                      <a16:colId xmlns:a16="http://schemas.microsoft.com/office/drawing/2014/main" val="20003"/>
+                      <a16:colId xmlns:a16="http://schemas.microsoft.com/office/drawing/2014/main" xmlns="" val="20003"/>
                     </a:ext>
                   </a:extLst>
                 </a:gridCol>
                 <a:gridCol w="1598674">
                   <a:extLst>
                     <a:ext uri="{9D8B030D-6E8A-4147-A177-3AD203B41FA5}">
-                      <a16:colId xmlns:a16="http://schemas.microsoft.com/office/drawing/2014/main" val="20004"/>
+                      <a16:colId xmlns:a16="http://schemas.microsoft.com/office/drawing/2014/main" xmlns="" val="20004"/>
                     </a:ext>
                   </a:extLst>
                 </a:gridCol>
                 <a:gridCol w="722414">
                   <a:extLst>
                     <a:ext uri="{9D8B030D-6E8A-4147-A177-3AD203B41FA5}">
-                      <a16:colId xmlns:a16="http://schemas.microsoft.com/office/drawing/2014/main" val="20005"/>
+                      <a16:colId xmlns:a16="http://schemas.microsoft.com/office/drawing/2014/main" xmlns="" val="20005"/>
                     </a:ext>
                   </a:extLst>
                 </a:gridCol>
@@ -4648,7 +4608,7 @@
                 </a:tc>
                 <a:extLst>
                   <a:ext uri="{0D108BD9-81ED-4DB2-BD59-A6C34878D82A}">
-                    <a16:rowId xmlns:a16="http://schemas.microsoft.com/office/drawing/2014/main" val="10000"/>
+                    <a16:rowId xmlns:a16="http://schemas.microsoft.com/office/drawing/2014/main" xmlns="" val="10000"/>
                   </a:ext>
                 </a:extLst>
               </a:tr>
@@ -4858,7 +4818,7 @@
                 </a:tc>
                 <a:extLst>
                   <a:ext uri="{0D108BD9-81ED-4DB2-BD59-A6C34878D82A}">
-                    <a16:rowId xmlns:a16="http://schemas.microsoft.com/office/drawing/2014/main" val="10001"/>
+                    <a16:rowId xmlns:a16="http://schemas.microsoft.com/office/drawing/2014/main" xmlns="" val="10001"/>
                   </a:ext>
                 </a:extLst>
               </a:tr>
@@ -5066,7 +5026,7 @@
                 </a:tc>
                 <a:extLst>
                   <a:ext uri="{0D108BD9-81ED-4DB2-BD59-A6C34878D82A}">
-                    <a16:rowId xmlns:a16="http://schemas.microsoft.com/office/drawing/2014/main" val="10002"/>
+                    <a16:rowId xmlns:a16="http://schemas.microsoft.com/office/drawing/2014/main" xmlns="" val="10002"/>
                   </a:ext>
                 </a:extLst>
               </a:tr>
@@ -5274,7 +5234,7 @@
                 </a:tc>
                 <a:extLst>
                   <a:ext uri="{0D108BD9-81ED-4DB2-BD59-A6C34878D82A}">
-                    <a16:rowId xmlns:a16="http://schemas.microsoft.com/office/drawing/2014/main" val="10003"/>
+                    <a16:rowId xmlns:a16="http://schemas.microsoft.com/office/drawing/2014/main" xmlns="" val="10003"/>
                   </a:ext>
                 </a:extLst>
               </a:tr>
@@ -5459,7 +5419,7 @@
                 </a:tc>
                 <a:extLst>
                   <a:ext uri="{0D108BD9-81ED-4DB2-BD59-A6C34878D82A}">
-                    <a16:rowId xmlns:a16="http://schemas.microsoft.com/office/drawing/2014/main" val="10004"/>
+                    <a16:rowId xmlns:a16="http://schemas.microsoft.com/office/drawing/2014/main" xmlns="" val="10004"/>
                   </a:ext>
                 </a:extLst>
               </a:tr>
@@ -5644,7 +5604,7 @@
                 </a:tc>
                 <a:extLst>
                   <a:ext uri="{0D108BD9-81ED-4DB2-BD59-A6C34878D82A}">
-                    <a16:rowId xmlns:a16="http://schemas.microsoft.com/office/drawing/2014/main" val="10005"/>
+                    <a16:rowId xmlns:a16="http://schemas.microsoft.com/office/drawing/2014/main" xmlns="" val="10005"/>
                   </a:ext>
                 </a:extLst>
               </a:tr>
@@ -5806,7 +5766,7 @@
                 </a:tc>
                 <a:extLst>
                   <a:ext uri="{0D108BD9-81ED-4DB2-BD59-A6C34878D82A}">
-                    <a16:rowId xmlns:a16="http://schemas.microsoft.com/office/drawing/2014/main" val="10006"/>
+                    <a16:rowId xmlns:a16="http://schemas.microsoft.com/office/drawing/2014/main" xmlns="" val="10006"/>
                   </a:ext>
                 </a:extLst>
               </a:tr>
@@ -5876,7 +5836,7 @@
           <p:cNvPr id="21" name="Picture 20">
             <a:extLst>
               <a:ext uri="{FF2B5EF4-FFF2-40B4-BE49-F238E27FC236}">
-                <a16:creationId xmlns:a16="http://schemas.microsoft.com/office/drawing/2014/main" id="{32DCFD82-A59F-4BA3-9AED-EDE54D708113}"/>
+                <a16:creationId xmlns:a16="http://schemas.microsoft.com/office/drawing/2014/main" xmlns="" id="{32DCFD82-A59F-4BA3-9AED-EDE54D708113}"/>
               </a:ext>
             </a:extLst>
           </p:cNvPr>
@@ -5912,7 +5872,7 @@
           <p:cNvPr id="24" name="Picture 23">
             <a:extLst>
               <a:ext uri="{FF2B5EF4-FFF2-40B4-BE49-F238E27FC236}">
-                <a16:creationId xmlns:a16="http://schemas.microsoft.com/office/drawing/2014/main" id="{89911AB0-10AD-4000-9B2B-F0D4761FD8FB}"/>
+                <a16:creationId xmlns:a16="http://schemas.microsoft.com/office/drawing/2014/main" xmlns="" id="{89911AB0-10AD-4000-9B2B-F0D4761FD8FB}"/>
               </a:ext>
             </a:extLst>
           </p:cNvPr>
@@ -5948,7 +5908,7 @@
           <p:cNvPr id="26" name="Picture 25">
             <a:extLst>
               <a:ext uri="{FF2B5EF4-FFF2-40B4-BE49-F238E27FC236}">
-                <a16:creationId xmlns:a16="http://schemas.microsoft.com/office/drawing/2014/main" id="{F9AB3D14-0A4B-4F3F-90B4-7CD6AC3D8BA1}"/>
+                <a16:creationId xmlns:a16="http://schemas.microsoft.com/office/drawing/2014/main" xmlns="" id="{F9AB3D14-0A4B-4F3F-90B4-7CD6AC3D8BA1}"/>
               </a:ext>
             </a:extLst>
           </p:cNvPr>
@@ -5984,7 +5944,7 @@
           <p:cNvPr id="27" name="Picture 26">
             <a:extLst>
               <a:ext uri="{FF2B5EF4-FFF2-40B4-BE49-F238E27FC236}">
-                <a16:creationId xmlns:a16="http://schemas.microsoft.com/office/drawing/2014/main" id="{B21C7AC2-A41C-467B-AFFA-ECCBA6D2F55E}"/>
+                <a16:creationId xmlns:a16="http://schemas.microsoft.com/office/drawing/2014/main" xmlns="" id="{B21C7AC2-A41C-467B-AFFA-ECCBA6D2F55E}"/>
               </a:ext>
             </a:extLst>
           </p:cNvPr>
@@ -6043,42 +6003,42 @@
                 <a:gridCol w="655915">
                   <a:extLst>
                     <a:ext uri="{9D8B030D-6E8A-4147-A177-3AD203B41FA5}">
-                      <a16:colId xmlns:a16="http://schemas.microsoft.com/office/drawing/2014/main" val="20000"/>
+                      <a16:colId xmlns:a16="http://schemas.microsoft.com/office/drawing/2014/main" xmlns="" val="20000"/>
                     </a:ext>
                   </a:extLst>
                 </a:gridCol>
                 <a:gridCol w="1172884">
                   <a:extLst>
                     <a:ext uri="{9D8B030D-6E8A-4147-A177-3AD203B41FA5}">
-                      <a16:colId xmlns:a16="http://schemas.microsoft.com/office/drawing/2014/main" val="20001"/>
+                      <a16:colId xmlns:a16="http://schemas.microsoft.com/office/drawing/2014/main" xmlns="" val="20001"/>
                     </a:ext>
                   </a:extLst>
                 </a:gridCol>
                 <a:gridCol w="2693366">
                   <a:extLst>
                     <a:ext uri="{9D8B030D-6E8A-4147-A177-3AD203B41FA5}">
-                      <a16:colId xmlns:a16="http://schemas.microsoft.com/office/drawing/2014/main" val="20002"/>
+                      <a16:colId xmlns:a16="http://schemas.microsoft.com/office/drawing/2014/main" xmlns="" val="20002"/>
                     </a:ext>
                   </a:extLst>
                 </a:gridCol>
                 <a:gridCol w="1919747">
                   <a:extLst>
                     <a:ext uri="{9D8B030D-6E8A-4147-A177-3AD203B41FA5}">
-                      <a16:colId xmlns:a16="http://schemas.microsoft.com/office/drawing/2014/main" val="20003"/>
+                      <a16:colId xmlns:a16="http://schemas.microsoft.com/office/drawing/2014/main" xmlns="" val="20003"/>
                     </a:ext>
                   </a:extLst>
                 </a:gridCol>
                 <a:gridCol w="1598674">
                   <a:extLst>
                     <a:ext uri="{9D8B030D-6E8A-4147-A177-3AD203B41FA5}">
-                      <a16:colId xmlns:a16="http://schemas.microsoft.com/office/drawing/2014/main" val="20004"/>
+                      <a16:colId xmlns:a16="http://schemas.microsoft.com/office/drawing/2014/main" xmlns="" val="20004"/>
                     </a:ext>
                   </a:extLst>
                 </a:gridCol>
                 <a:gridCol w="722414">
                   <a:extLst>
                     <a:ext uri="{9D8B030D-6E8A-4147-A177-3AD203B41FA5}">
-                      <a16:colId xmlns:a16="http://schemas.microsoft.com/office/drawing/2014/main" val="20005"/>
+                      <a16:colId xmlns:a16="http://schemas.microsoft.com/office/drawing/2014/main" xmlns="" val="20005"/>
                     </a:ext>
                   </a:extLst>
                 </a:gridCol>
@@ -6218,7 +6178,7 @@
                 </a:tc>
                 <a:extLst>
                   <a:ext uri="{0D108BD9-81ED-4DB2-BD59-A6C34878D82A}">
-                    <a16:rowId xmlns:a16="http://schemas.microsoft.com/office/drawing/2014/main" val="10000"/>
+                    <a16:rowId xmlns:a16="http://schemas.microsoft.com/office/drawing/2014/main" xmlns="" val="10000"/>
                   </a:ext>
                 </a:extLst>
               </a:tr>
@@ -6447,7 +6407,7 @@
                 </a:tc>
                 <a:extLst>
                   <a:ext uri="{0D108BD9-81ED-4DB2-BD59-A6C34878D82A}">
-                    <a16:rowId xmlns:a16="http://schemas.microsoft.com/office/drawing/2014/main" val="10001"/>
+                    <a16:rowId xmlns:a16="http://schemas.microsoft.com/office/drawing/2014/main" xmlns="" val="10001"/>
                   </a:ext>
                 </a:extLst>
               </a:tr>
@@ -6694,7 +6654,7 @@
                 </a:tc>
                 <a:extLst>
                   <a:ext uri="{0D108BD9-81ED-4DB2-BD59-A6C34878D82A}">
-                    <a16:rowId xmlns:a16="http://schemas.microsoft.com/office/drawing/2014/main" val="10002"/>
+                    <a16:rowId xmlns:a16="http://schemas.microsoft.com/office/drawing/2014/main" xmlns="" val="10002"/>
                   </a:ext>
                 </a:extLst>
               </a:tr>
@@ -6906,7 +6866,7 @@
                 </a:tc>
                 <a:extLst>
                   <a:ext uri="{0D108BD9-81ED-4DB2-BD59-A6C34878D82A}">
-                    <a16:rowId xmlns:a16="http://schemas.microsoft.com/office/drawing/2014/main" val="10003"/>
+                    <a16:rowId xmlns:a16="http://schemas.microsoft.com/office/drawing/2014/main" xmlns="" val="10003"/>
                   </a:ext>
                 </a:extLst>
               </a:tr>
@@ -7195,7 +7155,7 @@
                 </a:tc>
                 <a:extLst>
                   <a:ext uri="{0D108BD9-81ED-4DB2-BD59-A6C34878D82A}">
-                    <a16:rowId xmlns:a16="http://schemas.microsoft.com/office/drawing/2014/main" val="10004"/>
+                    <a16:rowId xmlns:a16="http://schemas.microsoft.com/office/drawing/2014/main" xmlns="" val="10004"/>
                   </a:ext>
                 </a:extLst>
               </a:tr>
@@ -7426,7 +7386,7 @@
                 </a:tc>
                 <a:extLst>
                   <a:ext uri="{0D108BD9-81ED-4DB2-BD59-A6C34878D82A}">
-                    <a16:rowId xmlns:a16="http://schemas.microsoft.com/office/drawing/2014/main" val="10005"/>
+                    <a16:rowId xmlns:a16="http://schemas.microsoft.com/office/drawing/2014/main" xmlns="" val="10005"/>
                   </a:ext>
                 </a:extLst>
               </a:tr>
@@ -7636,7 +7596,7 @@
                 </a:tc>
                 <a:extLst>
                   <a:ext uri="{0D108BD9-81ED-4DB2-BD59-A6C34878D82A}">
-                    <a16:rowId xmlns:a16="http://schemas.microsoft.com/office/drawing/2014/main" val="10006"/>
+                    <a16:rowId xmlns:a16="http://schemas.microsoft.com/office/drawing/2014/main" xmlns="" val="10006"/>
                   </a:ext>
                 </a:extLst>
               </a:tr>
@@ -7823,7 +7783,7 @@
                 </a:tc>
                 <a:extLst>
                   <a:ext uri="{0D108BD9-81ED-4DB2-BD59-A6C34878D82A}">
-                    <a16:rowId xmlns:a16="http://schemas.microsoft.com/office/drawing/2014/main" val="10007"/>
+                    <a16:rowId xmlns:a16="http://schemas.microsoft.com/office/drawing/2014/main" xmlns="" val="10007"/>
                   </a:ext>
                 </a:extLst>
               </a:tr>
@@ -13322,14 +13282,40 @@
         </p:spPr>
         <p:txBody>
           <a:bodyPr>
-            <a:normAutofit/>
+            <a:normAutofit lnSpcReduction="10000"/>
           </a:bodyPr>
           <a:lstStyle/>
           <a:p>
             <a:r>
               <a:rPr lang="en-US" dirty="0"/>
-              <a:t>Project used the Agile methodology throughout development</a:t>
-            </a:r>
+              <a:t>Project used the Agile methodology throughout </a:t>
+            </a:r>
+            <a:r>
+              <a:rPr lang="en-US" dirty="0" smtClean="0"/>
+              <a:t>development for several reasons:</a:t>
+            </a:r>
+          </a:p>
+          <a:p>
+            <a:pPr lvl="1"/>
+            <a:r>
+              <a:rPr lang="en-US" dirty="0" smtClean="0"/>
+              <a:t>Short project timeline</a:t>
+            </a:r>
+          </a:p>
+          <a:p>
+            <a:pPr lvl="1"/>
+            <a:r>
+              <a:rPr lang="en-US" dirty="0" smtClean="0"/>
+              <a:t>Rapid development</a:t>
+            </a:r>
+          </a:p>
+          <a:p>
+            <a:pPr lvl="1"/>
+            <a:r>
+              <a:rPr lang="en-US" dirty="0" smtClean="0"/>
+              <a:t>Adaptation to changes</a:t>
+            </a:r>
+            <a:endParaRPr lang="en-US" dirty="0"/>
           </a:p>
           <a:p>
             <a:r>

--- a/ChildAlertSystem/ProjectDocuments/ECE574_final_project.pptx
+++ b/ChildAlertSystem/ProjectDocuments/ECE574_final_project.pptx
@@ -21,7 +21,10 @@
     <p:sldId id="276" r:id="rId15"/>
     <p:sldId id="278" r:id="rId16"/>
     <p:sldId id="270" r:id="rId17"/>
-    <p:sldId id="271" r:id="rId18"/>
+    <p:sldId id="287" r:id="rId18"/>
+    <p:sldId id="283" r:id="rId19"/>
+    <p:sldId id="285" r:id="rId20"/>
+    <p:sldId id="286" r:id="rId21"/>
   </p:sldIdLst>
   <p:sldSz cx="9144000" cy="6858000" type="screen4x3"/>
   <p:notesSz cx="6858000" cy="9144000"/>
@@ -141,9 +144,7 @@
 
 <file path=ppt/commentAuthors.xml><?xml version="1.0" encoding="utf-8"?>
 <p:cmAuthorLst xmlns:a="http://schemas.openxmlformats.org/drawingml/2006/main" xmlns:r="http://schemas.openxmlformats.org/officeDocument/2006/relationships" xmlns:p="http://schemas.openxmlformats.org/presentationml/2006/main">
-  <p:cmAuthor id="1" name="Trishok K." initials="TK" lastIdx="3" clrIdx="0">
-    <p:extLst/>
-  </p:cmAuthor>
+  <p:cmAuthor id="1" name="Trishok K." initials="TK" lastIdx="3" clrIdx="0"/>
   <p:cmAuthor id="2" name="ckatkins" initials="c" lastIdx="0" clrIdx="1"/>
 </p:cmAuthorLst>
 </file>
@@ -7966,6 +7967,220 @@
           <a:p>
             <a:r>
               <a:rPr lang="en-US" dirty="0"/>
+              <a:t>Future Scope</a:t>
+            </a:r>
+          </a:p>
+        </p:txBody>
+      </p:sp>
+      <p:sp>
+        <p:nvSpPr>
+          <p:cNvPr id="5" name="Content Placeholder 5"/>
+          <p:cNvSpPr>
+            <a:spLocks noGrp="1"/>
+          </p:cNvSpPr>
+          <p:nvPr>
+            <p:ph sz="quarter" idx="2"/>
+          </p:nvPr>
+        </p:nvSpPr>
+        <p:spPr>
+          <a:xfrm>
+            <a:off x="457200" y="1295400"/>
+            <a:ext cx="8229600" cy="4876800"/>
+          </a:xfrm>
+        </p:spPr>
+        <p:txBody>
+          <a:bodyPr>
+            <a:normAutofit/>
+          </a:bodyPr>
+          <a:lstStyle/>
+          <a:p>
+            <a:pPr fontAlgn="base"/>
+            <a:r>
+              <a:rPr lang="en-US" sz="2700" i="1" dirty="0">
+                <a:effectLst>
+                  <a:outerShdw sx="0" sy="0">
+                    <a:srgbClr val="000000"/>
+                  </a:outerShdw>
+                </a:effectLst>
+              </a:rPr>
+              <a:t>Temperature sensor</a:t>
+            </a:r>
+          </a:p>
+          <a:p>
+            <a:pPr lvl="1"/>
+            <a:r>
+              <a:rPr lang="en-US" sz="2500" dirty="0"/>
+              <a:t>Include temperature with alert messages </a:t>
+            </a:r>
+            <a:r>
+              <a:rPr lang="en-US" dirty="0" smtClean="0"/>
+              <a:t>All </a:t>
+            </a:r>
+            <a:r>
+              <a:rPr lang="en-US" dirty="0"/>
+              <a:t>requirements successfully met</a:t>
+            </a:r>
+          </a:p>
+          <a:p>
+            <a:pPr fontAlgn="base"/>
+            <a:r>
+              <a:rPr lang="en-US" sz="2700" i="1" dirty="0">
+                <a:effectLst>
+                  <a:outerShdw sx="0" sy="0">
+                    <a:srgbClr val="000000"/>
+                  </a:outerShdw>
+                </a:effectLst>
+              </a:rPr>
+              <a:t>Adjustable Alert Intervals</a:t>
+            </a:r>
+          </a:p>
+          <a:p>
+            <a:pPr lvl="1" fontAlgn="base"/>
+            <a:r>
+              <a:rPr lang="en-US" sz="2400" i="1" dirty="0">
+                <a:effectLst>
+                  <a:outerShdw sx="0" sy="0">
+                    <a:srgbClr val="000000"/>
+                  </a:outerShdw>
+                </a:effectLst>
+              </a:rPr>
+              <a:t>Use temperature sensor to adjust alert interval</a:t>
+            </a:r>
+          </a:p>
+          <a:p>
+            <a:pPr lvl="1" fontAlgn="base"/>
+            <a:r>
+              <a:rPr lang="en-US" sz="2400" i="1" dirty="0">
+                <a:effectLst>
+                  <a:outerShdw sx="0" sy="0">
+                    <a:srgbClr val="000000"/>
+                  </a:outerShdw>
+                </a:effectLst>
+              </a:rPr>
+              <a:t>Shorter interval as temperature increases</a:t>
+            </a:r>
+          </a:p>
+          <a:p>
+            <a:pPr fontAlgn="base"/>
+            <a:r>
+              <a:rPr lang="en-US" sz="2700" i="1" dirty="0">
+                <a:effectLst>
+                  <a:outerShdw sx="0" sy="0">
+                    <a:srgbClr val="000000"/>
+                  </a:outerShdw>
+                </a:effectLst>
+              </a:rPr>
+              <a:t>Additional Sensors</a:t>
+            </a:r>
+          </a:p>
+          <a:p>
+            <a:pPr lvl="1" fontAlgn="base"/>
+            <a:r>
+              <a:rPr lang="en-US" sz="2400" i="1" dirty="0">
+                <a:effectLst>
+                  <a:outerShdw sx="0" sy="0">
+                    <a:srgbClr val="000000"/>
+                  </a:outerShdw>
+                </a:effectLst>
+              </a:rPr>
+              <a:t>Plug-and-play sensors</a:t>
+            </a:r>
+          </a:p>
+          <a:p>
+            <a:pPr lvl="1" fontAlgn="base"/>
+            <a:r>
+              <a:rPr lang="en-US" sz="2400" i="1" dirty="0">
+                <a:effectLst>
+                  <a:outerShdw sx="0" sy="0">
+                    <a:srgbClr val="000000"/>
+                  </a:outerShdw>
+                </a:effectLst>
+              </a:rPr>
+              <a:t>Allow for using an adult passenger as a proxy for the driver</a:t>
+            </a:r>
+          </a:p>
+          <a:p>
+            <a:pPr lvl="1" fontAlgn="base"/>
+            <a:r>
+              <a:rPr lang="en-US" sz="2400" i="1" dirty="0">
+                <a:effectLst>
+                  <a:outerShdw sx="0" sy="0">
+                    <a:srgbClr val="000000"/>
+                  </a:outerShdw>
+                </a:effectLst>
+              </a:rPr>
+              <a:t>Allow for monitoring multiple children</a:t>
+            </a:r>
+          </a:p>
+          <a:p>
+            <a:pPr lvl="1" fontAlgn="base"/>
+            <a:r>
+              <a:rPr lang="en-US" sz="2400" i="1" dirty="0">
+                <a:effectLst>
+                  <a:outerShdw sx="0" sy="0">
+                    <a:srgbClr val="000000"/>
+                  </a:outerShdw>
+                </a:effectLst>
+              </a:rPr>
+              <a:t>Use weight threshold to identify passenger as child or adult</a:t>
+            </a:r>
+            <a:endParaRPr lang="en-US" sz="2400" i="1" dirty="0">
+              <a:effectLst>
+                <a:outerShdw sx="0" sy="0">
+                  <a:srgbClr val="000000"/>
+                </a:outerShdw>
+              </a:effectLst>
+            </a:endParaRPr>
+          </a:p>
+        </p:txBody>
+      </p:sp>
+    </p:spTree>
+    <p:extLst>
+      <p:ext uri="{BB962C8B-B14F-4D97-AF65-F5344CB8AC3E}">
+        <p14:creationId xmlns:p14="http://schemas.microsoft.com/office/powerpoint/2010/main" val="2926932172"/>
+      </p:ext>
+    </p:extLst>
+  </p:cSld>
+  <p:clrMapOvr>
+    <a:masterClrMapping/>
+  </p:clrMapOvr>
+</p:sld>
+</file>
+
+<file path=ppt/slides/slide18.xml><?xml version="1.0" encoding="utf-8"?>
+<p:sld xmlns:a="http://schemas.openxmlformats.org/drawingml/2006/main" xmlns:r="http://schemas.openxmlformats.org/officeDocument/2006/relationships" xmlns:p="http://schemas.openxmlformats.org/presentationml/2006/main">
+  <p:cSld>
+    <p:spTree>
+      <p:nvGrpSpPr>
+        <p:cNvPr id="1" name=""/>
+        <p:cNvGrpSpPr/>
+        <p:nvPr/>
+      </p:nvGrpSpPr>
+      <p:grpSpPr>
+        <a:xfrm>
+          <a:off x="0" y="0"/>
+          <a:ext cx="0" cy="0"/>
+          <a:chOff x="0" y="0"/>
+          <a:chExt cx="0" cy="0"/>
+        </a:xfrm>
+      </p:grpSpPr>
+      <p:sp>
+        <p:nvSpPr>
+          <p:cNvPr id="4" name="Title 3"/>
+          <p:cNvSpPr>
+            <a:spLocks noGrp="1"/>
+          </p:cNvSpPr>
+          <p:nvPr>
+            <p:ph type="title"/>
+          </p:nvPr>
+        </p:nvSpPr>
+        <p:spPr/>
+        <p:txBody>
+          <a:bodyPr/>
+          <a:lstStyle/>
+          <a:p>
+            <a:r>
+              <a:rPr lang="en-US" dirty="0"/>
               <a:t>Conclusion</a:t>
             </a:r>
           </a:p>
@@ -8021,7 +8236,239 @@
     </p:spTree>
     <p:extLst>
       <p:ext uri="{BB962C8B-B14F-4D97-AF65-F5344CB8AC3E}">
-        <p14:creationId xmlns:p14="http://schemas.microsoft.com/office/powerpoint/2010/main" val="2629970162"/>
+        <p14:creationId xmlns:p14="http://schemas.microsoft.com/office/powerpoint/2010/main" val="1544150675"/>
+      </p:ext>
+    </p:extLst>
+  </p:cSld>
+  <p:clrMapOvr>
+    <a:masterClrMapping/>
+  </p:clrMapOvr>
+</p:sld>
+</file>
+
+<file path=ppt/slides/slide19.xml><?xml version="1.0" encoding="utf-8"?>
+<p:sld xmlns:a="http://schemas.openxmlformats.org/drawingml/2006/main" xmlns:r="http://schemas.openxmlformats.org/officeDocument/2006/relationships" xmlns:p="http://schemas.openxmlformats.org/presentationml/2006/main">
+  <p:cSld>
+    <p:spTree>
+      <p:nvGrpSpPr>
+        <p:cNvPr id="1" name=""/>
+        <p:cNvGrpSpPr/>
+        <p:nvPr/>
+      </p:nvGrpSpPr>
+      <p:grpSpPr>
+        <a:xfrm>
+          <a:off x="0" y="0"/>
+          <a:ext cx="0" cy="0"/>
+          <a:chOff x="0" y="0"/>
+          <a:chExt cx="0" cy="0"/>
+        </a:xfrm>
+      </p:grpSpPr>
+      <p:sp>
+        <p:nvSpPr>
+          <p:cNvPr id="4" name="Title 3"/>
+          <p:cNvSpPr>
+            <a:spLocks noGrp="1"/>
+          </p:cNvSpPr>
+          <p:nvPr>
+            <p:ph type="title"/>
+          </p:nvPr>
+        </p:nvSpPr>
+        <p:spPr/>
+        <p:txBody>
+          <a:bodyPr/>
+          <a:lstStyle/>
+          <a:p>
+            <a:r>
+              <a:rPr lang="en-US" dirty="0"/>
+              <a:t>References</a:t>
+            </a:r>
+          </a:p>
+        </p:txBody>
+      </p:sp>
+      <p:sp>
+        <p:nvSpPr>
+          <p:cNvPr id="6" name="Content Placeholder 5"/>
+          <p:cNvSpPr>
+            <a:spLocks noGrp="1"/>
+          </p:cNvSpPr>
+          <p:nvPr>
+            <p:ph sz="quarter" idx="2"/>
+          </p:nvPr>
+        </p:nvSpPr>
+        <p:spPr>
+          <a:xfrm>
+            <a:off x="457200" y="1295400"/>
+            <a:ext cx="8229600" cy="4876800"/>
+          </a:xfrm>
+        </p:spPr>
+        <p:txBody>
+          <a:bodyPr>
+            <a:normAutofit fontScale="62500" lnSpcReduction="20000"/>
+          </a:bodyPr>
+          <a:lstStyle/>
+          <a:p>
+            <a:pPr lvl="0"/>
+            <a:r>
+              <a:rPr lang="en-US" dirty="0"/>
+              <a:t>Willingham, A. (2018, July 20). </a:t>
+            </a:r>
+            <a:r>
+              <a:rPr lang="en-US" i="1" dirty="0"/>
+              <a:t>Hot Car Deaths Child Charts Graphs</a:t>
+            </a:r>
+            <a:r>
+              <a:rPr lang="en-US" dirty="0"/>
+              <a:t>. Retrieved 11 28, 2019, from CNN: https://www.cnn.com/2018/07/03/health/hot-car-deaths-child-charts-graphs-trnd/index.html</a:t>
+            </a:r>
+          </a:p>
+          <a:p>
+            <a:pPr lvl="0"/>
+            <a:r>
+              <a:rPr lang="en-US" dirty="0" err="1"/>
+              <a:t>Sprovieri</a:t>
+            </a:r>
+            <a:r>
+              <a:rPr lang="en-US" dirty="0"/>
+              <a:t>, J. (2014, July 1). </a:t>
+            </a:r>
+            <a:r>
+              <a:rPr lang="en-US" i="1" dirty="0"/>
+              <a:t>Wire Harness Recycling</a:t>
+            </a:r>
+            <a:r>
+              <a:rPr lang="en-US" dirty="0"/>
+              <a:t>. Retrieved 11 28, 2019, from Assembly Mag: https://www.assemblymag.com/articles/92263-wire-harness-recycling</a:t>
+            </a:r>
+          </a:p>
+          <a:p>
+            <a:pPr lvl="0"/>
+            <a:r>
+              <a:rPr lang="en-US" dirty="0"/>
+              <a:t>Miller, S. S. (2019, 8 9). </a:t>
+            </a:r>
+            <a:r>
+              <a:rPr lang="en-US" i="1" dirty="0"/>
+              <a:t>High-tech alarms go off when kids are left in hot cars</a:t>
+            </a:r>
+            <a:r>
+              <a:rPr lang="en-US" dirty="0"/>
+              <a:t>. Retrieved 11 28, 2019, from Mashable: </a:t>
+            </a:r>
+            <a:r>
+              <a:rPr lang="en-US" u="sng" dirty="0">
+                <a:hlinkClick r:id="rId2"/>
+              </a:rPr>
+              <a:t>https://mashable.com/article/car-seat-alarms-prevent-hot-car-death</a:t>
+            </a:r>
+            <a:endParaRPr lang="en-US" dirty="0"/>
+          </a:p>
+          <a:p>
+            <a:pPr lvl="0"/>
+            <a:r>
+              <a:rPr lang="en-US" dirty="0"/>
+              <a:t>Baldwin, D. (2019, 8 21). Life-Saving Car Seat Alarms That Remind Parents There’s a Baby in the Back Seat. Retrieved 28 11, 2019, from Fatherly: https://www.fatherly.com/gear/best-car-seat-alarms/</a:t>
+            </a:r>
+          </a:p>
+          <a:p>
+            <a:pPr lvl="0"/>
+            <a:r>
+              <a:rPr lang="en-US" dirty="0"/>
+              <a:t>Marcoux, H. (2019, 7 18). 5 safety apps that remind parents there's a baby in the back seat. Retrieved 11 28, 2019, from Motherly: https://www.mother.ly/news/best-car-seat-sensor-app?rebelltitem=5#rebelltitem5</a:t>
+            </a:r>
+          </a:p>
+          <a:p>
+            <a:pPr lvl="0"/>
+            <a:r>
+              <a:rPr lang="en-US" dirty="0"/>
+              <a:t>Wikipedia. (2019, 11 07). </a:t>
+            </a:r>
+            <a:r>
+              <a:rPr lang="en-US" i="1" dirty="0"/>
+              <a:t>Strain Gauge</a:t>
+            </a:r>
+            <a:r>
+              <a:rPr lang="en-US" dirty="0"/>
+              <a:t>. Retrieved 11 28, 2019, from Wikipedia: </a:t>
+            </a:r>
+            <a:r>
+              <a:rPr lang="en-US" u="sng" dirty="0">
+                <a:hlinkClick r:id="rId3"/>
+              </a:rPr>
+              <a:t>https://en.wikipedia.org/wiki/Strain_gauge</a:t>
+            </a:r>
+            <a:endParaRPr lang="en-US" dirty="0"/>
+          </a:p>
+          <a:p>
+            <a:pPr lvl="0"/>
+            <a:r>
+              <a:rPr lang="en-US" dirty="0"/>
+              <a:t>Wikipedia. (2019, November 27). </a:t>
+            </a:r>
+            <a:r>
+              <a:rPr lang="en-US" i="1" dirty="0"/>
+              <a:t>Wheatstone Bridge</a:t>
+            </a:r>
+            <a:r>
+              <a:rPr lang="en-US" dirty="0"/>
+              <a:t>. Retrieved 11 28, 2019, from Wikipedia: https://en.wikipedia.org/wiki/Wheatstone_bridge</a:t>
+            </a:r>
+          </a:p>
+          <a:p>
+            <a:pPr lvl="0"/>
+            <a:r>
+              <a:rPr lang="en-US" dirty="0"/>
+              <a:t>Avia Semiconductor. (2017, 1 1). </a:t>
+            </a:r>
+            <a:r>
+              <a:rPr lang="en-US" i="1" dirty="0"/>
+              <a:t>HX711</a:t>
+            </a:r>
+            <a:r>
+              <a:rPr lang="en-US" dirty="0"/>
+              <a:t>. Retrieved 11 28, 2019, from </a:t>
+            </a:r>
+            <a:r>
+              <a:rPr lang="en-US" dirty="0" err="1"/>
+              <a:t>alldatasheet</a:t>
+            </a:r>
+            <a:r>
+              <a:rPr lang="en-US" dirty="0"/>
+              <a:t>: https://www.alldatasheet.com/datasheet-pdf/pdf/1132222/AVIA/HX711.html</a:t>
+            </a:r>
+          </a:p>
+          <a:p>
+            <a:pPr lvl="0"/>
+            <a:r>
+              <a:rPr lang="en-US" dirty="0" err="1"/>
+              <a:t>Digikey</a:t>
+            </a:r>
+            <a:r>
+              <a:rPr lang="en-US" dirty="0"/>
+              <a:t>. (2014, 5 28). </a:t>
+            </a:r>
+            <a:r>
+              <a:rPr lang="en-US" i="1" dirty="0" err="1"/>
+              <a:t>Schemeit</a:t>
+            </a:r>
+            <a:r>
+              <a:rPr lang="en-US" dirty="0"/>
+              <a:t>. Retrieved 11 28, 2019, from </a:t>
+            </a:r>
+            <a:r>
+              <a:rPr lang="en-US" dirty="0" err="1"/>
+              <a:t>Digikey</a:t>
+            </a:r>
+            <a:r>
+              <a:rPr lang="en-US" dirty="0"/>
+              <a:t>: https://www.digikey.com/schemeit/project</a:t>
+            </a:r>
+          </a:p>
+        </p:txBody>
+      </p:sp>
+    </p:spTree>
+    <p:extLst>
+      <p:ext uri="{BB962C8B-B14F-4D97-AF65-F5344CB8AC3E}">
+        <p14:creationId xmlns:p14="http://schemas.microsoft.com/office/powerpoint/2010/main" val="1473190690"/>
       </p:ext>
     </p:extLst>
   </p:cSld>
@@ -8138,6 +8585,307 @@
     <p:extLst>
       <p:ext uri="{BB962C8B-B14F-4D97-AF65-F5344CB8AC3E}">
         <p14:creationId xmlns:p14="http://schemas.microsoft.com/office/powerpoint/2010/main" val="612855696"/>
+      </p:ext>
+    </p:extLst>
+  </p:cSld>
+  <p:clrMapOvr>
+    <a:masterClrMapping/>
+  </p:clrMapOvr>
+</p:sld>
+</file>
+
+<file path=ppt/slides/slide20.xml><?xml version="1.0" encoding="utf-8"?>
+<p:sld xmlns:a="http://schemas.openxmlformats.org/drawingml/2006/main" xmlns:r="http://schemas.openxmlformats.org/officeDocument/2006/relationships" xmlns:p="http://schemas.openxmlformats.org/presentationml/2006/main">
+  <p:cSld>
+    <p:spTree>
+      <p:nvGrpSpPr>
+        <p:cNvPr id="1" name=""/>
+        <p:cNvGrpSpPr/>
+        <p:nvPr/>
+      </p:nvGrpSpPr>
+      <p:grpSpPr>
+        <a:xfrm>
+          <a:off x="0" y="0"/>
+          <a:ext cx="0" cy="0"/>
+          <a:chOff x="0" y="0"/>
+          <a:chExt cx="0" cy="0"/>
+        </a:xfrm>
+      </p:grpSpPr>
+      <p:sp>
+        <p:nvSpPr>
+          <p:cNvPr id="4" name="Title 3"/>
+          <p:cNvSpPr>
+            <a:spLocks noGrp="1"/>
+          </p:cNvSpPr>
+          <p:nvPr>
+            <p:ph type="title"/>
+          </p:nvPr>
+        </p:nvSpPr>
+        <p:spPr/>
+        <p:txBody>
+          <a:bodyPr/>
+          <a:lstStyle/>
+          <a:p>
+            <a:r>
+              <a:rPr lang="en-US" dirty="0"/>
+              <a:t>References</a:t>
+            </a:r>
+          </a:p>
+        </p:txBody>
+      </p:sp>
+      <p:sp>
+        <p:nvSpPr>
+          <p:cNvPr id="6" name="Content Placeholder 5"/>
+          <p:cNvSpPr>
+            <a:spLocks noGrp="1"/>
+          </p:cNvSpPr>
+          <p:nvPr>
+            <p:ph sz="quarter" idx="2"/>
+          </p:nvPr>
+        </p:nvSpPr>
+        <p:spPr>
+          <a:xfrm>
+            <a:off x="457200" y="1295400"/>
+            <a:ext cx="8229600" cy="4876800"/>
+          </a:xfrm>
+        </p:spPr>
+        <p:txBody>
+          <a:bodyPr>
+            <a:normAutofit fontScale="55000" lnSpcReduction="20000"/>
+          </a:bodyPr>
+          <a:lstStyle/>
+          <a:p>
+            <a:pPr lvl="0"/>
+            <a:r>
+              <a:rPr lang="en-US" i="1" dirty="0"/>
+              <a:t>Software</a:t>
+            </a:r>
+            <a:r>
+              <a:rPr lang="en-US" dirty="0"/>
+              <a:t>. (2015, 5 15). Retrieved 11 28, 2019, from Arduino: https://www.arduino.cc/en/Main/Software</a:t>
+            </a:r>
+          </a:p>
+          <a:p>
+            <a:pPr lvl="0"/>
+            <a:r>
+              <a:rPr lang="en-US" dirty="0"/>
+              <a:t>Wikipedia. (2019, 11 5). </a:t>
+            </a:r>
+            <a:r>
+              <a:rPr lang="en-US" i="1" dirty="0"/>
+              <a:t>MQTT</a:t>
+            </a:r>
+            <a:r>
+              <a:rPr lang="en-US" dirty="0"/>
+              <a:t>. Retrieved 11 28, 2019, from Wikipedia: https://en.wikipedia.org/wiki/MQTT</a:t>
+            </a:r>
+          </a:p>
+          <a:p>
+            <a:r>
+              <a:rPr lang="en-US" dirty="0"/>
+              <a:t>Fahad, E. (2019, 4 27). </a:t>
+            </a:r>
+            <a:r>
+              <a:rPr lang="en-US" i="1" dirty="0"/>
+              <a:t>HX711 Load cell or Strain Gauge and Arduino</a:t>
+            </a:r>
+            <a:r>
+              <a:rPr lang="en-US" dirty="0"/>
+              <a:t>. Retrieved 11 28, 2019, from Electronic </a:t>
+            </a:r>
+            <a:r>
+              <a:rPr lang="en-US" dirty="0" err="1"/>
+              <a:t>CLinic</a:t>
+            </a:r>
+            <a:r>
+              <a:rPr lang="en-US" dirty="0"/>
+              <a:t>: </a:t>
+            </a:r>
+            <a:r>
+              <a:rPr lang="en-US" u="sng" dirty="0">
+                <a:hlinkClick r:id="rId2"/>
+              </a:rPr>
+              <a:t>https://www.electroniclinic.com/hx711-load-cell-or-strain-gauge-and-arduino</a:t>
+            </a:r>
+            <a:endParaRPr lang="en-US" dirty="0"/>
+          </a:p>
+          <a:p>
+            <a:r>
+              <a:rPr lang="en-US" dirty="0"/>
+              <a:t>AWS IoT Developer Guide  </a:t>
+            </a:r>
+            <a:r>
+              <a:rPr lang="en-US" dirty="0" err="1"/>
+              <a:t>Retreived</a:t>
+            </a:r>
+            <a:r>
+              <a:rPr lang="en-US" dirty="0"/>
+              <a:t> 11 28, 2019, from AWS Console: </a:t>
+            </a:r>
+            <a:r>
+              <a:rPr lang="en-US" u="sng" dirty="0">
+                <a:hlinkClick r:id="rId3"/>
+              </a:rPr>
+              <a:t>https://docs.amazonaws.cn/en_us/iot/latest/developerguide/iot-dg.pdf</a:t>
+            </a:r>
+            <a:endParaRPr lang="en-US" dirty="0"/>
+          </a:p>
+          <a:p>
+            <a:r>
+              <a:rPr lang="en-US" dirty="0"/>
+              <a:t> </a:t>
+            </a:r>
+            <a:r>
+              <a:rPr lang="en-US" dirty="0" err="1"/>
+              <a:t>Annaconda</a:t>
+            </a:r>
+            <a:r>
+              <a:rPr lang="en-US" dirty="0"/>
+              <a:t> Python Software Download, </a:t>
+            </a:r>
+            <a:r>
+              <a:rPr lang="en-US" dirty="0" err="1"/>
+              <a:t>Retreived</a:t>
+            </a:r>
+            <a:r>
+              <a:rPr lang="en-US" dirty="0"/>
+              <a:t> 11 28, 2019 from Anaconda Distributions: </a:t>
+            </a:r>
+            <a:r>
+              <a:rPr lang="en-US" u="sng" dirty="0">
+                <a:hlinkClick r:id="rId4"/>
+              </a:rPr>
+              <a:t>https://www.anaconda.com/distribution/</a:t>
+            </a:r>
+            <a:r>
+              <a:rPr lang="en-US" dirty="0"/>
+              <a:t>   </a:t>
+            </a:r>
+          </a:p>
+          <a:p>
+            <a:r>
+              <a:rPr lang="en-US" dirty="0"/>
+              <a:t> Anaconda Python    Documentation for reference, </a:t>
+            </a:r>
+            <a:r>
+              <a:rPr lang="en-US" dirty="0" err="1"/>
+              <a:t>Retreived</a:t>
+            </a:r>
+            <a:r>
+              <a:rPr lang="en-US" dirty="0"/>
+              <a:t> 11 28, 2019 from Anaconda Distribution </a:t>
+            </a:r>
+            <a:r>
+              <a:rPr lang="en-US" u="sng" dirty="0">
+                <a:hlinkClick r:id="rId5"/>
+              </a:rPr>
+              <a:t>https://docs.anaconda.com/anaconda/</a:t>
+            </a:r>
+            <a:r>
+              <a:rPr lang="en-US" dirty="0"/>
+              <a:t>     </a:t>
+            </a:r>
+          </a:p>
+          <a:p>
+            <a:r>
+              <a:rPr lang="en-US" dirty="0"/>
+              <a:t>  AWS IoT </a:t>
+            </a:r>
+            <a:r>
+              <a:rPr lang="en-US" dirty="0" err="1"/>
+              <a:t>Retreived</a:t>
+            </a:r>
+            <a:r>
+              <a:rPr lang="en-US" dirty="0"/>
+              <a:t> 11, 28, 2019 from AWS IoT Console: </a:t>
+            </a:r>
+            <a:r>
+              <a:rPr lang="en-US" u="sng" dirty="0">
+                <a:hlinkClick r:id="rId6"/>
+              </a:rPr>
+              <a:t>https://docs.aws.amazon.com/iot/latest/developerguide/what-is-aws-iot.html</a:t>
+            </a:r>
+            <a:endParaRPr lang="en-US" dirty="0"/>
+          </a:p>
+          <a:p>
+            <a:r>
+              <a:rPr lang="en-US" dirty="0"/>
+              <a:t> TCP/IP Socket Programming for server </a:t>
+            </a:r>
+            <a:r>
+              <a:rPr lang="en-US" dirty="0" err="1"/>
+              <a:t>connction</a:t>
+            </a:r>
+            <a:r>
+              <a:rPr lang="en-US" dirty="0"/>
+              <a:t>, </a:t>
+            </a:r>
+            <a:r>
+              <a:rPr lang="en-US" dirty="0" err="1"/>
+              <a:t>Retreived</a:t>
+            </a:r>
+            <a:r>
+              <a:rPr lang="en-US" dirty="0"/>
+              <a:t> 11,28,2109:</a:t>
+            </a:r>
+          </a:p>
+          <a:p>
+            <a:r>
+              <a:rPr lang="en-US" u="sng" dirty="0">
+                <a:hlinkClick r:id="rId7"/>
+              </a:rPr>
+              <a:t>https://pymotw.com/2/socket/tcp.html</a:t>
+            </a:r>
+            <a:endParaRPr lang="en-US" dirty="0"/>
+          </a:p>
+          <a:p>
+            <a:r>
+              <a:rPr lang="en-US" dirty="0"/>
+              <a:t>  Setting Calibration Factor  for load cells, </a:t>
+            </a:r>
+            <a:r>
+              <a:rPr lang="en-US" dirty="0" err="1"/>
+              <a:t>Retreived</a:t>
+            </a:r>
+            <a:r>
+              <a:rPr lang="en-US" dirty="0"/>
+              <a:t> 11,28,2019: </a:t>
+            </a:r>
+            <a:r>
+              <a:rPr lang="en-US" u="sng" dirty="0">
+                <a:hlinkClick r:id="rId8"/>
+              </a:rPr>
+              <a:t>https://gist.github.com/matt448/14d118e2fc5b6217da11</a:t>
+            </a:r>
+            <a:endParaRPr lang="en-US" dirty="0"/>
+          </a:p>
+          <a:p>
+            <a:r>
+              <a:rPr lang="en-US" dirty="0"/>
+              <a:t>  Connecting the HX711  to a three wire load  Cells , </a:t>
+            </a:r>
+            <a:r>
+              <a:rPr lang="en-US" dirty="0" err="1"/>
+              <a:t>Retreived</a:t>
+            </a:r>
+            <a:r>
+              <a:rPr lang="en-US" dirty="0"/>
+              <a:t> 11,28,2019</a:t>
+            </a:r>
+            <a:r>
+              <a:rPr lang="en-US" u="sng" dirty="0">
+                <a:hlinkClick r:id="rId9"/>
+              </a:rPr>
+              <a:t>https://electronics.stackexchange.com/questions/199487/connect-hx711-to-a-three-wire-load-cell</a:t>
+            </a:r>
+            <a:endParaRPr lang="en-US" dirty="0"/>
+          </a:p>
+        </p:txBody>
+      </p:sp>
+    </p:spTree>
+    <p:extLst>
+      <p:ext uri="{BB962C8B-B14F-4D97-AF65-F5344CB8AC3E}">
+        <p14:creationId xmlns:p14="http://schemas.microsoft.com/office/powerpoint/2010/main" val="2216523980"/>
       </p:ext>
     </p:extLst>
   </p:cSld>
@@ -13288,34 +14036,29 @@
           <a:p>
             <a:r>
               <a:rPr lang="en-US" dirty="0"/>
-              <a:t>Project used the Agile methodology throughout </a:t>
-            </a:r>
-            <a:r>
-              <a:rPr lang="en-US" dirty="0" smtClean="0"/>
-              <a:t>development for several reasons:</a:t>
+              <a:t>Project used the Agile methodology throughout development for several reasons:</a:t>
             </a:r>
           </a:p>
           <a:p>
             <a:pPr lvl="1"/>
             <a:r>
-              <a:rPr lang="en-US" dirty="0" smtClean="0"/>
+              <a:rPr lang="en-US" dirty="0"/>
               <a:t>Short project timeline</a:t>
             </a:r>
           </a:p>
           <a:p>
             <a:pPr lvl="1"/>
             <a:r>
-              <a:rPr lang="en-US" dirty="0" smtClean="0"/>
+              <a:rPr lang="en-US" dirty="0"/>
               <a:t>Rapid development</a:t>
             </a:r>
           </a:p>
           <a:p>
             <a:pPr lvl="1"/>
             <a:r>
-              <a:rPr lang="en-US" dirty="0" smtClean="0"/>
+              <a:rPr lang="en-US" dirty="0"/>
               <a:t>Adaptation to changes</a:t>
             </a:r>
-            <a:endParaRPr lang="en-US" dirty="0"/>
           </a:p>
           <a:p>
             <a:r>
